--- a/shape.pptx
+++ b/shape.pptx
@@ -105,6 +105,11 @@
       </a:defRPr>
     </a:lvl9pPr>
   </p:defaultTextStyle>
+  <p:extLst>
+    <p:ext uri="{EFAFB233-063F-42B5-8137-9DF3F51BA10A}">
+      <p15:sldGuideLst xmlns:p15="http://schemas.microsoft.com/office/powerpoint/2012/main"/>
+    </p:ext>
+  </p:extLst>
 </p:presentation>
 </file>
 
@@ -255,7 +260,7 @@
           <a:p>
             <a:fld id="{49EAE364-C7E0-4033-A71D-0B99B0E1032F}" type="datetimeFigureOut">
               <a:rPr lang="en-US" smtClean="0"/>
-              <a:t>20-Apr-20</a:t>
+              <a:t>21-Apr-20</a:t>
             </a:fld>
             <a:endParaRPr lang="en-US"/>
           </a:p>
@@ -453,7 +458,7 @@
           <a:p>
             <a:fld id="{49EAE364-C7E0-4033-A71D-0B99B0E1032F}" type="datetimeFigureOut">
               <a:rPr lang="en-US" smtClean="0"/>
-              <a:t>20-Apr-20</a:t>
+              <a:t>21-Apr-20</a:t>
             </a:fld>
             <a:endParaRPr lang="en-US"/>
           </a:p>
@@ -661,7 +666,7 @@
           <a:p>
             <a:fld id="{49EAE364-C7E0-4033-A71D-0B99B0E1032F}" type="datetimeFigureOut">
               <a:rPr lang="en-US" smtClean="0"/>
-              <a:t>20-Apr-20</a:t>
+              <a:t>21-Apr-20</a:t>
             </a:fld>
             <a:endParaRPr lang="en-US"/>
           </a:p>
@@ -859,7 +864,7 @@
           <a:p>
             <a:fld id="{49EAE364-C7E0-4033-A71D-0B99B0E1032F}" type="datetimeFigureOut">
               <a:rPr lang="en-US" smtClean="0"/>
-              <a:t>20-Apr-20</a:t>
+              <a:t>21-Apr-20</a:t>
             </a:fld>
             <a:endParaRPr lang="en-US"/>
           </a:p>
@@ -1134,7 +1139,7 @@
           <a:p>
             <a:fld id="{49EAE364-C7E0-4033-A71D-0B99B0E1032F}" type="datetimeFigureOut">
               <a:rPr lang="en-US" smtClean="0"/>
-              <a:t>20-Apr-20</a:t>
+              <a:t>21-Apr-20</a:t>
             </a:fld>
             <a:endParaRPr lang="en-US"/>
           </a:p>
@@ -1399,7 +1404,7 @@
           <a:p>
             <a:fld id="{49EAE364-C7E0-4033-A71D-0B99B0E1032F}" type="datetimeFigureOut">
               <a:rPr lang="en-US" smtClean="0"/>
-              <a:t>20-Apr-20</a:t>
+              <a:t>21-Apr-20</a:t>
             </a:fld>
             <a:endParaRPr lang="en-US"/>
           </a:p>
@@ -1811,7 +1816,7 @@
           <a:p>
             <a:fld id="{49EAE364-C7E0-4033-A71D-0B99B0E1032F}" type="datetimeFigureOut">
               <a:rPr lang="en-US" smtClean="0"/>
-              <a:t>20-Apr-20</a:t>
+              <a:t>21-Apr-20</a:t>
             </a:fld>
             <a:endParaRPr lang="en-US"/>
           </a:p>
@@ -1952,7 +1957,7 @@
           <a:p>
             <a:fld id="{49EAE364-C7E0-4033-A71D-0B99B0E1032F}" type="datetimeFigureOut">
               <a:rPr lang="en-US" smtClean="0"/>
-              <a:t>20-Apr-20</a:t>
+              <a:t>21-Apr-20</a:t>
             </a:fld>
             <a:endParaRPr lang="en-US"/>
           </a:p>
@@ -2065,7 +2070,7 @@
           <a:p>
             <a:fld id="{49EAE364-C7E0-4033-A71D-0B99B0E1032F}" type="datetimeFigureOut">
               <a:rPr lang="en-US" smtClean="0"/>
-              <a:t>20-Apr-20</a:t>
+              <a:t>21-Apr-20</a:t>
             </a:fld>
             <a:endParaRPr lang="en-US"/>
           </a:p>
@@ -2376,7 +2381,7 @@
           <a:p>
             <a:fld id="{49EAE364-C7E0-4033-A71D-0B99B0E1032F}" type="datetimeFigureOut">
               <a:rPr lang="en-US" smtClean="0"/>
-              <a:t>20-Apr-20</a:t>
+              <a:t>21-Apr-20</a:t>
             </a:fld>
             <a:endParaRPr lang="en-US"/>
           </a:p>
@@ -2664,7 +2669,7 @@
           <a:p>
             <a:fld id="{49EAE364-C7E0-4033-A71D-0B99B0E1032F}" type="datetimeFigureOut">
               <a:rPr lang="en-US" smtClean="0"/>
-              <a:t>20-Apr-20</a:t>
+              <a:t>21-Apr-20</a:t>
             </a:fld>
             <a:endParaRPr lang="en-US"/>
           </a:p>
@@ -2905,7 +2910,7 @@
           <a:p>
             <a:fld id="{49EAE364-C7E0-4033-A71D-0B99B0E1032F}" type="datetimeFigureOut">
               <a:rPr lang="en-US" smtClean="0"/>
-              <a:t>20-Apr-20</a:t>
+              <a:t>21-Apr-20</a:t>
             </a:fld>
             <a:endParaRPr lang="en-US"/>
           </a:p>
@@ -7071,6 +7076,286 @@
           <a:noFill/>
         </p:spPr>
         <p:txBody>
+          <a:bodyPr wrap="square" rtlCol="0">
+            <a:spAutoFit/>
+          </a:bodyPr>
+          <a:lstStyle/>
+          <a:p>
+            <a:r>
+              <a:rPr lang="en-US" dirty="0"/>
+              <a:t>20</a:t>
+            </a:r>
+          </a:p>
+        </p:txBody>
+      </p:sp>
+      <p:sp>
+        <p:nvSpPr>
+          <p:cNvPr id="87" name="TextBox 86">
+            <a:extLst>
+              <a:ext uri="{FF2B5EF4-FFF2-40B4-BE49-F238E27FC236}">
+                <a16:creationId xmlns:a16="http://schemas.microsoft.com/office/drawing/2014/main" id="{6720A2B1-40A8-4F94-B0EA-832C262DCA56}"/>
+              </a:ext>
+            </a:extLst>
+          </p:cNvPr>
+          <p:cNvSpPr txBox="1"/>
+          <p:nvPr/>
+        </p:nvSpPr>
+        <p:spPr>
+          <a:xfrm>
+            <a:off x="2914888" y="4927536"/>
+            <a:ext cx="418704" cy="369332"/>
+          </a:xfrm>
+          <a:prstGeom prst="rect">
+            <a:avLst/>
+          </a:prstGeom>
+          <a:noFill/>
+        </p:spPr>
+        <p:txBody>
+          <a:bodyPr wrap="square" rtlCol="0">
+            <a:spAutoFit/>
+          </a:bodyPr>
+          <a:lstStyle/>
+          <a:p>
+            <a:r>
+              <a:rPr lang="en-US" dirty="0"/>
+              <a:t>21</a:t>
+            </a:r>
+          </a:p>
+        </p:txBody>
+      </p:sp>
+      <p:sp>
+        <p:nvSpPr>
+          <p:cNvPr id="88" name="TextBox 87">
+            <a:extLst>
+              <a:ext uri="{FF2B5EF4-FFF2-40B4-BE49-F238E27FC236}">
+                <a16:creationId xmlns:a16="http://schemas.microsoft.com/office/drawing/2014/main" id="{C532697D-C747-4028-AE9E-CC92ADC334A6}"/>
+              </a:ext>
+            </a:extLst>
+          </p:cNvPr>
+          <p:cNvSpPr txBox="1"/>
+          <p:nvPr/>
+        </p:nvSpPr>
+        <p:spPr>
+          <a:xfrm>
+            <a:off x="2085598" y="4488959"/>
+            <a:ext cx="418704" cy="369332"/>
+          </a:xfrm>
+          <a:prstGeom prst="rect">
+            <a:avLst/>
+          </a:prstGeom>
+          <a:noFill/>
+        </p:spPr>
+        <p:txBody>
+          <a:bodyPr wrap="square" rtlCol="0">
+            <a:spAutoFit/>
+          </a:bodyPr>
+          <a:lstStyle/>
+          <a:p>
+            <a:r>
+              <a:rPr lang="en-US" dirty="0"/>
+              <a:t>22</a:t>
+            </a:r>
+          </a:p>
+        </p:txBody>
+      </p:sp>
+      <p:sp>
+        <p:nvSpPr>
+          <p:cNvPr id="89" name="TextBox 88">
+            <a:extLst>
+              <a:ext uri="{FF2B5EF4-FFF2-40B4-BE49-F238E27FC236}">
+                <a16:creationId xmlns:a16="http://schemas.microsoft.com/office/drawing/2014/main" id="{2AC4FC43-38C9-46CE-A113-E449983BBF77}"/>
+              </a:ext>
+            </a:extLst>
+          </p:cNvPr>
+          <p:cNvSpPr txBox="1"/>
+          <p:nvPr/>
+        </p:nvSpPr>
+        <p:spPr>
+          <a:xfrm>
+            <a:off x="3213256" y="4505275"/>
+            <a:ext cx="418704" cy="369332"/>
+          </a:xfrm>
+          <a:prstGeom prst="rect">
+            <a:avLst/>
+          </a:prstGeom>
+          <a:noFill/>
+        </p:spPr>
+        <p:txBody>
+          <a:bodyPr wrap="square" rtlCol="0">
+            <a:spAutoFit/>
+          </a:bodyPr>
+          <a:lstStyle/>
+          <a:p>
+            <a:r>
+              <a:rPr lang="en-US" dirty="0"/>
+              <a:t>23</a:t>
+            </a:r>
+          </a:p>
+        </p:txBody>
+      </p:sp>
+      <p:sp>
+        <p:nvSpPr>
+          <p:cNvPr id="90" name="TextBox 89">
+            <a:extLst>
+              <a:ext uri="{FF2B5EF4-FFF2-40B4-BE49-F238E27FC236}">
+                <a16:creationId xmlns:a16="http://schemas.microsoft.com/office/drawing/2014/main" id="{AD01A1DF-E539-47C4-8E76-449F335616EB}"/>
+              </a:ext>
+            </a:extLst>
+          </p:cNvPr>
+          <p:cNvSpPr txBox="1"/>
+          <p:nvPr/>
+        </p:nvSpPr>
+        <p:spPr>
+          <a:xfrm>
+            <a:off x="1460698" y="3943662"/>
+            <a:ext cx="418704" cy="369332"/>
+          </a:xfrm>
+          <a:prstGeom prst="rect">
+            <a:avLst/>
+          </a:prstGeom>
+          <a:noFill/>
+        </p:spPr>
+        <p:txBody>
+          <a:bodyPr wrap="square" rtlCol="0">
+            <a:spAutoFit/>
+          </a:bodyPr>
+          <a:lstStyle/>
+          <a:p>
+            <a:r>
+              <a:rPr lang="en-US" dirty="0"/>
+              <a:t>24</a:t>
+            </a:r>
+          </a:p>
+        </p:txBody>
+      </p:sp>
+      <p:sp>
+        <p:nvSpPr>
+          <p:cNvPr id="91" name="TextBox 90">
+            <a:extLst>
+              <a:ext uri="{FF2B5EF4-FFF2-40B4-BE49-F238E27FC236}">
+                <a16:creationId xmlns:a16="http://schemas.microsoft.com/office/drawing/2014/main" id="{BD73EE3F-9464-4242-AFCB-AA75D68A9637}"/>
+              </a:ext>
+            </a:extLst>
+          </p:cNvPr>
+          <p:cNvSpPr txBox="1"/>
+          <p:nvPr/>
+        </p:nvSpPr>
+        <p:spPr>
+          <a:xfrm>
+            <a:off x="2527085" y="4098206"/>
+            <a:ext cx="418704" cy="369332"/>
+          </a:xfrm>
+          <a:prstGeom prst="rect">
+            <a:avLst/>
+          </a:prstGeom>
+          <a:noFill/>
+        </p:spPr>
+        <p:txBody>
+          <a:bodyPr wrap="square" rtlCol="0">
+            <a:spAutoFit/>
+          </a:bodyPr>
+          <a:lstStyle/>
+          <a:p>
+            <a:r>
+              <a:rPr lang="en-US" dirty="0"/>
+              <a:t>25</a:t>
+            </a:r>
+          </a:p>
+        </p:txBody>
+      </p:sp>
+      <p:sp>
+        <p:nvSpPr>
+          <p:cNvPr id="92" name="TextBox 91">
+            <a:extLst>
+              <a:ext uri="{FF2B5EF4-FFF2-40B4-BE49-F238E27FC236}">
+                <a16:creationId xmlns:a16="http://schemas.microsoft.com/office/drawing/2014/main" id="{B94E1CB4-2539-4063-AB46-A203F82E2ABE}"/>
+              </a:ext>
+            </a:extLst>
+          </p:cNvPr>
+          <p:cNvSpPr txBox="1"/>
+          <p:nvPr/>
+        </p:nvSpPr>
+        <p:spPr>
+          <a:xfrm>
+            <a:off x="1913853" y="3533989"/>
+            <a:ext cx="418704" cy="369332"/>
+          </a:xfrm>
+          <a:prstGeom prst="rect">
+            <a:avLst/>
+          </a:prstGeom>
+          <a:noFill/>
+        </p:spPr>
+        <p:txBody>
+          <a:bodyPr wrap="square" rtlCol="0">
+            <a:spAutoFit/>
+          </a:bodyPr>
+          <a:lstStyle/>
+          <a:p>
+            <a:r>
+              <a:rPr lang="en-US" dirty="0"/>
+              <a:t>26</a:t>
+            </a:r>
+          </a:p>
+        </p:txBody>
+      </p:sp>
+      <p:sp>
+        <p:nvSpPr>
+          <p:cNvPr id="93" name="TextBox 92">
+            <a:extLst>
+              <a:ext uri="{FF2B5EF4-FFF2-40B4-BE49-F238E27FC236}">
+                <a16:creationId xmlns:a16="http://schemas.microsoft.com/office/drawing/2014/main" id="{AB2419C8-18B9-4970-B0EC-C080DA094622}"/>
+              </a:ext>
+            </a:extLst>
+          </p:cNvPr>
+          <p:cNvSpPr txBox="1"/>
+          <p:nvPr/>
+        </p:nvSpPr>
+        <p:spPr>
+          <a:xfrm>
+            <a:off x="3059012" y="3517666"/>
+            <a:ext cx="418704" cy="369332"/>
+          </a:xfrm>
+          <a:prstGeom prst="rect">
+            <a:avLst/>
+          </a:prstGeom>
+          <a:noFill/>
+        </p:spPr>
+        <p:txBody>
+          <a:bodyPr wrap="square" rtlCol="0">
+            <a:spAutoFit/>
+          </a:bodyPr>
+          <a:lstStyle/>
+          <a:p>
+            <a:r>
+              <a:rPr lang="en-US" dirty="0"/>
+              <a:t>27</a:t>
+            </a:r>
+          </a:p>
+        </p:txBody>
+      </p:sp>
+      <p:sp>
+        <p:nvSpPr>
+          <p:cNvPr id="94" name="TextBox 93">
+            <a:extLst>
+              <a:ext uri="{FF2B5EF4-FFF2-40B4-BE49-F238E27FC236}">
+                <a16:creationId xmlns:a16="http://schemas.microsoft.com/office/drawing/2014/main" id="{6E1E8AE5-7FB7-4627-9999-BBEECC37D3D7}"/>
+              </a:ext>
+            </a:extLst>
+          </p:cNvPr>
+          <p:cNvSpPr txBox="1"/>
+          <p:nvPr/>
+        </p:nvSpPr>
+        <p:spPr>
+          <a:xfrm>
+            <a:off x="1149941" y="1812047"/>
+            <a:ext cx="418704" cy="369332"/>
+          </a:xfrm>
+          <a:prstGeom prst="rect">
+            <a:avLst/>
+          </a:prstGeom>
+          <a:noFill/>
+        </p:spPr>
+        <p:txBody>
           <a:bodyPr wrap="none" rtlCol="0">
             <a:spAutoFit/>
           </a:bodyPr>
@@ -7078,17 +7363,17 @@
           <a:p>
             <a:r>
               <a:rPr lang="en-US" dirty="0"/>
-              <a:t>20</a:t>
-            </a:r>
-          </a:p>
-        </p:txBody>
-      </p:sp>
-      <p:sp>
-        <p:nvSpPr>
-          <p:cNvPr id="87" name="TextBox 86">
-            <a:extLst>
-              <a:ext uri="{FF2B5EF4-FFF2-40B4-BE49-F238E27FC236}">
-                <a16:creationId xmlns:a16="http://schemas.microsoft.com/office/drawing/2014/main" id="{6720A2B1-40A8-4F94-B0EA-832C262DCA56}"/>
+              <a:t>28</a:t>
+            </a:r>
+          </a:p>
+        </p:txBody>
+      </p:sp>
+      <p:sp>
+        <p:nvSpPr>
+          <p:cNvPr id="95" name="TextBox 94">
+            <a:extLst>
+              <a:ext uri="{FF2B5EF4-FFF2-40B4-BE49-F238E27FC236}">
+                <a16:creationId xmlns:a16="http://schemas.microsoft.com/office/drawing/2014/main" id="{6034A26F-3157-4874-B337-F7FD1AEA2F0F}"/>
               </a:ext>
             </a:extLst>
           </p:cNvPr>
@@ -7097,7 +7382,7 @@
         </p:nvSpPr>
         <p:spPr>
           <a:xfrm>
-            <a:off x="2914888" y="4927536"/>
+            <a:off x="5218505" y="1846549"/>
             <a:ext cx="418704" cy="369332"/>
           </a:xfrm>
           <a:prstGeom prst="rect">
@@ -7113,17 +7398,17 @@
           <a:p>
             <a:r>
               <a:rPr lang="en-US" dirty="0"/>
-              <a:t>21</a:t>
-            </a:r>
-          </a:p>
-        </p:txBody>
-      </p:sp>
-      <p:sp>
-        <p:nvSpPr>
-          <p:cNvPr id="88" name="TextBox 87">
-            <a:extLst>
-              <a:ext uri="{FF2B5EF4-FFF2-40B4-BE49-F238E27FC236}">
-                <a16:creationId xmlns:a16="http://schemas.microsoft.com/office/drawing/2014/main" id="{C532697D-C747-4028-AE9E-CC92ADC334A6}"/>
+              <a:t>29</a:t>
+            </a:r>
+          </a:p>
+        </p:txBody>
+      </p:sp>
+      <p:sp>
+        <p:nvSpPr>
+          <p:cNvPr id="96" name="TextBox 95">
+            <a:extLst>
+              <a:ext uri="{FF2B5EF4-FFF2-40B4-BE49-F238E27FC236}">
+                <a16:creationId xmlns:a16="http://schemas.microsoft.com/office/drawing/2014/main" id="{546D2756-9B57-47D2-800B-3B0DF0C7F312}"/>
               </a:ext>
             </a:extLst>
           </p:cNvPr>
@@ -7132,8 +7417,8 @@
         </p:nvSpPr>
         <p:spPr>
           <a:xfrm>
-            <a:off x="2085598" y="4488959"/>
-            <a:ext cx="418704" cy="369332"/>
+            <a:off x="7403348" y="1540482"/>
+            <a:ext cx="792205" cy="369332"/>
           </a:xfrm>
           <a:prstGeom prst="rect">
             <a:avLst/>
@@ -7148,17 +7433,17 @@
           <a:p>
             <a:r>
               <a:rPr lang="en-US" dirty="0"/>
-              <a:t>22</a:t>
-            </a:r>
-          </a:p>
-        </p:txBody>
-      </p:sp>
-      <p:sp>
-        <p:nvSpPr>
-          <p:cNvPr id="89" name="TextBox 88">
-            <a:extLst>
-              <a:ext uri="{FF2B5EF4-FFF2-40B4-BE49-F238E27FC236}">
-                <a16:creationId xmlns:a16="http://schemas.microsoft.com/office/drawing/2014/main" id="{2AC4FC43-38C9-46CE-A113-E449983BBF77}"/>
+              <a:t>-7,-7,7</a:t>
+            </a:r>
+          </a:p>
+        </p:txBody>
+      </p:sp>
+      <p:sp>
+        <p:nvSpPr>
+          <p:cNvPr id="97" name="TextBox 96">
+            <a:extLst>
+              <a:ext uri="{FF2B5EF4-FFF2-40B4-BE49-F238E27FC236}">
+                <a16:creationId xmlns:a16="http://schemas.microsoft.com/office/drawing/2014/main" id="{18DA19C6-00FD-4A4D-984F-86B55905E995}"/>
               </a:ext>
             </a:extLst>
           </p:cNvPr>
@@ -7167,8 +7452,8 @@
         </p:nvSpPr>
         <p:spPr>
           <a:xfrm>
-            <a:off x="3213256" y="4505275"/>
-            <a:ext cx="418704" cy="369332"/>
+            <a:off x="11234375" y="1548505"/>
+            <a:ext cx="721672" cy="369332"/>
           </a:xfrm>
           <a:prstGeom prst="rect">
             <a:avLst/>
@@ -7183,17 +7468,185 @@
           <a:p>
             <a:r>
               <a:rPr lang="en-US" dirty="0"/>
-              <a:t>23</a:t>
-            </a:r>
-          </a:p>
-        </p:txBody>
-      </p:sp>
-      <p:sp>
-        <p:nvSpPr>
-          <p:cNvPr id="90" name="TextBox 89">
-            <a:extLst>
-              <a:ext uri="{FF2B5EF4-FFF2-40B4-BE49-F238E27FC236}">
-                <a16:creationId xmlns:a16="http://schemas.microsoft.com/office/drawing/2014/main" id="{AD01A1DF-E539-47C4-8E76-449F335616EB}"/>
+              <a:t>-7,7,7</a:t>
+            </a:r>
+          </a:p>
+        </p:txBody>
+      </p:sp>
+      <p:grpSp>
+        <p:nvGrpSpPr>
+          <p:cNvPr id="117" name="Group 116">
+            <a:extLst>
+              <a:ext uri="{FF2B5EF4-FFF2-40B4-BE49-F238E27FC236}">
+                <a16:creationId xmlns:a16="http://schemas.microsoft.com/office/drawing/2014/main" id="{5398B075-8057-4CF1-B10A-8133A4083FED}"/>
+              </a:ext>
+            </a:extLst>
+          </p:cNvPr>
+          <p:cNvGrpSpPr/>
+          <p:nvPr/>
+        </p:nvGrpSpPr>
+        <p:grpSpPr>
+          <a:xfrm>
+            <a:off x="1361008" y="-2186066"/>
+            <a:ext cx="1382655" cy="1205616"/>
+            <a:chOff x="3613453" y="1337558"/>
+            <a:chExt cx="4797121" cy="4182883"/>
+          </a:xfrm>
+        </p:grpSpPr>
+        <p:sp>
+          <p:nvSpPr>
+            <p:cNvPr id="118" name="Rectangle 117">
+              <a:extLst>
+                <a:ext uri="{FF2B5EF4-FFF2-40B4-BE49-F238E27FC236}">
+                  <a16:creationId xmlns:a16="http://schemas.microsoft.com/office/drawing/2014/main" id="{E84BF9BB-D1EB-4099-BCD9-FD4711423FDE}"/>
+                </a:ext>
+              </a:extLst>
+            </p:cNvPr>
+            <p:cNvSpPr/>
+            <p:nvPr/>
+          </p:nvSpPr>
+          <p:spPr>
+            <a:xfrm>
+              <a:off x="4657725" y="1337558"/>
+              <a:ext cx="3752849" cy="3129667"/>
+            </a:xfrm>
+            <a:prstGeom prst="rect">
+              <a:avLst/>
+            </a:prstGeom>
+            <a:solidFill>
+              <a:schemeClr val="bg1"/>
+            </a:solidFill>
+            <a:ln>
+              <a:solidFill>
+                <a:schemeClr val="tx1"/>
+              </a:solidFill>
+            </a:ln>
+          </p:spPr>
+          <p:style>
+            <a:lnRef idx="2">
+              <a:schemeClr val="accent1">
+                <a:shade val="50000"/>
+              </a:schemeClr>
+            </a:lnRef>
+            <a:fillRef idx="1">
+              <a:schemeClr val="accent1"/>
+            </a:fillRef>
+            <a:effectRef idx="0">
+              <a:schemeClr val="accent1"/>
+            </a:effectRef>
+            <a:fontRef idx="minor">
+              <a:schemeClr val="lt1"/>
+            </a:fontRef>
+          </p:style>
+          <p:txBody>
+            <a:bodyPr rtlCol="0" anchor="ctr"/>
+            <a:lstStyle/>
+            <a:p>
+              <a:pPr algn="ctr"/>
+              <a:endParaRPr lang="en-US"/>
+            </a:p>
+          </p:txBody>
+        </p:sp>
+        <p:sp>
+          <p:nvSpPr>
+            <p:cNvPr id="119" name="Cube 118">
+              <a:extLst>
+                <a:ext uri="{FF2B5EF4-FFF2-40B4-BE49-F238E27FC236}">
+                  <a16:creationId xmlns:a16="http://schemas.microsoft.com/office/drawing/2014/main" id="{E6B463F3-D2EB-4D11-9151-712591960E46}"/>
+                </a:ext>
+              </a:extLst>
+            </p:cNvPr>
+            <p:cNvSpPr/>
+            <p:nvPr/>
+          </p:nvSpPr>
+          <p:spPr>
+            <a:xfrm>
+              <a:off x="3613453" y="1337558"/>
+              <a:ext cx="4797121" cy="4182883"/>
+            </a:xfrm>
+            <a:prstGeom prst="cube">
+              <a:avLst/>
+            </a:prstGeom>
+            <a:noFill/>
+            <a:ln>
+              <a:solidFill>
+                <a:schemeClr val="tx1"/>
+              </a:solidFill>
+            </a:ln>
+          </p:spPr>
+          <p:style>
+            <a:lnRef idx="2">
+              <a:schemeClr val="accent1">
+                <a:shade val="50000"/>
+              </a:schemeClr>
+            </a:lnRef>
+            <a:fillRef idx="1">
+              <a:schemeClr val="accent1"/>
+            </a:fillRef>
+            <a:effectRef idx="0">
+              <a:schemeClr val="accent1"/>
+            </a:effectRef>
+            <a:fontRef idx="minor">
+              <a:schemeClr val="lt1"/>
+            </a:fontRef>
+          </p:style>
+          <p:txBody>
+            <a:bodyPr rtlCol="0" anchor="ctr"/>
+            <a:lstStyle/>
+            <a:p>
+              <a:pPr algn="ctr"/>
+              <a:endParaRPr lang="en-US"/>
+            </a:p>
+          </p:txBody>
+        </p:sp>
+        <p:cxnSp>
+          <p:nvCxnSpPr>
+            <p:cNvPr id="120" name="Straight Connector 119">
+              <a:extLst>
+                <a:ext uri="{FF2B5EF4-FFF2-40B4-BE49-F238E27FC236}">
+                  <a16:creationId xmlns:a16="http://schemas.microsoft.com/office/drawing/2014/main" id="{FE6D8190-84C6-4236-93DD-E116262A64C9}"/>
+                </a:ext>
+              </a:extLst>
+            </p:cNvPr>
+            <p:cNvCxnSpPr/>
+            <p:nvPr/>
+          </p:nvCxnSpPr>
+          <p:spPr>
+            <a:xfrm flipH="1">
+              <a:off x="3613453" y="4467225"/>
+              <a:ext cx="1044272" cy="1053216"/>
+            </a:xfrm>
+            <a:prstGeom prst="line">
+              <a:avLst/>
+            </a:prstGeom>
+            <a:ln>
+              <a:solidFill>
+                <a:schemeClr val="tx1"/>
+              </a:solidFill>
+            </a:ln>
+          </p:spPr>
+          <p:style>
+            <a:lnRef idx="1">
+              <a:schemeClr val="accent1"/>
+            </a:lnRef>
+            <a:fillRef idx="0">
+              <a:schemeClr val="accent1"/>
+            </a:fillRef>
+            <a:effectRef idx="0">
+              <a:schemeClr val="accent1"/>
+            </a:effectRef>
+            <a:fontRef idx="minor">
+              <a:schemeClr val="tx1"/>
+            </a:fontRef>
+          </p:style>
+        </p:cxnSp>
+      </p:grpSp>
+      <p:sp>
+        <p:nvSpPr>
+          <p:cNvPr id="121" name="TextBox 120">
+            <a:extLst>
+              <a:ext uri="{FF2B5EF4-FFF2-40B4-BE49-F238E27FC236}">
+                <a16:creationId xmlns:a16="http://schemas.microsoft.com/office/drawing/2014/main" id="{C249BA28-5CE4-42A9-A20C-D70C248C446B}"/>
               </a:ext>
             </a:extLst>
           </p:cNvPr>
@@ -7202,7 +7655,7 @@
         </p:nvSpPr>
         <p:spPr>
           <a:xfrm>
-            <a:off x="1460698" y="3943662"/>
+            <a:off x="940485" y="-2107197"/>
             <a:ext cx="418704" cy="369332"/>
           </a:xfrm>
           <a:prstGeom prst="rect">
@@ -7218,17 +7671,17 @@
           <a:p>
             <a:r>
               <a:rPr lang="en-US" dirty="0"/>
-              <a:t>24</a:t>
-            </a:r>
-          </a:p>
-        </p:txBody>
-      </p:sp>
-      <p:sp>
-        <p:nvSpPr>
-          <p:cNvPr id="91" name="TextBox 90">
-            <a:extLst>
-              <a:ext uri="{FF2B5EF4-FFF2-40B4-BE49-F238E27FC236}">
-                <a16:creationId xmlns:a16="http://schemas.microsoft.com/office/drawing/2014/main" id="{BD73EE3F-9464-4242-AFCB-AA75D68A9637}"/>
+              <a:t>30</a:t>
+            </a:r>
+          </a:p>
+        </p:txBody>
+      </p:sp>
+      <p:sp>
+        <p:nvSpPr>
+          <p:cNvPr id="122" name="TextBox 121">
+            <a:extLst>
+              <a:ext uri="{FF2B5EF4-FFF2-40B4-BE49-F238E27FC236}">
+                <a16:creationId xmlns:a16="http://schemas.microsoft.com/office/drawing/2014/main" id="{ADB55A7E-3A85-4467-8BDB-58F1E3CCA586}"/>
               </a:ext>
             </a:extLst>
           </p:cNvPr>
@@ -7237,7 +7690,7 @@
         </p:nvSpPr>
         <p:spPr>
           <a:xfrm>
-            <a:off x="2527085" y="4098206"/>
+            <a:off x="2073641" y="-1922531"/>
             <a:ext cx="418704" cy="369332"/>
           </a:xfrm>
           <a:prstGeom prst="rect">
@@ -7253,17 +7706,17 @@
           <a:p>
             <a:r>
               <a:rPr lang="en-US" dirty="0"/>
-              <a:t>25</a:t>
-            </a:r>
-          </a:p>
-        </p:txBody>
-      </p:sp>
-      <p:sp>
-        <p:nvSpPr>
-          <p:cNvPr id="92" name="TextBox 91">
-            <a:extLst>
-              <a:ext uri="{FF2B5EF4-FFF2-40B4-BE49-F238E27FC236}">
-                <a16:creationId xmlns:a16="http://schemas.microsoft.com/office/drawing/2014/main" id="{B94E1CB4-2539-4063-AB46-A203F82E2ABE}"/>
+              <a:t>31</a:t>
+            </a:r>
+          </a:p>
+        </p:txBody>
+      </p:sp>
+      <p:sp>
+        <p:nvSpPr>
+          <p:cNvPr id="123" name="TextBox 122">
+            <a:extLst>
+              <a:ext uri="{FF2B5EF4-FFF2-40B4-BE49-F238E27FC236}">
+                <a16:creationId xmlns:a16="http://schemas.microsoft.com/office/drawing/2014/main" id="{27BC9780-785E-40FA-9983-16BB147AE259}"/>
               </a:ext>
             </a:extLst>
           </p:cNvPr>
@@ -7272,7 +7725,7 @@
         </p:nvSpPr>
         <p:spPr>
           <a:xfrm>
-            <a:off x="1913853" y="3533989"/>
+            <a:off x="898081" y="-1068133"/>
             <a:ext cx="418704" cy="369332"/>
           </a:xfrm>
           <a:prstGeom prst="rect">
@@ -7288,17 +7741,17 @@
           <a:p>
             <a:r>
               <a:rPr lang="en-US" dirty="0"/>
-              <a:t>26</a:t>
-            </a:r>
-          </a:p>
-        </p:txBody>
-      </p:sp>
-      <p:sp>
-        <p:nvSpPr>
-          <p:cNvPr id="93" name="TextBox 92">
-            <a:extLst>
-              <a:ext uri="{FF2B5EF4-FFF2-40B4-BE49-F238E27FC236}">
-                <a16:creationId xmlns:a16="http://schemas.microsoft.com/office/drawing/2014/main" id="{AB2419C8-18B9-4970-B0EC-C080DA094622}"/>
+              <a:t>32</a:t>
+            </a:r>
+          </a:p>
+        </p:txBody>
+      </p:sp>
+      <p:sp>
+        <p:nvSpPr>
+          <p:cNvPr id="124" name="TextBox 123">
+            <a:extLst>
+              <a:ext uri="{FF2B5EF4-FFF2-40B4-BE49-F238E27FC236}">
+                <a16:creationId xmlns:a16="http://schemas.microsoft.com/office/drawing/2014/main" id="{18E7A035-9BEF-4934-A653-CA8B19095723}"/>
               </a:ext>
             </a:extLst>
           </p:cNvPr>
@@ -7307,7 +7760,7 @@
         </p:nvSpPr>
         <p:spPr>
           <a:xfrm>
-            <a:off x="3059012" y="3517666"/>
+            <a:off x="2157100" y="-1002365"/>
             <a:ext cx="418704" cy="369332"/>
           </a:xfrm>
           <a:prstGeom prst="rect">
@@ -7323,17 +7776,17 @@
           <a:p>
             <a:r>
               <a:rPr lang="en-US" dirty="0"/>
-              <a:t>27</a:t>
-            </a:r>
-          </a:p>
-        </p:txBody>
-      </p:sp>
-      <p:sp>
-        <p:nvSpPr>
-          <p:cNvPr id="94" name="TextBox 93">
-            <a:extLst>
-              <a:ext uri="{FF2B5EF4-FFF2-40B4-BE49-F238E27FC236}">
-                <a16:creationId xmlns:a16="http://schemas.microsoft.com/office/drawing/2014/main" id="{6E1E8AE5-7FB7-4627-9999-BBEECC37D3D7}"/>
+              <a:t>33</a:t>
+            </a:r>
+          </a:p>
+        </p:txBody>
+      </p:sp>
+      <p:sp>
+        <p:nvSpPr>
+          <p:cNvPr id="125" name="TextBox 124">
+            <a:extLst>
+              <a:ext uri="{FF2B5EF4-FFF2-40B4-BE49-F238E27FC236}">
+                <a16:creationId xmlns:a16="http://schemas.microsoft.com/office/drawing/2014/main" id="{EB114E2F-65B2-402B-8617-804DCC7CBDCD}"/>
               </a:ext>
             </a:extLst>
           </p:cNvPr>
@@ -7342,7 +7795,7 @@
         </p:nvSpPr>
         <p:spPr>
           <a:xfrm>
-            <a:off x="1149941" y="1812047"/>
+            <a:off x="1452642" y="-2555398"/>
             <a:ext cx="418704" cy="369332"/>
           </a:xfrm>
           <a:prstGeom prst="rect">
@@ -7358,17 +7811,17 @@
           <a:p>
             <a:r>
               <a:rPr lang="en-US" dirty="0"/>
-              <a:t>28</a:t>
-            </a:r>
-          </a:p>
-        </p:txBody>
-      </p:sp>
-      <p:sp>
-        <p:nvSpPr>
-          <p:cNvPr id="95" name="TextBox 94">
-            <a:extLst>
-              <a:ext uri="{FF2B5EF4-FFF2-40B4-BE49-F238E27FC236}">
-                <a16:creationId xmlns:a16="http://schemas.microsoft.com/office/drawing/2014/main" id="{6034A26F-3157-4874-B337-F7FD1AEA2F0F}"/>
+              <a:t>34</a:t>
+            </a:r>
+          </a:p>
+        </p:txBody>
+      </p:sp>
+      <p:sp>
+        <p:nvSpPr>
+          <p:cNvPr id="126" name="TextBox 125">
+            <a:extLst>
+              <a:ext uri="{FF2B5EF4-FFF2-40B4-BE49-F238E27FC236}">
+                <a16:creationId xmlns:a16="http://schemas.microsoft.com/office/drawing/2014/main" id="{8DEA5DDA-DD66-4F1F-B560-52EA8FC1D79A}"/>
               </a:ext>
             </a:extLst>
           </p:cNvPr>
@@ -7377,7 +7830,7 @@
         </p:nvSpPr>
         <p:spPr>
           <a:xfrm>
-            <a:off x="5218505" y="1846549"/>
+            <a:off x="2546351" y="-2555078"/>
             <a:ext cx="418704" cy="369332"/>
           </a:xfrm>
           <a:prstGeom prst="rect">
@@ -7393,17 +7846,17 @@
           <a:p>
             <a:r>
               <a:rPr lang="en-US" dirty="0"/>
-              <a:t>29</a:t>
-            </a:r>
-          </a:p>
-        </p:txBody>
-      </p:sp>
-      <p:sp>
-        <p:nvSpPr>
-          <p:cNvPr id="96" name="TextBox 95">
-            <a:extLst>
-              <a:ext uri="{FF2B5EF4-FFF2-40B4-BE49-F238E27FC236}">
-                <a16:creationId xmlns:a16="http://schemas.microsoft.com/office/drawing/2014/main" id="{546D2756-9B57-47D2-800B-3B0DF0C7F312}"/>
+              <a:t>35</a:t>
+            </a:r>
+          </a:p>
+        </p:txBody>
+      </p:sp>
+      <p:sp>
+        <p:nvSpPr>
+          <p:cNvPr id="127" name="TextBox 126">
+            <a:extLst>
+              <a:ext uri="{FF2B5EF4-FFF2-40B4-BE49-F238E27FC236}">
+                <a16:creationId xmlns:a16="http://schemas.microsoft.com/office/drawing/2014/main" id="{EA8AABAE-19DE-4A0B-A42D-537BBCE54D63}"/>
               </a:ext>
             </a:extLst>
           </p:cNvPr>
@@ -7412,8 +7865,8 @@
         </p:nvSpPr>
         <p:spPr>
           <a:xfrm>
-            <a:off x="7403348" y="1540482"/>
-            <a:ext cx="792205" cy="369332"/>
+            <a:off x="1639592" y="-1622768"/>
+            <a:ext cx="418704" cy="369332"/>
           </a:xfrm>
           <a:prstGeom prst="rect">
             <a:avLst/>
@@ -7428,17 +7881,17 @@
           <a:p>
             <a:r>
               <a:rPr lang="en-US" dirty="0"/>
-              <a:t>-7,-7,7</a:t>
-            </a:r>
-          </a:p>
-        </p:txBody>
-      </p:sp>
-      <p:sp>
-        <p:nvSpPr>
-          <p:cNvPr id="97" name="TextBox 96">
-            <a:extLst>
-              <a:ext uri="{FF2B5EF4-FFF2-40B4-BE49-F238E27FC236}">
-                <a16:creationId xmlns:a16="http://schemas.microsoft.com/office/drawing/2014/main" id="{18DA19C6-00FD-4A4D-984F-86B55905E995}"/>
+              <a:t>36</a:t>
+            </a:r>
+          </a:p>
+        </p:txBody>
+      </p:sp>
+      <p:sp>
+        <p:nvSpPr>
+          <p:cNvPr id="128" name="TextBox 127">
+            <a:extLst>
+              <a:ext uri="{FF2B5EF4-FFF2-40B4-BE49-F238E27FC236}">
+                <a16:creationId xmlns:a16="http://schemas.microsoft.com/office/drawing/2014/main" id="{0B7D44B6-D48F-4A7E-8388-A811DA916A7E}"/>
               </a:ext>
             </a:extLst>
           </p:cNvPr>
@@ -7447,8 +7900,8 @@
         </p:nvSpPr>
         <p:spPr>
           <a:xfrm>
-            <a:off x="11234375" y="1548505"/>
-            <a:ext cx="721672" cy="369332"/>
+            <a:off x="2726390" y="-1551392"/>
+            <a:ext cx="418704" cy="369332"/>
           </a:xfrm>
           <a:prstGeom prst="rect">
             <a:avLst/>
@@ -7463,7 +7916,1351 @@
           <a:p>
             <a:r>
               <a:rPr lang="en-US" dirty="0"/>
-              <a:t>-7,7,7</a:t>
+              <a:t>37</a:t>
+            </a:r>
+          </a:p>
+        </p:txBody>
+      </p:sp>
+      <p:grpSp>
+        <p:nvGrpSpPr>
+          <p:cNvPr id="129" name="Group 128">
+            <a:extLst>
+              <a:ext uri="{FF2B5EF4-FFF2-40B4-BE49-F238E27FC236}">
+                <a16:creationId xmlns:a16="http://schemas.microsoft.com/office/drawing/2014/main" id="{C121CCDF-4A93-4CB7-9F00-8FB48EA4E09A}"/>
+              </a:ext>
+            </a:extLst>
+          </p:cNvPr>
+          <p:cNvGrpSpPr/>
+          <p:nvPr/>
+        </p:nvGrpSpPr>
+        <p:grpSpPr>
+          <a:xfrm>
+            <a:off x="3672999" y="-2209442"/>
+            <a:ext cx="1382655" cy="1205616"/>
+            <a:chOff x="3613453" y="1337558"/>
+            <a:chExt cx="4797121" cy="4182883"/>
+          </a:xfrm>
+        </p:grpSpPr>
+        <p:sp>
+          <p:nvSpPr>
+            <p:cNvPr id="130" name="Rectangle 129">
+              <a:extLst>
+                <a:ext uri="{FF2B5EF4-FFF2-40B4-BE49-F238E27FC236}">
+                  <a16:creationId xmlns:a16="http://schemas.microsoft.com/office/drawing/2014/main" id="{DE9157D8-115B-46EF-BF82-31BA91446F71}"/>
+                </a:ext>
+              </a:extLst>
+            </p:cNvPr>
+            <p:cNvSpPr/>
+            <p:nvPr/>
+          </p:nvSpPr>
+          <p:spPr>
+            <a:xfrm>
+              <a:off x="4657725" y="1337558"/>
+              <a:ext cx="3752849" cy="3129667"/>
+            </a:xfrm>
+            <a:prstGeom prst="rect">
+              <a:avLst/>
+            </a:prstGeom>
+            <a:solidFill>
+              <a:schemeClr val="bg1"/>
+            </a:solidFill>
+            <a:ln>
+              <a:solidFill>
+                <a:schemeClr val="tx1"/>
+              </a:solidFill>
+            </a:ln>
+          </p:spPr>
+          <p:style>
+            <a:lnRef idx="2">
+              <a:schemeClr val="accent1">
+                <a:shade val="50000"/>
+              </a:schemeClr>
+            </a:lnRef>
+            <a:fillRef idx="1">
+              <a:schemeClr val="accent1"/>
+            </a:fillRef>
+            <a:effectRef idx="0">
+              <a:schemeClr val="accent1"/>
+            </a:effectRef>
+            <a:fontRef idx="minor">
+              <a:schemeClr val="lt1"/>
+            </a:fontRef>
+          </p:style>
+          <p:txBody>
+            <a:bodyPr rtlCol="0" anchor="ctr"/>
+            <a:lstStyle/>
+            <a:p>
+              <a:pPr algn="ctr"/>
+              <a:endParaRPr lang="en-US"/>
+            </a:p>
+          </p:txBody>
+        </p:sp>
+        <p:sp>
+          <p:nvSpPr>
+            <p:cNvPr id="131" name="Cube 130">
+              <a:extLst>
+                <a:ext uri="{FF2B5EF4-FFF2-40B4-BE49-F238E27FC236}">
+                  <a16:creationId xmlns:a16="http://schemas.microsoft.com/office/drawing/2014/main" id="{B30224B3-969B-44A0-AAE2-84BD94FFC13E}"/>
+                </a:ext>
+              </a:extLst>
+            </p:cNvPr>
+            <p:cNvSpPr/>
+            <p:nvPr/>
+          </p:nvSpPr>
+          <p:spPr>
+            <a:xfrm>
+              <a:off x="3613453" y="1337558"/>
+              <a:ext cx="4797121" cy="4182883"/>
+            </a:xfrm>
+            <a:prstGeom prst="cube">
+              <a:avLst/>
+            </a:prstGeom>
+            <a:noFill/>
+            <a:ln>
+              <a:solidFill>
+                <a:schemeClr val="tx1"/>
+              </a:solidFill>
+            </a:ln>
+          </p:spPr>
+          <p:style>
+            <a:lnRef idx="2">
+              <a:schemeClr val="accent1">
+                <a:shade val="50000"/>
+              </a:schemeClr>
+            </a:lnRef>
+            <a:fillRef idx="1">
+              <a:schemeClr val="accent1"/>
+            </a:fillRef>
+            <a:effectRef idx="0">
+              <a:schemeClr val="accent1"/>
+            </a:effectRef>
+            <a:fontRef idx="minor">
+              <a:schemeClr val="lt1"/>
+            </a:fontRef>
+          </p:style>
+          <p:txBody>
+            <a:bodyPr rtlCol="0" anchor="ctr"/>
+            <a:lstStyle/>
+            <a:p>
+              <a:pPr algn="ctr"/>
+              <a:endParaRPr lang="en-US"/>
+            </a:p>
+          </p:txBody>
+        </p:sp>
+        <p:cxnSp>
+          <p:nvCxnSpPr>
+            <p:cNvPr id="132" name="Straight Connector 131">
+              <a:extLst>
+                <a:ext uri="{FF2B5EF4-FFF2-40B4-BE49-F238E27FC236}">
+                  <a16:creationId xmlns:a16="http://schemas.microsoft.com/office/drawing/2014/main" id="{B869E360-A60C-4240-B7E4-57DA41611742}"/>
+                </a:ext>
+              </a:extLst>
+            </p:cNvPr>
+            <p:cNvCxnSpPr/>
+            <p:nvPr/>
+          </p:nvCxnSpPr>
+          <p:spPr>
+            <a:xfrm flipH="1">
+              <a:off x="3613453" y="4467225"/>
+              <a:ext cx="1044272" cy="1053216"/>
+            </a:xfrm>
+            <a:prstGeom prst="line">
+              <a:avLst/>
+            </a:prstGeom>
+            <a:ln>
+              <a:solidFill>
+                <a:schemeClr val="tx1"/>
+              </a:solidFill>
+            </a:ln>
+          </p:spPr>
+          <p:style>
+            <a:lnRef idx="1">
+              <a:schemeClr val="accent1"/>
+            </a:lnRef>
+            <a:fillRef idx="0">
+              <a:schemeClr val="accent1"/>
+            </a:fillRef>
+            <a:effectRef idx="0">
+              <a:schemeClr val="accent1"/>
+            </a:effectRef>
+            <a:fontRef idx="minor">
+              <a:schemeClr val="tx1"/>
+            </a:fontRef>
+          </p:style>
+        </p:cxnSp>
+      </p:grpSp>
+      <p:sp>
+        <p:nvSpPr>
+          <p:cNvPr id="133" name="TextBox 132">
+            <a:extLst>
+              <a:ext uri="{FF2B5EF4-FFF2-40B4-BE49-F238E27FC236}">
+                <a16:creationId xmlns:a16="http://schemas.microsoft.com/office/drawing/2014/main" id="{A714F13E-C536-493E-838E-3FC337486861}"/>
+              </a:ext>
+            </a:extLst>
+          </p:cNvPr>
+          <p:cNvSpPr txBox="1"/>
+          <p:nvPr/>
+        </p:nvSpPr>
+        <p:spPr>
+          <a:xfrm>
+            <a:off x="3252476" y="-2130573"/>
+            <a:ext cx="418704" cy="369332"/>
+          </a:xfrm>
+          <a:prstGeom prst="rect">
+            <a:avLst/>
+          </a:prstGeom>
+          <a:noFill/>
+        </p:spPr>
+        <p:txBody>
+          <a:bodyPr wrap="none" rtlCol="0">
+            <a:spAutoFit/>
+          </a:bodyPr>
+          <a:lstStyle/>
+          <a:p>
+            <a:r>
+              <a:rPr lang="en-US" dirty="0"/>
+              <a:t>38</a:t>
+            </a:r>
+          </a:p>
+        </p:txBody>
+      </p:sp>
+      <p:sp>
+        <p:nvSpPr>
+          <p:cNvPr id="134" name="TextBox 133">
+            <a:extLst>
+              <a:ext uri="{FF2B5EF4-FFF2-40B4-BE49-F238E27FC236}">
+                <a16:creationId xmlns:a16="http://schemas.microsoft.com/office/drawing/2014/main" id="{876FC5A0-2E3A-4B90-8103-2066ED33A0B6}"/>
+              </a:ext>
+            </a:extLst>
+          </p:cNvPr>
+          <p:cNvSpPr txBox="1"/>
+          <p:nvPr/>
+        </p:nvSpPr>
+        <p:spPr>
+          <a:xfrm>
+            <a:off x="4385632" y="-1945907"/>
+            <a:ext cx="418704" cy="369332"/>
+          </a:xfrm>
+          <a:prstGeom prst="rect">
+            <a:avLst/>
+          </a:prstGeom>
+          <a:noFill/>
+        </p:spPr>
+        <p:txBody>
+          <a:bodyPr wrap="none" rtlCol="0">
+            <a:spAutoFit/>
+          </a:bodyPr>
+          <a:lstStyle/>
+          <a:p>
+            <a:r>
+              <a:rPr lang="en-US" dirty="0"/>
+              <a:t>39</a:t>
+            </a:r>
+          </a:p>
+        </p:txBody>
+      </p:sp>
+      <p:sp>
+        <p:nvSpPr>
+          <p:cNvPr id="135" name="TextBox 134">
+            <a:extLst>
+              <a:ext uri="{FF2B5EF4-FFF2-40B4-BE49-F238E27FC236}">
+                <a16:creationId xmlns:a16="http://schemas.microsoft.com/office/drawing/2014/main" id="{9A038CA8-B0A3-4913-BBD2-9D8AF826565B}"/>
+              </a:ext>
+            </a:extLst>
+          </p:cNvPr>
+          <p:cNvSpPr txBox="1"/>
+          <p:nvPr/>
+        </p:nvSpPr>
+        <p:spPr>
+          <a:xfrm>
+            <a:off x="3210072" y="-1091509"/>
+            <a:ext cx="418704" cy="369332"/>
+          </a:xfrm>
+          <a:prstGeom prst="rect">
+            <a:avLst/>
+          </a:prstGeom>
+          <a:noFill/>
+        </p:spPr>
+        <p:txBody>
+          <a:bodyPr wrap="none" rtlCol="0">
+            <a:spAutoFit/>
+          </a:bodyPr>
+          <a:lstStyle/>
+          <a:p>
+            <a:r>
+              <a:rPr lang="en-US" dirty="0"/>
+              <a:t>40</a:t>
+            </a:r>
+          </a:p>
+        </p:txBody>
+      </p:sp>
+      <p:sp>
+        <p:nvSpPr>
+          <p:cNvPr id="136" name="TextBox 135">
+            <a:extLst>
+              <a:ext uri="{FF2B5EF4-FFF2-40B4-BE49-F238E27FC236}">
+                <a16:creationId xmlns:a16="http://schemas.microsoft.com/office/drawing/2014/main" id="{7A70E294-F349-4412-8EC3-418EA443A88A}"/>
+              </a:ext>
+            </a:extLst>
+          </p:cNvPr>
+          <p:cNvSpPr txBox="1"/>
+          <p:nvPr/>
+        </p:nvSpPr>
+        <p:spPr>
+          <a:xfrm>
+            <a:off x="4469091" y="-1025741"/>
+            <a:ext cx="418704" cy="369332"/>
+          </a:xfrm>
+          <a:prstGeom prst="rect">
+            <a:avLst/>
+          </a:prstGeom>
+          <a:noFill/>
+        </p:spPr>
+        <p:txBody>
+          <a:bodyPr wrap="none" rtlCol="0">
+            <a:spAutoFit/>
+          </a:bodyPr>
+          <a:lstStyle/>
+          <a:p>
+            <a:r>
+              <a:rPr lang="en-US" dirty="0"/>
+              <a:t>41</a:t>
+            </a:r>
+          </a:p>
+        </p:txBody>
+      </p:sp>
+      <p:sp>
+        <p:nvSpPr>
+          <p:cNvPr id="137" name="TextBox 136">
+            <a:extLst>
+              <a:ext uri="{FF2B5EF4-FFF2-40B4-BE49-F238E27FC236}">
+                <a16:creationId xmlns:a16="http://schemas.microsoft.com/office/drawing/2014/main" id="{D35777A0-BD26-47F3-8EC4-58091594E2C7}"/>
+              </a:ext>
+            </a:extLst>
+          </p:cNvPr>
+          <p:cNvSpPr txBox="1"/>
+          <p:nvPr/>
+        </p:nvSpPr>
+        <p:spPr>
+          <a:xfrm>
+            <a:off x="3764633" y="-2578774"/>
+            <a:ext cx="418704" cy="369332"/>
+          </a:xfrm>
+          <a:prstGeom prst="rect">
+            <a:avLst/>
+          </a:prstGeom>
+          <a:noFill/>
+        </p:spPr>
+        <p:txBody>
+          <a:bodyPr wrap="none" rtlCol="0">
+            <a:spAutoFit/>
+          </a:bodyPr>
+          <a:lstStyle/>
+          <a:p>
+            <a:r>
+              <a:rPr lang="en-US" dirty="0"/>
+              <a:t>42</a:t>
+            </a:r>
+          </a:p>
+        </p:txBody>
+      </p:sp>
+      <p:sp>
+        <p:nvSpPr>
+          <p:cNvPr id="138" name="TextBox 137">
+            <a:extLst>
+              <a:ext uri="{FF2B5EF4-FFF2-40B4-BE49-F238E27FC236}">
+                <a16:creationId xmlns:a16="http://schemas.microsoft.com/office/drawing/2014/main" id="{45000CCE-0ABD-4681-B549-EB8824DD0486}"/>
+              </a:ext>
+            </a:extLst>
+          </p:cNvPr>
+          <p:cNvSpPr txBox="1"/>
+          <p:nvPr/>
+        </p:nvSpPr>
+        <p:spPr>
+          <a:xfrm>
+            <a:off x="4858342" y="-2578454"/>
+            <a:ext cx="418704" cy="369332"/>
+          </a:xfrm>
+          <a:prstGeom prst="rect">
+            <a:avLst/>
+          </a:prstGeom>
+          <a:noFill/>
+        </p:spPr>
+        <p:txBody>
+          <a:bodyPr wrap="none" rtlCol="0">
+            <a:spAutoFit/>
+          </a:bodyPr>
+          <a:lstStyle/>
+          <a:p>
+            <a:r>
+              <a:rPr lang="en-US" dirty="0"/>
+              <a:t>43</a:t>
+            </a:r>
+          </a:p>
+        </p:txBody>
+      </p:sp>
+      <p:sp>
+        <p:nvSpPr>
+          <p:cNvPr id="139" name="TextBox 138">
+            <a:extLst>
+              <a:ext uri="{FF2B5EF4-FFF2-40B4-BE49-F238E27FC236}">
+                <a16:creationId xmlns:a16="http://schemas.microsoft.com/office/drawing/2014/main" id="{D8FEFE44-CE44-4F41-96BB-327A68B72663}"/>
+              </a:ext>
+            </a:extLst>
+          </p:cNvPr>
+          <p:cNvSpPr txBox="1"/>
+          <p:nvPr/>
+        </p:nvSpPr>
+        <p:spPr>
+          <a:xfrm>
+            <a:off x="3951583" y="-1646144"/>
+            <a:ext cx="418704" cy="369332"/>
+          </a:xfrm>
+          <a:prstGeom prst="rect">
+            <a:avLst/>
+          </a:prstGeom>
+          <a:noFill/>
+        </p:spPr>
+        <p:txBody>
+          <a:bodyPr wrap="none" rtlCol="0">
+            <a:spAutoFit/>
+          </a:bodyPr>
+          <a:lstStyle/>
+          <a:p>
+            <a:r>
+              <a:rPr lang="en-US" dirty="0"/>
+              <a:t>44</a:t>
+            </a:r>
+          </a:p>
+        </p:txBody>
+      </p:sp>
+      <p:sp>
+        <p:nvSpPr>
+          <p:cNvPr id="140" name="TextBox 139">
+            <a:extLst>
+              <a:ext uri="{FF2B5EF4-FFF2-40B4-BE49-F238E27FC236}">
+                <a16:creationId xmlns:a16="http://schemas.microsoft.com/office/drawing/2014/main" id="{34C15E74-89A7-498B-B9CD-0CA88268AD52}"/>
+              </a:ext>
+            </a:extLst>
+          </p:cNvPr>
+          <p:cNvSpPr txBox="1"/>
+          <p:nvPr/>
+        </p:nvSpPr>
+        <p:spPr>
+          <a:xfrm>
+            <a:off x="5038381" y="-1574768"/>
+            <a:ext cx="418704" cy="369332"/>
+          </a:xfrm>
+          <a:prstGeom prst="rect">
+            <a:avLst/>
+          </a:prstGeom>
+          <a:noFill/>
+        </p:spPr>
+        <p:txBody>
+          <a:bodyPr wrap="none" rtlCol="0">
+            <a:spAutoFit/>
+          </a:bodyPr>
+          <a:lstStyle/>
+          <a:p>
+            <a:r>
+              <a:rPr lang="en-US" dirty="0"/>
+              <a:t>45</a:t>
+            </a:r>
+          </a:p>
+        </p:txBody>
+      </p:sp>
+      <p:grpSp>
+        <p:nvGrpSpPr>
+          <p:cNvPr id="141" name="Group 140">
+            <a:extLst>
+              <a:ext uri="{FF2B5EF4-FFF2-40B4-BE49-F238E27FC236}">
+                <a16:creationId xmlns:a16="http://schemas.microsoft.com/office/drawing/2014/main" id="{87731FFF-EF09-416D-BF80-A54AA5E53EF3}"/>
+              </a:ext>
+            </a:extLst>
+          </p:cNvPr>
+          <p:cNvGrpSpPr/>
+          <p:nvPr/>
+        </p:nvGrpSpPr>
+        <p:grpSpPr>
+          <a:xfrm>
+            <a:off x="6832286" y="-2276788"/>
+            <a:ext cx="1382655" cy="1205616"/>
+            <a:chOff x="3613453" y="1337558"/>
+            <a:chExt cx="4797121" cy="4182883"/>
+          </a:xfrm>
+        </p:grpSpPr>
+        <p:sp>
+          <p:nvSpPr>
+            <p:cNvPr id="142" name="Rectangle 141">
+              <a:extLst>
+                <a:ext uri="{FF2B5EF4-FFF2-40B4-BE49-F238E27FC236}">
+                  <a16:creationId xmlns:a16="http://schemas.microsoft.com/office/drawing/2014/main" id="{F78D3309-3507-48D5-B02D-6DB9D2E866E9}"/>
+                </a:ext>
+              </a:extLst>
+            </p:cNvPr>
+            <p:cNvSpPr/>
+            <p:nvPr/>
+          </p:nvSpPr>
+          <p:spPr>
+            <a:xfrm>
+              <a:off x="4657725" y="1337558"/>
+              <a:ext cx="3752849" cy="3129667"/>
+            </a:xfrm>
+            <a:prstGeom prst="rect">
+              <a:avLst/>
+            </a:prstGeom>
+            <a:solidFill>
+              <a:schemeClr val="bg1"/>
+            </a:solidFill>
+            <a:ln>
+              <a:solidFill>
+                <a:schemeClr val="tx1"/>
+              </a:solidFill>
+            </a:ln>
+          </p:spPr>
+          <p:style>
+            <a:lnRef idx="2">
+              <a:schemeClr val="accent1">
+                <a:shade val="50000"/>
+              </a:schemeClr>
+            </a:lnRef>
+            <a:fillRef idx="1">
+              <a:schemeClr val="accent1"/>
+            </a:fillRef>
+            <a:effectRef idx="0">
+              <a:schemeClr val="accent1"/>
+            </a:effectRef>
+            <a:fontRef idx="minor">
+              <a:schemeClr val="lt1"/>
+            </a:fontRef>
+          </p:style>
+          <p:txBody>
+            <a:bodyPr rtlCol="0" anchor="ctr"/>
+            <a:lstStyle/>
+            <a:p>
+              <a:pPr algn="ctr"/>
+              <a:endParaRPr lang="en-US"/>
+            </a:p>
+          </p:txBody>
+        </p:sp>
+        <p:sp>
+          <p:nvSpPr>
+            <p:cNvPr id="143" name="Cube 142">
+              <a:extLst>
+                <a:ext uri="{FF2B5EF4-FFF2-40B4-BE49-F238E27FC236}">
+                  <a16:creationId xmlns:a16="http://schemas.microsoft.com/office/drawing/2014/main" id="{3E069E95-915D-4C85-8E3F-B36A86AB5BD2}"/>
+                </a:ext>
+              </a:extLst>
+            </p:cNvPr>
+            <p:cNvSpPr/>
+            <p:nvPr/>
+          </p:nvSpPr>
+          <p:spPr>
+            <a:xfrm>
+              <a:off x="3613453" y="1337558"/>
+              <a:ext cx="4797121" cy="4182883"/>
+            </a:xfrm>
+            <a:prstGeom prst="cube">
+              <a:avLst/>
+            </a:prstGeom>
+            <a:noFill/>
+            <a:ln>
+              <a:solidFill>
+                <a:schemeClr val="tx1"/>
+              </a:solidFill>
+            </a:ln>
+          </p:spPr>
+          <p:style>
+            <a:lnRef idx="2">
+              <a:schemeClr val="accent1">
+                <a:shade val="50000"/>
+              </a:schemeClr>
+            </a:lnRef>
+            <a:fillRef idx="1">
+              <a:schemeClr val="accent1"/>
+            </a:fillRef>
+            <a:effectRef idx="0">
+              <a:schemeClr val="accent1"/>
+            </a:effectRef>
+            <a:fontRef idx="minor">
+              <a:schemeClr val="lt1"/>
+            </a:fontRef>
+          </p:style>
+          <p:txBody>
+            <a:bodyPr rtlCol="0" anchor="ctr"/>
+            <a:lstStyle/>
+            <a:p>
+              <a:pPr algn="ctr"/>
+              <a:endParaRPr lang="en-US"/>
+            </a:p>
+          </p:txBody>
+        </p:sp>
+        <p:cxnSp>
+          <p:nvCxnSpPr>
+            <p:cNvPr id="144" name="Straight Connector 143">
+              <a:extLst>
+                <a:ext uri="{FF2B5EF4-FFF2-40B4-BE49-F238E27FC236}">
+                  <a16:creationId xmlns:a16="http://schemas.microsoft.com/office/drawing/2014/main" id="{20B05F33-345E-473B-ABC9-2794D76FB086}"/>
+                </a:ext>
+              </a:extLst>
+            </p:cNvPr>
+            <p:cNvCxnSpPr/>
+            <p:nvPr/>
+          </p:nvCxnSpPr>
+          <p:spPr>
+            <a:xfrm flipH="1">
+              <a:off x="3613453" y="4467225"/>
+              <a:ext cx="1044272" cy="1053216"/>
+            </a:xfrm>
+            <a:prstGeom prst="line">
+              <a:avLst/>
+            </a:prstGeom>
+            <a:ln>
+              <a:solidFill>
+                <a:schemeClr val="tx1"/>
+              </a:solidFill>
+            </a:ln>
+          </p:spPr>
+          <p:style>
+            <a:lnRef idx="1">
+              <a:schemeClr val="accent1"/>
+            </a:lnRef>
+            <a:fillRef idx="0">
+              <a:schemeClr val="accent1"/>
+            </a:fillRef>
+            <a:effectRef idx="0">
+              <a:schemeClr val="accent1"/>
+            </a:effectRef>
+            <a:fontRef idx="minor">
+              <a:schemeClr val="tx1"/>
+            </a:fontRef>
+          </p:style>
+        </p:cxnSp>
+      </p:grpSp>
+      <p:sp>
+        <p:nvSpPr>
+          <p:cNvPr id="145" name="TextBox 144">
+            <a:extLst>
+              <a:ext uri="{FF2B5EF4-FFF2-40B4-BE49-F238E27FC236}">
+                <a16:creationId xmlns:a16="http://schemas.microsoft.com/office/drawing/2014/main" id="{6E04014B-2A89-4A27-89C8-537506913B81}"/>
+              </a:ext>
+            </a:extLst>
+          </p:cNvPr>
+          <p:cNvSpPr txBox="1"/>
+          <p:nvPr/>
+        </p:nvSpPr>
+        <p:spPr>
+          <a:xfrm>
+            <a:off x="6172974" y="-2232187"/>
+            <a:ext cx="721672" cy="369332"/>
+          </a:xfrm>
+          <a:prstGeom prst="rect">
+            <a:avLst/>
+          </a:prstGeom>
+          <a:noFill/>
+        </p:spPr>
+        <p:txBody>
+          <a:bodyPr wrap="none" rtlCol="0">
+            <a:spAutoFit/>
+          </a:bodyPr>
+          <a:lstStyle/>
+          <a:p>
+            <a:r>
+              <a:rPr lang="en-US" dirty="0"/>
+              <a:t>9,-4,5</a:t>
+            </a:r>
+          </a:p>
+        </p:txBody>
+      </p:sp>
+      <p:sp>
+        <p:nvSpPr>
+          <p:cNvPr id="146" name="TextBox 145">
+            <a:extLst>
+              <a:ext uri="{FF2B5EF4-FFF2-40B4-BE49-F238E27FC236}">
+                <a16:creationId xmlns:a16="http://schemas.microsoft.com/office/drawing/2014/main" id="{6ABC6A7E-A115-42CD-AB0C-FC602BE87CDB}"/>
+              </a:ext>
+            </a:extLst>
+          </p:cNvPr>
+          <p:cNvSpPr txBox="1"/>
+          <p:nvPr/>
+        </p:nvSpPr>
+        <p:spPr>
+          <a:xfrm>
+            <a:off x="7252786" y="-2022729"/>
+            <a:ext cx="721672" cy="369332"/>
+          </a:xfrm>
+          <a:prstGeom prst="rect">
+            <a:avLst/>
+          </a:prstGeom>
+          <a:noFill/>
+        </p:spPr>
+        <p:txBody>
+          <a:bodyPr wrap="none" rtlCol="0">
+            <a:spAutoFit/>
+          </a:bodyPr>
+          <a:lstStyle/>
+          <a:p>
+            <a:r>
+              <a:rPr lang="en-US" dirty="0"/>
+              <a:t>9,-3,5</a:t>
+            </a:r>
+          </a:p>
+        </p:txBody>
+      </p:sp>
+      <p:sp>
+        <p:nvSpPr>
+          <p:cNvPr id="147" name="TextBox 146">
+            <a:extLst>
+              <a:ext uri="{FF2B5EF4-FFF2-40B4-BE49-F238E27FC236}">
+                <a16:creationId xmlns:a16="http://schemas.microsoft.com/office/drawing/2014/main" id="{85DE9F67-B940-46AB-BE8F-16209099944C}"/>
+              </a:ext>
+            </a:extLst>
+          </p:cNvPr>
+          <p:cNvSpPr txBox="1"/>
+          <p:nvPr/>
+        </p:nvSpPr>
+        <p:spPr>
+          <a:xfrm>
+            <a:off x="6369359" y="-1158855"/>
+            <a:ext cx="721672" cy="369332"/>
+          </a:xfrm>
+          <a:prstGeom prst="rect">
+            <a:avLst/>
+          </a:prstGeom>
+          <a:noFill/>
+        </p:spPr>
+        <p:txBody>
+          <a:bodyPr wrap="none" rtlCol="0">
+            <a:spAutoFit/>
+          </a:bodyPr>
+          <a:lstStyle/>
+          <a:p>
+            <a:r>
+              <a:rPr lang="en-US" dirty="0"/>
+              <a:t>9,-4,4</a:t>
+            </a:r>
+          </a:p>
+        </p:txBody>
+      </p:sp>
+      <p:sp>
+        <p:nvSpPr>
+          <p:cNvPr id="148" name="TextBox 147">
+            <a:extLst>
+              <a:ext uri="{FF2B5EF4-FFF2-40B4-BE49-F238E27FC236}">
+                <a16:creationId xmlns:a16="http://schemas.microsoft.com/office/drawing/2014/main" id="{E2166016-2E5E-4532-9E83-BD359D94385A}"/>
+              </a:ext>
+            </a:extLst>
+          </p:cNvPr>
+          <p:cNvSpPr txBox="1"/>
+          <p:nvPr/>
+        </p:nvSpPr>
+        <p:spPr>
+          <a:xfrm>
+            <a:off x="7628378" y="-1093087"/>
+            <a:ext cx="721672" cy="369332"/>
+          </a:xfrm>
+          <a:prstGeom prst="rect">
+            <a:avLst/>
+          </a:prstGeom>
+          <a:noFill/>
+        </p:spPr>
+        <p:txBody>
+          <a:bodyPr wrap="none" rtlCol="0">
+            <a:spAutoFit/>
+          </a:bodyPr>
+          <a:lstStyle/>
+          <a:p>
+            <a:r>
+              <a:rPr lang="en-US" dirty="0"/>
+              <a:t>9,-3,4</a:t>
+            </a:r>
+          </a:p>
+        </p:txBody>
+      </p:sp>
+      <p:sp>
+        <p:nvSpPr>
+          <p:cNvPr id="149" name="TextBox 148">
+            <a:extLst>
+              <a:ext uri="{FF2B5EF4-FFF2-40B4-BE49-F238E27FC236}">
+                <a16:creationId xmlns:a16="http://schemas.microsoft.com/office/drawing/2014/main" id="{7BE1988F-E2E1-4B36-9B28-14B28D507E66}"/>
+              </a:ext>
+            </a:extLst>
+          </p:cNvPr>
+          <p:cNvSpPr txBox="1"/>
+          <p:nvPr/>
+        </p:nvSpPr>
+        <p:spPr>
+          <a:xfrm>
+            <a:off x="6923920" y="-2646120"/>
+            <a:ext cx="721672" cy="369332"/>
+          </a:xfrm>
+          <a:prstGeom prst="rect">
+            <a:avLst/>
+          </a:prstGeom>
+          <a:noFill/>
+        </p:spPr>
+        <p:txBody>
+          <a:bodyPr wrap="none" rtlCol="0">
+            <a:spAutoFit/>
+          </a:bodyPr>
+          <a:lstStyle/>
+          <a:p>
+            <a:r>
+              <a:rPr lang="en-US" dirty="0"/>
+              <a:t>7,-4,5</a:t>
+            </a:r>
+          </a:p>
+        </p:txBody>
+      </p:sp>
+      <p:sp>
+        <p:nvSpPr>
+          <p:cNvPr id="150" name="TextBox 149">
+            <a:extLst>
+              <a:ext uri="{FF2B5EF4-FFF2-40B4-BE49-F238E27FC236}">
+                <a16:creationId xmlns:a16="http://schemas.microsoft.com/office/drawing/2014/main" id="{2C017A8E-AA35-4071-B837-EC0CAD21AF85}"/>
+              </a:ext>
+            </a:extLst>
+          </p:cNvPr>
+          <p:cNvSpPr txBox="1"/>
+          <p:nvPr/>
+        </p:nvSpPr>
+        <p:spPr>
+          <a:xfrm>
+            <a:off x="8017629" y="-2645800"/>
+            <a:ext cx="721672" cy="369332"/>
+          </a:xfrm>
+          <a:prstGeom prst="rect">
+            <a:avLst/>
+          </a:prstGeom>
+          <a:noFill/>
+        </p:spPr>
+        <p:txBody>
+          <a:bodyPr wrap="none" rtlCol="0">
+            <a:spAutoFit/>
+          </a:bodyPr>
+          <a:lstStyle/>
+          <a:p>
+            <a:r>
+              <a:rPr lang="en-US" dirty="0"/>
+              <a:t>7,-3,5</a:t>
+            </a:r>
+          </a:p>
+        </p:txBody>
+      </p:sp>
+      <p:sp>
+        <p:nvSpPr>
+          <p:cNvPr id="151" name="TextBox 150">
+            <a:extLst>
+              <a:ext uri="{FF2B5EF4-FFF2-40B4-BE49-F238E27FC236}">
+                <a16:creationId xmlns:a16="http://schemas.microsoft.com/office/drawing/2014/main" id="{4845FEC1-13D8-4D84-84E6-1905773713CD}"/>
+              </a:ext>
+            </a:extLst>
+          </p:cNvPr>
+          <p:cNvSpPr txBox="1"/>
+          <p:nvPr/>
+        </p:nvSpPr>
+        <p:spPr>
+          <a:xfrm>
+            <a:off x="6908492" y="-1664354"/>
+            <a:ext cx="721672" cy="369332"/>
+          </a:xfrm>
+          <a:prstGeom prst="rect">
+            <a:avLst/>
+          </a:prstGeom>
+          <a:noFill/>
+        </p:spPr>
+        <p:txBody>
+          <a:bodyPr wrap="none" rtlCol="0">
+            <a:spAutoFit/>
+          </a:bodyPr>
+          <a:lstStyle/>
+          <a:p>
+            <a:r>
+              <a:rPr lang="en-US" dirty="0"/>
+              <a:t>7,-4,4</a:t>
+            </a:r>
+          </a:p>
+        </p:txBody>
+      </p:sp>
+      <p:grpSp>
+        <p:nvGrpSpPr>
+          <p:cNvPr id="152" name="Group 151">
+            <a:extLst>
+              <a:ext uri="{FF2B5EF4-FFF2-40B4-BE49-F238E27FC236}">
+                <a16:creationId xmlns:a16="http://schemas.microsoft.com/office/drawing/2014/main" id="{44099579-328F-446F-97A6-DD03ECAEFED5}"/>
+              </a:ext>
+            </a:extLst>
+          </p:cNvPr>
+          <p:cNvGrpSpPr/>
+          <p:nvPr/>
+        </p:nvGrpSpPr>
+        <p:grpSpPr>
+          <a:xfrm>
+            <a:off x="9474723" y="-2268786"/>
+            <a:ext cx="1382655" cy="1205616"/>
+            <a:chOff x="3613453" y="1337558"/>
+            <a:chExt cx="4797121" cy="4182883"/>
+          </a:xfrm>
+        </p:grpSpPr>
+        <p:sp>
+          <p:nvSpPr>
+            <p:cNvPr id="153" name="Rectangle 152">
+              <a:extLst>
+                <a:ext uri="{FF2B5EF4-FFF2-40B4-BE49-F238E27FC236}">
+                  <a16:creationId xmlns:a16="http://schemas.microsoft.com/office/drawing/2014/main" id="{DA58220B-39E0-44EA-914C-98813C67BEC5}"/>
+                </a:ext>
+              </a:extLst>
+            </p:cNvPr>
+            <p:cNvSpPr/>
+            <p:nvPr/>
+          </p:nvSpPr>
+          <p:spPr>
+            <a:xfrm>
+              <a:off x="4657725" y="1337558"/>
+              <a:ext cx="3752849" cy="3129667"/>
+            </a:xfrm>
+            <a:prstGeom prst="rect">
+              <a:avLst/>
+            </a:prstGeom>
+            <a:solidFill>
+              <a:schemeClr val="bg1"/>
+            </a:solidFill>
+            <a:ln>
+              <a:solidFill>
+                <a:schemeClr val="tx1"/>
+              </a:solidFill>
+            </a:ln>
+          </p:spPr>
+          <p:style>
+            <a:lnRef idx="2">
+              <a:schemeClr val="accent1">
+                <a:shade val="50000"/>
+              </a:schemeClr>
+            </a:lnRef>
+            <a:fillRef idx="1">
+              <a:schemeClr val="accent1"/>
+            </a:fillRef>
+            <a:effectRef idx="0">
+              <a:schemeClr val="accent1"/>
+            </a:effectRef>
+            <a:fontRef idx="minor">
+              <a:schemeClr val="lt1"/>
+            </a:fontRef>
+          </p:style>
+          <p:txBody>
+            <a:bodyPr rtlCol="0" anchor="ctr"/>
+            <a:lstStyle/>
+            <a:p>
+              <a:pPr algn="ctr"/>
+              <a:endParaRPr lang="en-US"/>
+            </a:p>
+          </p:txBody>
+        </p:sp>
+        <p:sp>
+          <p:nvSpPr>
+            <p:cNvPr id="154" name="Cube 153">
+              <a:extLst>
+                <a:ext uri="{FF2B5EF4-FFF2-40B4-BE49-F238E27FC236}">
+                  <a16:creationId xmlns:a16="http://schemas.microsoft.com/office/drawing/2014/main" id="{E93E690F-E99B-4063-8AB2-0D711EAC5D3B}"/>
+                </a:ext>
+              </a:extLst>
+            </p:cNvPr>
+            <p:cNvSpPr/>
+            <p:nvPr/>
+          </p:nvSpPr>
+          <p:spPr>
+            <a:xfrm>
+              <a:off x="3613453" y="1337558"/>
+              <a:ext cx="4797121" cy="4182883"/>
+            </a:xfrm>
+            <a:prstGeom prst="cube">
+              <a:avLst/>
+            </a:prstGeom>
+            <a:noFill/>
+            <a:ln>
+              <a:solidFill>
+                <a:schemeClr val="tx1"/>
+              </a:solidFill>
+            </a:ln>
+          </p:spPr>
+          <p:style>
+            <a:lnRef idx="2">
+              <a:schemeClr val="accent1">
+                <a:shade val="50000"/>
+              </a:schemeClr>
+            </a:lnRef>
+            <a:fillRef idx="1">
+              <a:schemeClr val="accent1"/>
+            </a:fillRef>
+            <a:effectRef idx="0">
+              <a:schemeClr val="accent1"/>
+            </a:effectRef>
+            <a:fontRef idx="minor">
+              <a:schemeClr val="lt1"/>
+            </a:fontRef>
+          </p:style>
+          <p:txBody>
+            <a:bodyPr rtlCol="0" anchor="ctr"/>
+            <a:lstStyle/>
+            <a:p>
+              <a:pPr algn="ctr"/>
+              <a:endParaRPr lang="en-US"/>
+            </a:p>
+          </p:txBody>
+        </p:sp>
+        <p:cxnSp>
+          <p:nvCxnSpPr>
+            <p:cNvPr id="155" name="Straight Connector 154">
+              <a:extLst>
+                <a:ext uri="{FF2B5EF4-FFF2-40B4-BE49-F238E27FC236}">
+                  <a16:creationId xmlns:a16="http://schemas.microsoft.com/office/drawing/2014/main" id="{94DEC703-5F95-4381-A8DA-8B702CFA21A1}"/>
+                </a:ext>
+              </a:extLst>
+            </p:cNvPr>
+            <p:cNvCxnSpPr/>
+            <p:nvPr/>
+          </p:nvCxnSpPr>
+          <p:spPr>
+            <a:xfrm flipH="1">
+              <a:off x="3613453" y="4467225"/>
+              <a:ext cx="1044272" cy="1053216"/>
+            </a:xfrm>
+            <a:prstGeom prst="line">
+              <a:avLst/>
+            </a:prstGeom>
+            <a:ln>
+              <a:solidFill>
+                <a:schemeClr val="tx1"/>
+              </a:solidFill>
+            </a:ln>
+          </p:spPr>
+          <p:style>
+            <a:lnRef idx="1">
+              <a:schemeClr val="accent1"/>
+            </a:lnRef>
+            <a:fillRef idx="0">
+              <a:schemeClr val="accent1"/>
+            </a:fillRef>
+            <a:effectRef idx="0">
+              <a:schemeClr val="accent1"/>
+            </a:effectRef>
+            <a:fontRef idx="minor">
+              <a:schemeClr val="tx1"/>
+            </a:fontRef>
+          </p:style>
+        </p:cxnSp>
+      </p:grpSp>
+      <p:sp>
+        <p:nvSpPr>
+          <p:cNvPr id="156" name="TextBox 155">
+            <a:extLst>
+              <a:ext uri="{FF2B5EF4-FFF2-40B4-BE49-F238E27FC236}">
+                <a16:creationId xmlns:a16="http://schemas.microsoft.com/office/drawing/2014/main" id="{F00A15FA-0222-4D3E-93BA-34DFBE261A38}"/>
+              </a:ext>
+            </a:extLst>
+          </p:cNvPr>
+          <p:cNvSpPr txBox="1"/>
+          <p:nvPr/>
+        </p:nvSpPr>
+        <p:spPr>
+          <a:xfrm>
+            <a:off x="8900225" y="-2189917"/>
+            <a:ext cx="651140" cy="369332"/>
+          </a:xfrm>
+          <a:prstGeom prst="rect">
+            <a:avLst/>
+          </a:prstGeom>
+          <a:noFill/>
+        </p:spPr>
+        <p:txBody>
+          <a:bodyPr wrap="none" rtlCol="0">
+            <a:spAutoFit/>
+          </a:bodyPr>
+          <a:lstStyle/>
+          <a:p>
+            <a:r>
+              <a:rPr lang="en-US" dirty="0"/>
+              <a:t>9,3,5</a:t>
+            </a:r>
+          </a:p>
+        </p:txBody>
+      </p:sp>
+      <p:sp>
+        <p:nvSpPr>
+          <p:cNvPr id="157" name="TextBox 156">
+            <a:extLst>
+              <a:ext uri="{FF2B5EF4-FFF2-40B4-BE49-F238E27FC236}">
+                <a16:creationId xmlns:a16="http://schemas.microsoft.com/office/drawing/2014/main" id="{55BFC0ED-7197-43A2-A7A3-C189E63F7AF5}"/>
+              </a:ext>
+            </a:extLst>
+          </p:cNvPr>
+          <p:cNvSpPr txBox="1"/>
+          <p:nvPr/>
+        </p:nvSpPr>
+        <p:spPr>
+          <a:xfrm>
+            <a:off x="9991573" y="-2014727"/>
+            <a:ext cx="651140" cy="369332"/>
+          </a:xfrm>
+          <a:prstGeom prst="rect">
+            <a:avLst/>
+          </a:prstGeom>
+          <a:noFill/>
+        </p:spPr>
+        <p:txBody>
+          <a:bodyPr wrap="none" rtlCol="0">
+            <a:spAutoFit/>
+          </a:bodyPr>
+          <a:lstStyle/>
+          <a:p>
+            <a:r>
+              <a:rPr lang="en-US" dirty="0"/>
+              <a:t>9,4,5</a:t>
+            </a:r>
+          </a:p>
+        </p:txBody>
+      </p:sp>
+      <p:sp>
+        <p:nvSpPr>
+          <p:cNvPr id="158" name="TextBox 157">
+            <a:extLst>
+              <a:ext uri="{FF2B5EF4-FFF2-40B4-BE49-F238E27FC236}">
+                <a16:creationId xmlns:a16="http://schemas.microsoft.com/office/drawing/2014/main" id="{AF04C8E7-F1E4-424B-BAB7-72E7D5EDE2C9}"/>
+              </a:ext>
+            </a:extLst>
+          </p:cNvPr>
+          <p:cNvSpPr txBox="1"/>
+          <p:nvPr/>
+        </p:nvSpPr>
+        <p:spPr>
+          <a:xfrm>
+            <a:off x="9011796" y="-1150853"/>
+            <a:ext cx="651140" cy="369332"/>
+          </a:xfrm>
+          <a:prstGeom prst="rect">
+            <a:avLst/>
+          </a:prstGeom>
+          <a:noFill/>
+        </p:spPr>
+        <p:txBody>
+          <a:bodyPr wrap="none" rtlCol="0">
+            <a:spAutoFit/>
+          </a:bodyPr>
+          <a:lstStyle/>
+          <a:p>
+            <a:r>
+              <a:rPr lang="en-US" dirty="0"/>
+              <a:t>9,3,4</a:t>
+            </a:r>
+          </a:p>
+        </p:txBody>
+      </p:sp>
+      <p:sp>
+        <p:nvSpPr>
+          <p:cNvPr id="159" name="TextBox 158">
+            <a:extLst>
+              <a:ext uri="{FF2B5EF4-FFF2-40B4-BE49-F238E27FC236}">
+                <a16:creationId xmlns:a16="http://schemas.microsoft.com/office/drawing/2014/main" id="{5CE1D8CC-DCD0-44E2-8F5D-3AC0CF5246CC}"/>
+              </a:ext>
+            </a:extLst>
+          </p:cNvPr>
+          <p:cNvSpPr txBox="1"/>
+          <p:nvPr/>
+        </p:nvSpPr>
+        <p:spPr>
+          <a:xfrm>
+            <a:off x="10270815" y="-1085085"/>
+            <a:ext cx="651140" cy="369332"/>
+          </a:xfrm>
+          <a:prstGeom prst="rect">
+            <a:avLst/>
+          </a:prstGeom>
+          <a:noFill/>
+        </p:spPr>
+        <p:txBody>
+          <a:bodyPr wrap="none" rtlCol="0">
+            <a:spAutoFit/>
+          </a:bodyPr>
+          <a:lstStyle/>
+          <a:p>
+            <a:r>
+              <a:rPr lang="en-US" dirty="0"/>
+              <a:t>9,4,4</a:t>
+            </a:r>
+          </a:p>
+        </p:txBody>
+      </p:sp>
+      <p:sp>
+        <p:nvSpPr>
+          <p:cNvPr id="160" name="TextBox 159">
+            <a:extLst>
+              <a:ext uri="{FF2B5EF4-FFF2-40B4-BE49-F238E27FC236}">
+                <a16:creationId xmlns:a16="http://schemas.microsoft.com/office/drawing/2014/main" id="{A0FFE3F1-7BBF-4E98-960A-25C3A4B8D51D}"/>
+              </a:ext>
+            </a:extLst>
+          </p:cNvPr>
+          <p:cNvSpPr txBox="1"/>
+          <p:nvPr/>
+        </p:nvSpPr>
+        <p:spPr>
+          <a:xfrm>
+            <a:off x="9566357" y="-2638118"/>
+            <a:ext cx="651140" cy="369332"/>
+          </a:xfrm>
+          <a:prstGeom prst="rect">
+            <a:avLst/>
+          </a:prstGeom>
+          <a:noFill/>
+        </p:spPr>
+        <p:txBody>
+          <a:bodyPr wrap="none" rtlCol="0">
+            <a:spAutoFit/>
+          </a:bodyPr>
+          <a:lstStyle/>
+          <a:p>
+            <a:r>
+              <a:rPr lang="en-US" dirty="0"/>
+              <a:t>7,3,5</a:t>
+            </a:r>
+          </a:p>
+        </p:txBody>
+      </p:sp>
+      <p:sp>
+        <p:nvSpPr>
+          <p:cNvPr id="161" name="TextBox 160">
+            <a:extLst>
+              <a:ext uri="{FF2B5EF4-FFF2-40B4-BE49-F238E27FC236}">
+                <a16:creationId xmlns:a16="http://schemas.microsoft.com/office/drawing/2014/main" id="{B58110E7-38F5-469E-B492-BFA89DB03684}"/>
+              </a:ext>
+            </a:extLst>
+          </p:cNvPr>
+          <p:cNvSpPr txBox="1"/>
+          <p:nvPr/>
+        </p:nvSpPr>
+        <p:spPr>
+          <a:xfrm>
+            <a:off x="10660066" y="-2637798"/>
+            <a:ext cx="651140" cy="369332"/>
+          </a:xfrm>
+          <a:prstGeom prst="rect">
+            <a:avLst/>
+          </a:prstGeom>
+          <a:noFill/>
+        </p:spPr>
+        <p:txBody>
+          <a:bodyPr wrap="none" rtlCol="0">
+            <a:spAutoFit/>
+          </a:bodyPr>
+          <a:lstStyle/>
+          <a:p>
+            <a:r>
+              <a:rPr lang="en-US" dirty="0"/>
+              <a:t>7,4,5</a:t>
+            </a:r>
+          </a:p>
+        </p:txBody>
+      </p:sp>
+      <p:sp>
+        <p:nvSpPr>
+          <p:cNvPr id="162" name="TextBox 161">
+            <a:extLst>
+              <a:ext uri="{FF2B5EF4-FFF2-40B4-BE49-F238E27FC236}">
+                <a16:creationId xmlns:a16="http://schemas.microsoft.com/office/drawing/2014/main" id="{7123D3BF-51E0-42AC-875A-AF1F5DFEB700}"/>
+              </a:ext>
+            </a:extLst>
+          </p:cNvPr>
+          <p:cNvSpPr txBox="1"/>
+          <p:nvPr/>
+        </p:nvSpPr>
+        <p:spPr>
+          <a:xfrm>
+            <a:off x="9696596" y="-1665978"/>
+            <a:ext cx="651140" cy="369332"/>
+          </a:xfrm>
+          <a:prstGeom prst="rect">
+            <a:avLst/>
+          </a:prstGeom>
+          <a:noFill/>
+        </p:spPr>
+        <p:txBody>
+          <a:bodyPr wrap="none" rtlCol="0">
+            <a:spAutoFit/>
+          </a:bodyPr>
+          <a:lstStyle/>
+          <a:p>
+            <a:r>
+              <a:rPr lang="en-US" dirty="0"/>
+              <a:t>7,3,4</a:t>
+            </a:r>
+          </a:p>
+        </p:txBody>
+      </p:sp>
+      <p:sp>
+        <p:nvSpPr>
+          <p:cNvPr id="163" name="TextBox 162">
+            <a:extLst>
+              <a:ext uri="{FF2B5EF4-FFF2-40B4-BE49-F238E27FC236}">
+                <a16:creationId xmlns:a16="http://schemas.microsoft.com/office/drawing/2014/main" id="{D131161D-2A7B-4CFF-94F1-D5136EAD3274}"/>
+              </a:ext>
+            </a:extLst>
+          </p:cNvPr>
+          <p:cNvSpPr txBox="1"/>
+          <p:nvPr/>
+        </p:nvSpPr>
+        <p:spPr>
+          <a:xfrm>
+            <a:off x="10791682" y="-1628252"/>
+            <a:ext cx="651140" cy="369332"/>
+          </a:xfrm>
+          <a:prstGeom prst="rect">
+            <a:avLst/>
+          </a:prstGeom>
+          <a:noFill/>
+        </p:spPr>
+        <p:txBody>
+          <a:bodyPr wrap="none" rtlCol="0">
+            <a:spAutoFit/>
+          </a:bodyPr>
+          <a:lstStyle/>
+          <a:p>
+            <a:r>
+              <a:rPr lang="en-US" dirty="0"/>
+              <a:t>7,4,4</a:t>
+            </a:r>
+          </a:p>
+        </p:txBody>
+      </p:sp>
+      <p:sp>
+        <p:nvSpPr>
+          <p:cNvPr id="164" name="TextBox 163">
+            <a:extLst>
+              <a:ext uri="{FF2B5EF4-FFF2-40B4-BE49-F238E27FC236}">
+                <a16:creationId xmlns:a16="http://schemas.microsoft.com/office/drawing/2014/main" id="{22F0A5EE-1FCB-4B4D-9A50-CDDC1A96972A}"/>
+              </a:ext>
+            </a:extLst>
+          </p:cNvPr>
+          <p:cNvSpPr txBox="1"/>
+          <p:nvPr/>
+        </p:nvSpPr>
+        <p:spPr>
+          <a:xfrm>
+            <a:off x="8172984" y="-1568878"/>
+            <a:ext cx="721672" cy="369332"/>
+          </a:xfrm>
+          <a:prstGeom prst="rect">
+            <a:avLst/>
+          </a:prstGeom>
+          <a:noFill/>
+        </p:spPr>
+        <p:txBody>
+          <a:bodyPr wrap="none" rtlCol="0">
+            <a:spAutoFit/>
+          </a:bodyPr>
+          <a:lstStyle/>
+          <a:p>
+            <a:r>
+              <a:rPr lang="en-US" dirty="0"/>
+              <a:t>7,-3,4</a:t>
             </a:r>
           </a:p>
         </p:txBody>

--- a/shape.pptx
+++ b/shape.pptx
@@ -7,6 +7,7 @@
   <p:sldIdLst>
     <p:sldId id="256" r:id="rId2"/>
     <p:sldId id="259" r:id="rId3"/>
+    <p:sldId id="260" r:id="rId4"/>
   </p:sldIdLst>
   <p:sldSz cx="12192000" cy="6858000"/>
   <p:notesSz cx="6858000" cy="9144000"/>
@@ -7473,12 +7474,42 @@
           </a:p>
         </p:txBody>
       </p:sp>
+    </p:spTree>
+    <p:extLst>
+      <p:ext uri="{BB962C8B-B14F-4D97-AF65-F5344CB8AC3E}">
+        <p14:creationId xmlns:p14="http://schemas.microsoft.com/office/powerpoint/2010/main" val="2575630432"/>
+      </p:ext>
+    </p:extLst>
+  </p:cSld>
+  <p:clrMapOvr>
+    <a:masterClrMapping/>
+  </p:clrMapOvr>
+</p:sld>
+</file>
+
+<file path=ppt/slides/slide3.xml><?xml version="1.0" encoding="utf-8"?>
+<p:sld xmlns:a="http://schemas.openxmlformats.org/drawingml/2006/main" xmlns:r="http://schemas.openxmlformats.org/officeDocument/2006/relationships" xmlns:p="http://schemas.openxmlformats.org/presentationml/2006/main">
+  <p:cSld>
+    <p:spTree>
+      <p:nvGrpSpPr>
+        <p:cNvPr id="1" name=""/>
+        <p:cNvGrpSpPr/>
+        <p:nvPr/>
+      </p:nvGrpSpPr>
+      <p:grpSpPr>
+        <a:xfrm>
+          <a:off x="0" y="0"/>
+          <a:ext cx="0" cy="0"/>
+          <a:chOff x="0" y="0"/>
+          <a:chExt cx="0" cy="0"/>
+        </a:xfrm>
+      </p:grpSpPr>
       <p:grpSp>
         <p:nvGrpSpPr>
-          <p:cNvPr id="117" name="Group 116">
-            <a:extLst>
-              <a:ext uri="{FF2B5EF4-FFF2-40B4-BE49-F238E27FC236}">
-                <a16:creationId xmlns:a16="http://schemas.microsoft.com/office/drawing/2014/main" id="{5398B075-8057-4CF1-B10A-8133A4083FED}"/>
+          <p:cNvPr id="4" name="Group 3">
+            <a:extLst>
+              <a:ext uri="{FF2B5EF4-FFF2-40B4-BE49-F238E27FC236}">
+                <a16:creationId xmlns:a16="http://schemas.microsoft.com/office/drawing/2014/main" id="{80B54BE3-88B1-4E5A-9B5A-5021BFD0EBCD}"/>
               </a:ext>
             </a:extLst>
           </p:cNvPr>
@@ -7487,18 +7518,18 @@
         </p:nvGrpSpPr>
         <p:grpSpPr>
           <a:xfrm>
-            <a:off x="1361008" y="-2186066"/>
-            <a:ext cx="1382655" cy="1205616"/>
+            <a:off x="445483" y="2068704"/>
+            <a:ext cx="4797121" cy="4182883"/>
             <a:chOff x="3613453" y="1337558"/>
             <a:chExt cx="4797121" cy="4182883"/>
           </a:xfrm>
         </p:grpSpPr>
         <p:sp>
           <p:nvSpPr>
-            <p:cNvPr id="118" name="Rectangle 117">
+            <p:cNvPr id="5" name="Rectangle 4">
               <a:extLst>
                 <a:ext uri="{FF2B5EF4-FFF2-40B4-BE49-F238E27FC236}">
-                  <a16:creationId xmlns:a16="http://schemas.microsoft.com/office/drawing/2014/main" id="{E84BF9BB-D1EB-4099-BCD9-FD4711423FDE}"/>
+                  <a16:creationId xmlns:a16="http://schemas.microsoft.com/office/drawing/2014/main" id="{BFD0A17A-9155-419D-B36B-ECFAB326965F}"/>
                 </a:ext>
               </a:extLst>
             </p:cNvPr>
@@ -7549,10 +7580,10 @@
         </p:sp>
         <p:sp>
           <p:nvSpPr>
-            <p:cNvPr id="119" name="Cube 118">
+            <p:cNvPr id="6" name="Cube 5">
               <a:extLst>
                 <a:ext uri="{FF2B5EF4-FFF2-40B4-BE49-F238E27FC236}">
-                  <a16:creationId xmlns:a16="http://schemas.microsoft.com/office/drawing/2014/main" id="{E6B463F3-D2EB-4D11-9151-712591960E46}"/>
+                  <a16:creationId xmlns:a16="http://schemas.microsoft.com/office/drawing/2014/main" id="{82843D58-9C0E-49F6-9B82-2AC1E81B845B}"/>
                 </a:ext>
               </a:extLst>
             </p:cNvPr>
@@ -7601,10 +7632,10 @@
         </p:sp>
         <p:cxnSp>
           <p:nvCxnSpPr>
-            <p:cNvPr id="120" name="Straight Connector 119">
+            <p:cNvPr id="7" name="Straight Connector 6">
               <a:extLst>
                 <a:ext uri="{FF2B5EF4-FFF2-40B4-BE49-F238E27FC236}">
-                  <a16:creationId xmlns:a16="http://schemas.microsoft.com/office/drawing/2014/main" id="{FE6D8190-84C6-4236-93DD-E116262A64C9}"/>
+                  <a16:creationId xmlns:a16="http://schemas.microsoft.com/office/drawing/2014/main" id="{19E70B93-CEBE-4EB9-BC3D-B680F7DC5308}"/>
                 </a:ext>
               </a:extLst>
             </p:cNvPr>
@@ -7641,292 +7672,12 @@
           </p:style>
         </p:cxnSp>
       </p:grpSp>
-      <p:sp>
-        <p:nvSpPr>
-          <p:cNvPr id="121" name="TextBox 120">
-            <a:extLst>
-              <a:ext uri="{FF2B5EF4-FFF2-40B4-BE49-F238E27FC236}">
-                <a16:creationId xmlns:a16="http://schemas.microsoft.com/office/drawing/2014/main" id="{C249BA28-5CE4-42A9-A20C-D70C248C446B}"/>
-              </a:ext>
-            </a:extLst>
-          </p:cNvPr>
-          <p:cNvSpPr txBox="1"/>
-          <p:nvPr/>
-        </p:nvSpPr>
-        <p:spPr>
-          <a:xfrm>
-            <a:off x="940485" y="-2107197"/>
-            <a:ext cx="418704" cy="369332"/>
-          </a:xfrm>
-          <a:prstGeom prst="rect">
-            <a:avLst/>
-          </a:prstGeom>
-          <a:noFill/>
-        </p:spPr>
-        <p:txBody>
-          <a:bodyPr wrap="none" rtlCol="0">
-            <a:spAutoFit/>
-          </a:bodyPr>
-          <a:lstStyle/>
-          <a:p>
-            <a:r>
-              <a:rPr lang="en-US" dirty="0"/>
-              <a:t>30</a:t>
-            </a:r>
-          </a:p>
-        </p:txBody>
-      </p:sp>
-      <p:sp>
-        <p:nvSpPr>
-          <p:cNvPr id="122" name="TextBox 121">
-            <a:extLst>
-              <a:ext uri="{FF2B5EF4-FFF2-40B4-BE49-F238E27FC236}">
-                <a16:creationId xmlns:a16="http://schemas.microsoft.com/office/drawing/2014/main" id="{ADB55A7E-3A85-4467-8BDB-58F1E3CCA586}"/>
-              </a:ext>
-            </a:extLst>
-          </p:cNvPr>
-          <p:cNvSpPr txBox="1"/>
-          <p:nvPr/>
-        </p:nvSpPr>
-        <p:spPr>
-          <a:xfrm>
-            <a:off x="2073641" y="-1922531"/>
-            <a:ext cx="418704" cy="369332"/>
-          </a:xfrm>
-          <a:prstGeom prst="rect">
-            <a:avLst/>
-          </a:prstGeom>
-          <a:noFill/>
-        </p:spPr>
-        <p:txBody>
-          <a:bodyPr wrap="none" rtlCol="0">
-            <a:spAutoFit/>
-          </a:bodyPr>
-          <a:lstStyle/>
-          <a:p>
-            <a:r>
-              <a:rPr lang="en-US" dirty="0"/>
-              <a:t>31</a:t>
-            </a:r>
-          </a:p>
-        </p:txBody>
-      </p:sp>
-      <p:sp>
-        <p:nvSpPr>
-          <p:cNvPr id="123" name="TextBox 122">
-            <a:extLst>
-              <a:ext uri="{FF2B5EF4-FFF2-40B4-BE49-F238E27FC236}">
-                <a16:creationId xmlns:a16="http://schemas.microsoft.com/office/drawing/2014/main" id="{27BC9780-785E-40FA-9983-16BB147AE259}"/>
-              </a:ext>
-            </a:extLst>
-          </p:cNvPr>
-          <p:cNvSpPr txBox="1"/>
-          <p:nvPr/>
-        </p:nvSpPr>
-        <p:spPr>
-          <a:xfrm>
-            <a:off x="898081" y="-1068133"/>
-            <a:ext cx="418704" cy="369332"/>
-          </a:xfrm>
-          <a:prstGeom prst="rect">
-            <a:avLst/>
-          </a:prstGeom>
-          <a:noFill/>
-        </p:spPr>
-        <p:txBody>
-          <a:bodyPr wrap="none" rtlCol="0">
-            <a:spAutoFit/>
-          </a:bodyPr>
-          <a:lstStyle/>
-          <a:p>
-            <a:r>
-              <a:rPr lang="en-US" dirty="0"/>
-              <a:t>32</a:t>
-            </a:r>
-          </a:p>
-        </p:txBody>
-      </p:sp>
-      <p:sp>
-        <p:nvSpPr>
-          <p:cNvPr id="124" name="TextBox 123">
-            <a:extLst>
-              <a:ext uri="{FF2B5EF4-FFF2-40B4-BE49-F238E27FC236}">
-                <a16:creationId xmlns:a16="http://schemas.microsoft.com/office/drawing/2014/main" id="{18E7A035-9BEF-4934-A653-CA8B19095723}"/>
-              </a:ext>
-            </a:extLst>
-          </p:cNvPr>
-          <p:cNvSpPr txBox="1"/>
-          <p:nvPr/>
-        </p:nvSpPr>
-        <p:spPr>
-          <a:xfrm>
-            <a:off x="2157100" y="-1002365"/>
-            <a:ext cx="418704" cy="369332"/>
-          </a:xfrm>
-          <a:prstGeom prst="rect">
-            <a:avLst/>
-          </a:prstGeom>
-          <a:noFill/>
-        </p:spPr>
-        <p:txBody>
-          <a:bodyPr wrap="none" rtlCol="0">
-            <a:spAutoFit/>
-          </a:bodyPr>
-          <a:lstStyle/>
-          <a:p>
-            <a:r>
-              <a:rPr lang="en-US" dirty="0"/>
-              <a:t>33</a:t>
-            </a:r>
-          </a:p>
-        </p:txBody>
-      </p:sp>
-      <p:sp>
-        <p:nvSpPr>
-          <p:cNvPr id="125" name="TextBox 124">
-            <a:extLst>
-              <a:ext uri="{FF2B5EF4-FFF2-40B4-BE49-F238E27FC236}">
-                <a16:creationId xmlns:a16="http://schemas.microsoft.com/office/drawing/2014/main" id="{EB114E2F-65B2-402B-8617-804DCC7CBDCD}"/>
-              </a:ext>
-            </a:extLst>
-          </p:cNvPr>
-          <p:cNvSpPr txBox="1"/>
-          <p:nvPr/>
-        </p:nvSpPr>
-        <p:spPr>
-          <a:xfrm>
-            <a:off x="1452642" y="-2555398"/>
-            <a:ext cx="418704" cy="369332"/>
-          </a:xfrm>
-          <a:prstGeom prst="rect">
-            <a:avLst/>
-          </a:prstGeom>
-          <a:noFill/>
-        </p:spPr>
-        <p:txBody>
-          <a:bodyPr wrap="none" rtlCol="0">
-            <a:spAutoFit/>
-          </a:bodyPr>
-          <a:lstStyle/>
-          <a:p>
-            <a:r>
-              <a:rPr lang="en-US" dirty="0"/>
-              <a:t>34</a:t>
-            </a:r>
-          </a:p>
-        </p:txBody>
-      </p:sp>
-      <p:sp>
-        <p:nvSpPr>
-          <p:cNvPr id="126" name="TextBox 125">
-            <a:extLst>
-              <a:ext uri="{FF2B5EF4-FFF2-40B4-BE49-F238E27FC236}">
-                <a16:creationId xmlns:a16="http://schemas.microsoft.com/office/drawing/2014/main" id="{8DEA5DDA-DD66-4F1F-B560-52EA8FC1D79A}"/>
-              </a:ext>
-            </a:extLst>
-          </p:cNvPr>
-          <p:cNvSpPr txBox="1"/>
-          <p:nvPr/>
-        </p:nvSpPr>
-        <p:spPr>
-          <a:xfrm>
-            <a:off x="2546351" y="-2555078"/>
-            <a:ext cx="418704" cy="369332"/>
-          </a:xfrm>
-          <a:prstGeom prst="rect">
-            <a:avLst/>
-          </a:prstGeom>
-          <a:noFill/>
-        </p:spPr>
-        <p:txBody>
-          <a:bodyPr wrap="none" rtlCol="0">
-            <a:spAutoFit/>
-          </a:bodyPr>
-          <a:lstStyle/>
-          <a:p>
-            <a:r>
-              <a:rPr lang="en-US" dirty="0"/>
-              <a:t>35</a:t>
-            </a:r>
-          </a:p>
-        </p:txBody>
-      </p:sp>
-      <p:sp>
-        <p:nvSpPr>
-          <p:cNvPr id="127" name="TextBox 126">
-            <a:extLst>
-              <a:ext uri="{FF2B5EF4-FFF2-40B4-BE49-F238E27FC236}">
-                <a16:creationId xmlns:a16="http://schemas.microsoft.com/office/drawing/2014/main" id="{EA8AABAE-19DE-4A0B-A42D-537BBCE54D63}"/>
-              </a:ext>
-            </a:extLst>
-          </p:cNvPr>
-          <p:cNvSpPr txBox="1"/>
-          <p:nvPr/>
-        </p:nvSpPr>
-        <p:spPr>
-          <a:xfrm>
-            <a:off x="1639592" y="-1622768"/>
-            <a:ext cx="418704" cy="369332"/>
-          </a:xfrm>
-          <a:prstGeom prst="rect">
-            <a:avLst/>
-          </a:prstGeom>
-          <a:noFill/>
-        </p:spPr>
-        <p:txBody>
-          <a:bodyPr wrap="none" rtlCol="0">
-            <a:spAutoFit/>
-          </a:bodyPr>
-          <a:lstStyle/>
-          <a:p>
-            <a:r>
-              <a:rPr lang="en-US" dirty="0"/>
-              <a:t>36</a:t>
-            </a:r>
-          </a:p>
-        </p:txBody>
-      </p:sp>
-      <p:sp>
-        <p:nvSpPr>
-          <p:cNvPr id="128" name="TextBox 127">
-            <a:extLst>
-              <a:ext uri="{FF2B5EF4-FFF2-40B4-BE49-F238E27FC236}">
-                <a16:creationId xmlns:a16="http://schemas.microsoft.com/office/drawing/2014/main" id="{0B7D44B6-D48F-4A7E-8388-A811DA916A7E}"/>
-              </a:ext>
-            </a:extLst>
-          </p:cNvPr>
-          <p:cNvSpPr txBox="1"/>
-          <p:nvPr/>
-        </p:nvSpPr>
-        <p:spPr>
-          <a:xfrm>
-            <a:off x="2726390" y="-1551392"/>
-            <a:ext cx="418704" cy="369332"/>
-          </a:xfrm>
-          <a:prstGeom prst="rect">
-            <a:avLst/>
-          </a:prstGeom>
-          <a:noFill/>
-        </p:spPr>
-        <p:txBody>
-          <a:bodyPr wrap="none" rtlCol="0">
-            <a:spAutoFit/>
-          </a:bodyPr>
-          <a:lstStyle/>
-          <a:p>
-            <a:r>
-              <a:rPr lang="en-US" dirty="0"/>
-              <a:t>37</a:t>
-            </a:r>
-          </a:p>
-        </p:txBody>
-      </p:sp>
       <p:grpSp>
         <p:nvGrpSpPr>
-          <p:cNvPr id="129" name="Group 128">
-            <a:extLst>
-              <a:ext uri="{FF2B5EF4-FFF2-40B4-BE49-F238E27FC236}">
-                <a16:creationId xmlns:a16="http://schemas.microsoft.com/office/drawing/2014/main" id="{C121CCDF-4A93-4CB7-9F00-8FB48EA4E09A}"/>
+          <p:cNvPr id="8" name="Group 7">
+            <a:extLst>
+              <a:ext uri="{FF2B5EF4-FFF2-40B4-BE49-F238E27FC236}">
+                <a16:creationId xmlns:a16="http://schemas.microsoft.com/office/drawing/2014/main" id="{18FDB1F0-FA03-4754-98FB-764869D6D804}"/>
               </a:ext>
             </a:extLst>
           </p:cNvPr>
@@ -7935,7 +7686,7 @@
         </p:nvGrpSpPr>
         <p:grpSpPr>
           <a:xfrm>
-            <a:off x="3672999" y="-2209442"/>
+            <a:off x="3859949" y="1169396"/>
             <a:ext cx="1382655" cy="1205616"/>
             <a:chOff x="3613453" y="1337558"/>
             <a:chExt cx="4797121" cy="4182883"/>
@@ -7943,10 +7694,10 @@
         </p:grpSpPr>
         <p:sp>
           <p:nvSpPr>
-            <p:cNvPr id="130" name="Rectangle 129">
+            <p:cNvPr id="9" name="Rectangle 8">
               <a:extLst>
                 <a:ext uri="{FF2B5EF4-FFF2-40B4-BE49-F238E27FC236}">
-                  <a16:creationId xmlns:a16="http://schemas.microsoft.com/office/drawing/2014/main" id="{DE9157D8-115B-46EF-BF82-31BA91446F71}"/>
+                  <a16:creationId xmlns:a16="http://schemas.microsoft.com/office/drawing/2014/main" id="{EB2781DE-AE01-4889-85AD-AC7EED07FA2E}"/>
                 </a:ext>
               </a:extLst>
             </p:cNvPr>
@@ -7997,10 +7748,10 @@
         </p:sp>
         <p:sp>
           <p:nvSpPr>
-            <p:cNvPr id="131" name="Cube 130">
+            <p:cNvPr id="10" name="Cube 9">
               <a:extLst>
                 <a:ext uri="{FF2B5EF4-FFF2-40B4-BE49-F238E27FC236}">
-                  <a16:creationId xmlns:a16="http://schemas.microsoft.com/office/drawing/2014/main" id="{B30224B3-969B-44A0-AAE2-84BD94FFC13E}"/>
+                  <a16:creationId xmlns:a16="http://schemas.microsoft.com/office/drawing/2014/main" id="{15EFEB39-EC27-433E-BC54-3CEB9F514DFE}"/>
                 </a:ext>
               </a:extLst>
             </p:cNvPr>
@@ -8049,10 +7800,10 @@
         </p:sp>
         <p:cxnSp>
           <p:nvCxnSpPr>
-            <p:cNvPr id="132" name="Straight Connector 131">
+            <p:cNvPr id="11" name="Straight Connector 10">
               <a:extLst>
                 <a:ext uri="{FF2B5EF4-FFF2-40B4-BE49-F238E27FC236}">
-                  <a16:creationId xmlns:a16="http://schemas.microsoft.com/office/drawing/2014/main" id="{B869E360-A60C-4240-B7E4-57DA41611742}"/>
+                  <a16:creationId xmlns:a16="http://schemas.microsoft.com/office/drawing/2014/main" id="{8B046F61-0ECE-4249-A88D-EEE89D974411}"/>
                 </a:ext>
               </a:extLst>
             </p:cNvPr>
@@ -8089,292 +7840,12 @@
           </p:style>
         </p:cxnSp>
       </p:grpSp>
-      <p:sp>
-        <p:nvSpPr>
-          <p:cNvPr id="133" name="TextBox 132">
-            <a:extLst>
-              <a:ext uri="{FF2B5EF4-FFF2-40B4-BE49-F238E27FC236}">
-                <a16:creationId xmlns:a16="http://schemas.microsoft.com/office/drawing/2014/main" id="{A714F13E-C536-493E-838E-3FC337486861}"/>
-              </a:ext>
-            </a:extLst>
-          </p:cNvPr>
-          <p:cNvSpPr txBox="1"/>
-          <p:nvPr/>
-        </p:nvSpPr>
-        <p:spPr>
-          <a:xfrm>
-            <a:off x="3252476" y="-2130573"/>
-            <a:ext cx="418704" cy="369332"/>
-          </a:xfrm>
-          <a:prstGeom prst="rect">
-            <a:avLst/>
-          </a:prstGeom>
-          <a:noFill/>
-        </p:spPr>
-        <p:txBody>
-          <a:bodyPr wrap="none" rtlCol="0">
-            <a:spAutoFit/>
-          </a:bodyPr>
-          <a:lstStyle/>
-          <a:p>
-            <a:r>
-              <a:rPr lang="en-US" dirty="0"/>
-              <a:t>38</a:t>
-            </a:r>
-          </a:p>
-        </p:txBody>
-      </p:sp>
-      <p:sp>
-        <p:nvSpPr>
-          <p:cNvPr id="134" name="TextBox 133">
-            <a:extLst>
-              <a:ext uri="{FF2B5EF4-FFF2-40B4-BE49-F238E27FC236}">
-                <a16:creationId xmlns:a16="http://schemas.microsoft.com/office/drawing/2014/main" id="{876FC5A0-2E3A-4B90-8103-2066ED33A0B6}"/>
-              </a:ext>
-            </a:extLst>
-          </p:cNvPr>
-          <p:cNvSpPr txBox="1"/>
-          <p:nvPr/>
-        </p:nvSpPr>
-        <p:spPr>
-          <a:xfrm>
-            <a:off x="4385632" y="-1945907"/>
-            <a:ext cx="418704" cy="369332"/>
-          </a:xfrm>
-          <a:prstGeom prst="rect">
-            <a:avLst/>
-          </a:prstGeom>
-          <a:noFill/>
-        </p:spPr>
-        <p:txBody>
-          <a:bodyPr wrap="none" rtlCol="0">
-            <a:spAutoFit/>
-          </a:bodyPr>
-          <a:lstStyle/>
-          <a:p>
-            <a:r>
-              <a:rPr lang="en-US" dirty="0"/>
-              <a:t>39</a:t>
-            </a:r>
-          </a:p>
-        </p:txBody>
-      </p:sp>
-      <p:sp>
-        <p:nvSpPr>
-          <p:cNvPr id="135" name="TextBox 134">
-            <a:extLst>
-              <a:ext uri="{FF2B5EF4-FFF2-40B4-BE49-F238E27FC236}">
-                <a16:creationId xmlns:a16="http://schemas.microsoft.com/office/drawing/2014/main" id="{9A038CA8-B0A3-4913-BBD2-9D8AF826565B}"/>
-              </a:ext>
-            </a:extLst>
-          </p:cNvPr>
-          <p:cNvSpPr txBox="1"/>
-          <p:nvPr/>
-        </p:nvSpPr>
-        <p:spPr>
-          <a:xfrm>
-            <a:off x="3210072" y="-1091509"/>
-            <a:ext cx="418704" cy="369332"/>
-          </a:xfrm>
-          <a:prstGeom prst="rect">
-            <a:avLst/>
-          </a:prstGeom>
-          <a:noFill/>
-        </p:spPr>
-        <p:txBody>
-          <a:bodyPr wrap="none" rtlCol="0">
-            <a:spAutoFit/>
-          </a:bodyPr>
-          <a:lstStyle/>
-          <a:p>
-            <a:r>
-              <a:rPr lang="en-US" dirty="0"/>
-              <a:t>40</a:t>
-            </a:r>
-          </a:p>
-        </p:txBody>
-      </p:sp>
-      <p:sp>
-        <p:nvSpPr>
-          <p:cNvPr id="136" name="TextBox 135">
-            <a:extLst>
-              <a:ext uri="{FF2B5EF4-FFF2-40B4-BE49-F238E27FC236}">
-                <a16:creationId xmlns:a16="http://schemas.microsoft.com/office/drawing/2014/main" id="{7A70E294-F349-4412-8EC3-418EA443A88A}"/>
-              </a:ext>
-            </a:extLst>
-          </p:cNvPr>
-          <p:cNvSpPr txBox="1"/>
-          <p:nvPr/>
-        </p:nvSpPr>
-        <p:spPr>
-          <a:xfrm>
-            <a:off x="4469091" y="-1025741"/>
-            <a:ext cx="418704" cy="369332"/>
-          </a:xfrm>
-          <a:prstGeom prst="rect">
-            <a:avLst/>
-          </a:prstGeom>
-          <a:noFill/>
-        </p:spPr>
-        <p:txBody>
-          <a:bodyPr wrap="none" rtlCol="0">
-            <a:spAutoFit/>
-          </a:bodyPr>
-          <a:lstStyle/>
-          <a:p>
-            <a:r>
-              <a:rPr lang="en-US" dirty="0"/>
-              <a:t>41</a:t>
-            </a:r>
-          </a:p>
-        </p:txBody>
-      </p:sp>
-      <p:sp>
-        <p:nvSpPr>
-          <p:cNvPr id="137" name="TextBox 136">
-            <a:extLst>
-              <a:ext uri="{FF2B5EF4-FFF2-40B4-BE49-F238E27FC236}">
-                <a16:creationId xmlns:a16="http://schemas.microsoft.com/office/drawing/2014/main" id="{D35777A0-BD26-47F3-8EC4-58091594E2C7}"/>
-              </a:ext>
-            </a:extLst>
-          </p:cNvPr>
-          <p:cNvSpPr txBox="1"/>
-          <p:nvPr/>
-        </p:nvSpPr>
-        <p:spPr>
-          <a:xfrm>
-            <a:off x="3764633" y="-2578774"/>
-            <a:ext cx="418704" cy="369332"/>
-          </a:xfrm>
-          <a:prstGeom prst="rect">
-            <a:avLst/>
-          </a:prstGeom>
-          <a:noFill/>
-        </p:spPr>
-        <p:txBody>
-          <a:bodyPr wrap="none" rtlCol="0">
-            <a:spAutoFit/>
-          </a:bodyPr>
-          <a:lstStyle/>
-          <a:p>
-            <a:r>
-              <a:rPr lang="en-US" dirty="0"/>
-              <a:t>42</a:t>
-            </a:r>
-          </a:p>
-        </p:txBody>
-      </p:sp>
-      <p:sp>
-        <p:nvSpPr>
-          <p:cNvPr id="138" name="TextBox 137">
-            <a:extLst>
-              <a:ext uri="{FF2B5EF4-FFF2-40B4-BE49-F238E27FC236}">
-                <a16:creationId xmlns:a16="http://schemas.microsoft.com/office/drawing/2014/main" id="{45000CCE-0ABD-4681-B549-EB8824DD0486}"/>
-              </a:ext>
-            </a:extLst>
-          </p:cNvPr>
-          <p:cNvSpPr txBox="1"/>
-          <p:nvPr/>
-        </p:nvSpPr>
-        <p:spPr>
-          <a:xfrm>
-            <a:off x="4858342" y="-2578454"/>
-            <a:ext cx="418704" cy="369332"/>
-          </a:xfrm>
-          <a:prstGeom prst="rect">
-            <a:avLst/>
-          </a:prstGeom>
-          <a:noFill/>
-        </p:spPr>
-        <p:txBody>
-          <a:bodyPr wrap="none" rtlCol="0">
-            <a:spAutoFit/>
-          </a:bodyPr>
-          <a:lstStyle/>
-          <a:p>
-            <a:r>
-              <a:rPr lang="en-US" dirty="0"/>
-              <a:t>43</a:t>
-            </a:r>
-          </a:p>
-        </p:txBody>
-      </p:sp>
-      <p:sp>
-        <p:nvSpPr>
-          <p:cNvPr id="139" name="TextBox 138">
-            <a:extLst>
-              <a:ext uri="{FF2B5EF4-FFF2-40B4-BE49-F238E27FC236}">
-                <a16:creationId xmlns:a16="http://schemas.microsoft.com/office/drawing/2014/main" id="{D8FEFE44-CE44-4F41-96BB-327A68B72663}"/>
-              </a:ext>
-            </a:extLst>
-          </p:cNvPr>
-          <p:cNvSpPr txBox="1"/>
-          <p:nvPr/>
-        </p:nvSpPr>
-        <p:spPr>
-          <a:xfrm>
-            <a:off x="3951583" y="-1646144"/>
-            <a:ext cx="418704" cy="369332"/>
-          </a:xfrm>
-          <a:prstGeom prst="rect">
-            <a:avLst/>
-          </a:prstGeom>
-          <a:noFill/>
-        </p:spPr>
-        <p:txBody>
-          <a:bodyPr wrap="none" rtlCol="0">
-            <a:spAutoFit/>
-          </a:bodyPr>
-          <a:lstStyle/>
-          <a:p>
-            <a:r>
-              <a:rPr lang="en-US" dirty="0"/>
-              <a:t>44</a:t>
-            </a:r>
-          </a:p>
-        </p:txBody>
-      </p:sp>
-      <p:sp>
-        <p:nvSpPr>
-          <p:cNvPr id="140" name="TextBox 139">
-            <a:extLst>
-              <a:ext uri="{FF2B5EF4-FFF2-40B4-BE49-F238E27FC236}">
-                <a16:creationId xmlns:a16="http://schemas.microsoft.com/office/drawing/2014/main" id="{34C15E74-89A7-498B-B9CD-0CA88268AD52}"/>
-              </a:ext>
-            </a:extLst>
-          </p:cNvPr>
-          <p:cNvSpPr txBox="1"/>
-          <p:nvPr/>
-        </p:nvSpPr>
-        <p:spPr>
-          <a:xfrm>
-            <a:off x="5038381" y="-1574768"/>
-            <a:ext cx="418704" cy="369332"/>
-          </a:xfrm>
-          <a:prstGeom prst="rect">
-            <a:avLst/>
-          </a:prstGeom>
-          <a:noFill/>
-        </p:spPr>
-        <p:txBody>
-          <a:bodyPr wrap="none" rtlCol="0">
-            <a:spAutoFit/>
-          </a:bodyPr>
-          <a:lstStyle/>
-          <a:p>
-            <a:r>
-              <a:rPr lang="en-US" dirty="0"/>
-              <a:t>45</a:t>
-            </a:r>
-          </a:p>
-        </p:txBody>
-      </p:sp>
       <p:grpSp>
         <p:nvGrpSpPr>
-          <p:cNvPr id="141" name="Group 140">
-            <a:extLst>
-              <a:ext uri="{FF2B5EF4-FFF2-40B4-BE49-F238E27FC236}">
-                <a16:creationId xmlns:a16="http://schemas.microsoft.com/office/drawing/2014/main" id="{87731FFF-EF09-416D-BF80-A54AA5E53EF3}"/>
+          <p:cNvPr id="12" name="Group 11">
+            <a:extLst>
+              <a:ext uri="{FF2B5EF4-FFF2-40B4-BE49-F238E27FC236}">
+                <a16:creationId xmlns:a16="http://schemas.microsoft.com/office/drawing/2014/main" id="{61739AE1-DCCA-4CD1-BD89-E507F1FE32BF}"/>
               </a:ext>
             </a:extLst>
           </p:cNvPr>
@@ -8383,7 +7854,7 @@
         </p:nvGrpSpPr>
         <p:grpSpPr>
           <a:xfrm>
-            <a:off x="6832286" y="-2276788"/>
+            <a:off x="1193149" y="1159771"/>
             <a:ext cx="1382655" cy="1205616"/>
             <a:chOff x="3613453" y="1337558"/>
             <a:chExt cx="4797121" cy="4182883"/>
@@ -8391,10 +7862,10 @@
         </p:grpSpPr>
         <p:sp>
           <p:nvSpPr>
-            <p:cNvPr id="142" name="Rectangle 141">
+            <p:cNvPr id="13" name="Rectangle 12">
               <a:extLst>
                 <a:ext uri="{FF2B5EF4-FFF2-40B4-BE49-F238E27FC236}">
-                  <a16:creationId xmlns:a16="http://schemas.microsoft.com/office/drawing/2014/main" id="{F78D3309-3507-48D5-B02D-6DB9D2E866E9}"/>
+                  <a16:creationId xmlns:a16="http://schemas.microsoft.com/office/drawing/2014/main" id="{0800B54D-91AF-4241-813B-BCC9F0689CF4}"/>
                 </a:ext>
               </a:extLst>
             </p:cNvPr>
@@ -8445,10 +7916,10 @@
         </p:sp>
         <p:sp>
           <p:nvSpPr>
-            <p:cNvPr id="143" name="Cube 142">
+            <p:cNvPr id="14" name="Cube 13">
               <a:extLst>
                 <a:ext uri="{FF2B5EF4-FFF2-40B4-BE49-F238E27FC236}">
-                  <a16:creationId xmlns:a16="http://schemas.microsoft.com/office/drawing/2014/main" id="{3E069E95-915D-4C85-8E3F-B36A86AB5BD2}"/>
+                  <a16:creationId xmlns:a16="http://schemas.microsoft.com/office/drawing/2014/main" id="{B3F69A4A-EE3A-40BA-B036-052E423477E1}"/>
                 </a:ext>
               </a:extLst>
             </p:cNvPr>
@@ -8497,10 +7968,10 @@
         </p:sp>
         <p:cxnSp>
           <p:nvCxnSpPr>
-            <p:cNvPr id="144" name="Straight Connector 143">
+            <p:cNvPr id="15" name="Straight Connector 14">
               <a:extLst>
                 <a:ext uri="{FF2B5EF4-FFF2-40B4-BE49-F238E27FC236}">
-                  <a16:creationId xmlns:a16="http://schemas.microsoft.com/office/drawing/2014/main" id="{20B05F33-345E-473B-ABC9-2794D76FB086}"/>
+                  <a16:creationId xmlns:a16="http://schemas.microsoft.com/office/drawing/2014/main" id="{E73E92CC-6DE9-4BAD-B6E2-2CF672ECC85F}"/>
                 </a:ext>
               </a:extLst>
             </p:cNvPr>
@@ -8539,255 +8010,780 @@
       </p:grpSp>
       <p:sp>
         <p:nvSpPr>
-          <p:cNvPr id="145" name="TextBox 144">
-            <a:extLst>
-              <a:ext uri="{FF2B5EF4-FFF2-40B4-BE49-F238E27FC236}">
-                <a16:creationId xmlns:a16="http://schemas.microsoft.com/office/drawing/2014/main" id="{6E04014B-2A89-4A27-89C8-537506913B81}"/>
-              </a:ext>
-            </a:extLst>
-          </p:cNvPr>
-          <p:cNvSpPr txBox="1"/>
-          <p:nvPr/>
-        </p:nvSpPr>
-        <p:spPr>
-          <a:xfrm>
-            <a:off x="6172974" y="-2232187"/>
-            <a:ext cx="721672" cy="369332"/>
-          </a:xfrm>
-          <a:prstGeom prst="rect">
-            <a:avLst/>
-          </a:prstGeom>
-          <a:noFill/>
-        </p:spPr>
-        <p:txBody>
-          <a:bodyPr wrap="none" rtlCol="0">
-            <a:spAutoFit/>
-          </a:bodyPr>
-          <a:lstStyle/>
-          <a:p>
-            <a:r>
-              <a:rPr lang="en-US" dirty="0"/>
-              <a:t>9,-4,5</a:t>
-            </a:r>
-          </a:p>
-        </p:txBody>
-      </p:sp>
-      <p:sp>
-        <p:nvSpPr>
-          <p:cNvPr id="146" name="TextBox 145">
-            <a:extLst>
-              <a:ext uri="{FF2B5EF4-FFF2-40B4-BE49-F238E27FC236}">
-                <a16:creationId xmlns:a16="http://schemas.microsoft.com/office/drawing/2014/main" id="{6ABC6A7E-A115-42CD-AB0C-FC602BE87CDB}"/>
-              </a:ext>
-            </a:extLst>
-          </p:cNvPr>
-          <p:cNvSpPr txBox="1"/>
-          <p:nvPr/>
-        </p:nvSpPr>
-        <p:spPr>
-          <a:xfrm>
-            <a:off x="7252786" y="-2022729"/>
-            <a:ext cx="721672" cy="369332"/>
-          </a:xfrm>
-          <a:prstGeom prst="rect">
-            <a:avLst/>
-          </a:prstGeom>
-          <a:noFill/>
-        </p:spPr>
-        <p:txBody>
-          <a:bodyPr wrap="none" rtlCol="0">
-            <a:spAutoFit/>
-          </a:bodyPr>
-          <a:lstStyle/>
-          <a:p>
-            <a:r>
-              <a:rPr lang="en-US" dirty="0"/>
-              <a:t>9,-3,5</a:t>
-            </a:r>
-          </a:p>
-        </p:txBody>
-      </p:sp>
-      <p:sp>
-        <p:nvSpPr>
-          <p:cNvPr id="147" name="TextBox 146">
-            <a:extLst>
-              <a:ext uri="{FF2B5EF4-FFF2-40B4-BE49-F238E27FC236}">
-                <a16:creationId xmlns:a16="http://schemas.microsoft.com/office/drawing/2014/main" id="{85DE9F67-B940-46AB-BE8F-16209099944C}"/>
-              </a:ext>
-            </a:extLst>
-          </p:cNvPr>
-          <p:cNvSpPr txBox="1"/>
-          <p:nvPr/>
-        </p:nvSpPr>
-        <p:spPr>
-          <a:xfrm>
-            <a:off x="6369359" y="-1158855"/>
-            <a:ext cx="721672" cy="369332"/>
-          </a:xfrm>
-          <a:prstGeom prst="rect">
-            <a:avLst/>
-          </a:prstGeom>
-          <a:noFill/>
-        </p:spPr>
-        <p:txBody>
-          <a:bodyPr wrap="none" rtlCol="0">
-            <a:spAutoFit/>
-          </a:bodyPr>
-          <a:lstStyle/>
-          <a:p>
-            <a:r>
-              <a:rPr lang="en-US" dirty="0"/>
-              <a:t>9,-4,4</a:t>
-            </a:r>
-          </a:p>
-        </p:txBody>
-      </p:sp>
-      <p:sp>
-        <p:nvSpPr>
-          <p:cNvPr id="148" name="TextBox 147">
-            <a:extLst>
-              <a:ext uri="{FF2B5EF4-FFF2-40B4-BE49-F238E27FC236}">
-                <a16:creationId xmlns:a16="http://schemas.microsoft.com/office/drawing/2014/main" id="{E2166016-2E5E-4532-9E83-BD359D94385A}"/>
-              </a:ext>
-            </a:extLst>
-          </p:cNvPr>
-          <p:cNvSpPr txBox="1"/>
-          <p:nvPr/>
-        </p:nvSpPr>
-        <p:spPr>
-          <a:xfrm>
-            <a:off x="7628378" y="-1093087"/>
-            <a:ext cx="721672" cy="369332"/>
-          </a:xfrm>
-          <a:prstGeom prst="rect">
-            <a:avLst/>
-          </a:prstGeom>
-          <a:noFill/>
-        </p:spPr>
-        <p:txBody>
-          <a:bodyPr wrap="none" rtlCol="0">
-            <a:spAutoFit/>
-          </a:bodyPr>
-          <a:lstStyle/>
-          <a:p>
-            <a:r>
-              <a:rPr lang="en-US" dirty="0"/>
-              <a:t>9,-3,4</a:t>
-            </a:r>
-          </a:p>
-        </p:txBody>
-      </p:sp>
-      <p:sp>
-        <p:nvSpPr>
-          <p:cNvPr id="149" name="TextBox 148">
-            <a:extLst>
-              <a:ext uri="{FF2B5EF4-FFF2-40B4-BE49-F238E27FC236}">
-                <a16:creationId xmlns:a16="http://schemas.microsoft.com/office/drawing/2014/main" id="{7BE1988F-E2E1-4B36-9B28-14B28D507E66}"/>
-              </a:ext>
-            </a:extLst>
-          </p:cNvPr>
-          <p:cNvSpPr txBox="1"/>
-          <p:nvPr/>
-        </p:nvSpPr>
-        <p:spPr>
-          <a:xfrm>
-            <a:off x="6923920" y="-2646120"/>
-            <a:ext cx="721672" cy="369332"/>
-          </a:xfrm>
-          <a:prstGeom prst="rect">
-            <a:avLst/>
-          </a:prstGeom>
-          <a:noFill/>
-        </p:spPr>
-        <p:txBody>
-          <a:bodyPr wrap="none" rtlCol="0">
-            <a:spAutoFit/>
-          </a:bodyPr>
-          <a:lstStyle/>
-          <a:p>
-            <a:r>
-              <a:rPr lang="en-US" dirty="0"/>
-              <a:t>7,-4,5</a:t>
-            </a:r>
-          </a:p>
-        </p:txBody>
-      </p:sp>
-      <p:sp>
-        <p:nvSpPr>
-          <p:cNvPr id="150" name="TextBox 149">
-            <a:extLst>
-              <a:ext uri="{FF2B5EF4-FFF2-40B4-BE49-F238E27FC236}">
-                <a16:creationId xmlns:a16="http://schemas.microsoft.com/office/drawing/2014/main" id="{2C017A8E-AA35-4071-B837-EC0CAD21AF85}"/>
-              </a:ext>
-            </a:extLst>
-          </p:cNvPr>
-          <p:cNvSpPr txBox="1"/>
-          <p:nvPr/>
-        </p:nvSpPr>
-        <p:spPr>
-          <a:xfrm>
-            <a:off x="8017629" y="-2645800"/>
-            <a:ext cx="721672" cy="369332"/>
-          </a:xfrm>
-          <a:prstGeom prst="rect">
-            <a:avLst/>
-          </a:prstGeom>
-          <a:noFill/>
-        </p:spPr>
-        <p:txBody>
-          <a:bodyPr wrap="none" rtlCol="0">
-            <a:spAutoFit/>
-          </a:bodyPr>
-          <a:lstStyle/>
-          <a:p>
-            <a:r>
-              <a:rPr lang="en-US" dirty="0"/>
-              <a:t>7,-3,5</a:t>
-            </a:r>
-          </a:p>
-        </p:txBody>
-      </p:sp>
-      <p:sp>
-        <p:nvSpPr>
-          <p:cNvPr id="151" name="TextBox 150">
-            <a:extLst>
-              <a:ext uri="{FF2B5EF4-FFF2-40B4-BE49-F238E27FC236}">
-                <a16:creationId xmlns:a16="http://schemas.microsoft.com/office/drawing/2014/main" id="{4845FEC1-13D8-4D84-84E6-1905773713CD}"/>
-              </a:ext>
-            </a:extLst>
-          </p:cNvPr>
-          <p:cNvSpPr txBox="1"/>
-          <p:nvPr/>
-        </p:nvSpPr>
-        <p:spPr>
-          <a:xfrm>
-            <a:off x="6908492" y="-1664354"/>
-            <a:ext cx="721672" cy="369332"/>
-          </a:xfrm>
-          <a:prstGeom prst="rect">
-            <a:avLst/>
-          </a:prstGeom>
-          <a:noFill/>
-        </p:spPr>
-        <p:txBody>
-          <a:bodyPr wrap="none" rtlCol="0">
-            <a:spAutoFit/>
-          </a:bodyPr>
-          <a:lstStyle/>
-          <a:p>
-            <a:r>
-              <a:rPr lang="en-US" dirty="0"/>
-              <a:t>7,-4,4</a:t>
+          <p:cNvPr id="16" name="TextBox 15">
+            <a:extLst>
+              <a:ext uri="{FF2B5EF4-FFF2-40B4-BE49-F238E27FC236}">
+                <a16:creationId xmlns:a16="http://schemas.microsoft.com/office/drawing/2014/main" id="{43F00CB0-F841-4D0E-A666-68B15E8FDAD0}"/>
+              </a:ext>
+            </a:extLst>
+          </p:cNvPr>
+          <p:cNvSpPr txBox="1"/>
+          <p:nvPr/>
+        </p:nvSpPr>
+        <p:spPr>
+          <a:xfrm>
+            <a:off x="143797" y="6211903"/>
+            <a:ext cx="301686" cy="369332"/>
+          </a:xfrm>
+          <a:prstGeom prst="rect">
+            <a:avLst/>
+          </a:prstGeom>
+          <a:noFill/>
+        </p:spPr>
+        <p:txBody>
+          <a:bodyPr wrap="none" rtlCol="0">
+            <a:spAutoFit/>
+          </a:bodyPr>
+          <a:lstStyle/>
+          <a:p>
+            <a:r>
+              <a:rPr lang="en-US" dirty="0"/>
+              <a:t>0</a:t>
+            </a:r>
+          </a:p>
+        </p:txBody>
+      </p:sp>
+      <p:sp>
+        <p:nvSpPr>
+          <p:cNvPr id="17" name="TextBox 16">
+            <a:extLst>
+              <a:ext uri="{FF2B5EF4-FFF2-40B4-BE49-F238E27FC236}">
+                <a16:creationId xmlns:a16="http://schemas.microsoft.com/office/drawing/2014/main" id="{983F8315-DDFE-4923-8495-8AB484878123}"/>
+              </a:ext>
+            </a:extLst>
+          </p:cNvPr>
+          <p:cNvSpPr txBox="1"/>
+          <p:nvPr/>
+        </p:nvSpPr>
+        <p:spPr>
+          <a:xfrm>
+            <a:off x="4160935" y="6172219"/>
+            <a:ext cx="301686" cy="369332"/>
+          </a:xfrm>
+          <a:prstGeom prst="rect">
+            <a:avLst/>
+          </a:prstGeom>
+          <a:noFill/>
+        </p:spPr>
+        <p:txBody>
+          <a:bodyPr wrap="none" rtlCol="0">
+            <a:spAutoFit/>
+          </a:bodyPr>
+          <a:lstStyle/>
+          <a:p>
+            <a:r>
+              <a:rPr lang="en-US" dirty="0"/>
+              <a:t>1</a:t>
+            </a:r>
+          </a:p>
+        </p:txBody>
+      </p:sp>
+      <p:sp>
+        <p:nvSpPr>
+          <p:cNvPr id="18" name="TextBox 17">
+            <a:extLst>
+              <a:ext uri="{FF2B5EF4-FFF2-40B4-BE49-F238E27FC236}">
+                <a16:creationId xmlns:a16="http://schemas.microsoft.com/office/drawing/2014/main" id="{8D30F0EF-CEDC-4F45-9458-93A7DFBA838C}"/>
+              </a:ext>
+            </a:extLst>
+          </p:cNvPr>
+          <p:cNvSpPr txBox="1"/>
+          <p:nvPr/>
+        </p:nvSpPr>
+        <p:spPr>
+          <a:xfrm>
+            <a:off x="1188069" y="4915713"/>
+            <a:ext cx="301686" cy="369332"/>
+          </a:xfrm>
+          <a:prstGeom prst="rect">
+            <a:avLst/>
+          </a:prstGeom>
+          <a:noFill/>
+        </p:spPr>
+        <p:txBody>
+          <a:bodyPr wrap="none" rtlCol="0">
+            <a:spAutoFit/>
+          </a:bodyPr>
+          <a:lstStyle/>
+          <a:p>
+            <a:r>
+              <a:rPr lang="en-US" dirty="0"/>
+              <a:t>2</a:t>
+            </a:r>
+          </a:p>
+        </p:txBody>
+      </p:sp>
+      <p:sp>
+        <p:nvSpPr>
+          <p:cNvPr id="19" name="TextBox 18">
+            <a:extLst>
+              <a:ext uri="{FF2B5EF4-FFF2-40B4-BE49-F238E27FC236}">
+                <a16:creationId xmlns:a16="http://schemas.microsoft.com/office/drawing/2014/main" id="{5B098010-6F67-4D55-ACAA-C67EC3723C7F}"/>
+              </a:ext>
+            </a:extLst>
+          </p:cNvPr>
+          <p:cNvSpPr txBox="1"/>
+          <p:nvPr/>
+        </p:nvSpPr>
+        <p:spPr>
+          <a:xfrm>
+            <a:off x="5256774" y="5013705"/>
+            <a:ext cx="301686" cy="369332"/>
+          </a:xfrm>
+          <a:prstGeom prst="rect">
+            <a:avLst/>
+          </a:prstGeom>
+          <a:noFill/>
+        </p:spPr>
+        <p:txBody>
+          <a:bodyPr wrap="none" rtlCol="0">
+            <a:spAutoFit/>
+          </a:bodyPr>
+          <a:lstStyle/>
+          <a:p>
+            <a:r>
+              <a:rPr lang="en-US" dirty="0"/>
+              <a:t>3</a:t>
+            </a:r>
+          </a:p>
+        </p:txBody>
+      </p:sp>
+      <p:sp>
+        <p:nvSpPr>
+          <p:cNvPr id="20" name="TextBox 19">
+            <a:extLst>
+              <a:ext uri="{FF2B5EF4-FFF2-40B4-BE49-F238E27FC236}">
+                <a16:creationId xmlns:a16="http://schemas.microsoft.com/office/drawing/2014/main" id="{286BD2CE-FF7D-4257-B3EF-A75681DE747D}"/>
+              </a:ext>
+            </a:extLst>
+          </p:cNvPr>
+          <p:cNvSpPr txBox="1"/>
+          <p:nvPr/>
+        </p:nvSpPr>
+        <p:spPr>
+          <a:xfrm>
+            <a:off x="97702" y="2889630"/>
+            <a:ext cx="301686" cy="369332"/>
+          </a:xfrm>
+          <a:prstGeom prst="rect">
+            <a:avLst/>
+          </a:prstGeom>
+          <a:noFill/>
+        </p:spPr>
+        <p:txBody>
+          <a:bodyPr wrap="none" rtlCol="0">
+            <a:spAutoFit/>
+          </a:bodyPr>
+          <a:lstStyle/>
+          <a:p>
+            <a:r>
+              <a:rPr lang="en-US" dirty="0"/>
+              <a:t>4</a:t>
+            </a:r>
+          </a:p>
+        </p:txBody>
+      </p:sp>
+      <p:sp>
+        <p:nvSpPr>
+          <p:cNvPr id="21" name="TextBox 20">
+            <a:extLst>
+              <a:ext uri="{FF2B5EF4-FFF2-40B4-BE49-F238E27FC236}">
+                <a16:creationId xmlns:a16="http://schemas.microsoft.com/office/drawing/2014/main" id="{93EDC27F-5548-4C73-AA09-07A217D4CDD5}"/>
+              </a:ext>
+            </a:extLst>
+          </p:cNvPr>
+          <p:cNvSpPr txBox="1"/>
+          <p:nvPr/>
+        </p:nvSpPr>
+        <p:spPr>
+          <a:xfrm>
+            <a:off x="4160935" y="2989805"/>
+            <a:ext cx="301686" cy="369332"/>
+          </a:xfrm>
+          <a:prstGeom prst="rect">
+            <a:avLst/>
+          </a:prstGeom>
+          <a:noFill/>
+        </p:spPr>
+        <p:txBody>
+          <a:bodyPr wrap="none" rtlCol="0">
+            <a:spAutoFit/>
+          </a:bodyPr>
+          <a:lstStyle/>
+          <a:p>
+            <a:r>
+              <a:rPr lang="en-US" dirty="0"/>
+              <a:t>5</a:t>
+            </a:r>
+          </a:p>
+        </p:txBody>
+      </p:sp>
+      <p:sp>
+        <p:nvSpPr>
+          <p:cNvPr id="22" name="TextBox 21">
+            <a:extLst>
+              <a:ext uri="{FF2B5EF4-FFF2-40B4-BE49-F238E27FC236}">
+                <a16:creationId xmlns:a16="http://schemas.microsoft.com/office/drawing/2014/main" id="{3BFE19A3-5F76-4B13-8929-3F36E086EEEE}"/>
+              </a:ext>
+            </a:extLst>
+          </p:cNvPr>
+          <p:cNvSpPr txBox="1"/>
+          <p:nvPr/>
+        </p:nvSpPr>
+        <p:spPr>
+          <a:xfrm>
+            <a:off x="857343" y="2142558"/>
+            <a:ext cx="301686" cy="369332"/>
+          </a:xfrm>
+          <a:prstGeom prst="rect">
+            <a:avLst/>
+          </a:prstGeom>
+          <a:noFill/>
+        </p:spPr>
+        <p:txBody>
+          <a:bodyPr wrap="none" rtlCol="0">
+            <a:spAutoFit/>
+          </a:bodyPr>
+          <a:lstStyle/>
+          <a:p>
+            <a:r>
+              <a:rPr lang="en-US" dirty="0"/>
+              <a:t>6</a:t>
+            </a:r>
+          </a:p>
+        </p:txBody>
+      </p:sp>
+      <p:sp>
+        <p:nvSpPr>
+          <p:cNvPr id="23" name="TextBox 22">
+            <a:extLst>
+              <a:ext uri="{FF2B5EF4-FFF2-40B4-BE49-F238E27FC236}">
+                <a16:creationId xmlns:a16="http://schemas.microsoft.com/office/drawing/2014/main" id="{6F882D63-B645-4561-8305-F801DF17F1DD}"/>
+              </a:ext>
+            </a:extLst>
+          </p:cNvPr>
+          <p:cNvSpPr txBox="1"/>
+          <p:nvPr/>
+        </p:nvSpPr>
+        <p:spPr>
+          <a:xfrm>
+            <a:off x="2254868" y="2219099"/>
+            <a:ext cx="301686" cy="369332"/>
+          </a:xfrm>
+          <a:prstGeom prst="rect">
+            <a:avLst/>
+          </a:prstGeom>
+          <a:noFill/>
+        </p:spPr>
+        <p:txBody>
+          <a:bodyPr wrap="none" rtlCol="0">
+            <a:spAutoFit/>
+          </a:bodyPr>
+          <a:lstStyle/>
+          <a:p>
+            <a:r>
+              <a:rPr lang="en-US" dirty="0"/>
+              <a:t>7</a:t>
+            </a:r>
+          </a:p>
+        </p:txBody>
+      </p:sp>
+      <p:sp>
+        <p:nvSpPr>
+          <p:cNvPr id="24" name="TextBox 23">
+            <a:extLst>
+              <a:ext uri="{FF2B5EF4-FFF2-40B4-BE49-F238E27FC236}">
+                <a16:creationId xmlns:a16="http://schemas.microsoft.com/office/drawing/2014/main" id="{D7E8CCAD-CE5F-42F2-8603-09F231B5A2DC}"/>
+              </a:ext>
+            </a:extLst>
+          </p:cNvPr>
+          <p:cNvSpPr txBox="1"/>
+          <p:nvPr/>
+        </p:nvSpPr>
+        <p:spPr>
+          <a:xfrm>
+            <a:off x="2585594" y="1752272"/>
+            <a:ext cx="301686" cy="369332"/>
+          </a:xfrm>
+          <a:prstGeom prst="rect">
+            <a:avLst/>
+          </a:prstGeom>
+          <a:noFill/>
+        </p:spPr>
+        <p:txBody>
+          <a:bodyPr wrap="none" rtlCol="0">
+            <a:spAutoFit/>
+          </a:bodyPr>
+          <a:lstStyle/>
+          <a:p>
+            <a:r>
+              <a:rPr lang="en-US" dirty="0"/>
+              <a:t>8</a:t>
+            </a:r>
+          </a:p>
+        </p:txBody>
+      </p:sp>
+      <p:sp>
+        <p:nvSpPr>
+          <p:cNvPr id="25" name="TextBox 24">
+            <a:extLst>
+              <a:ext uri="{FF2B5EF4-FFF2-40B4-BE49-F238E27FC236}">
+                <a16:creationId xmlns:a16="http://schemas.microsoft.com/office/drawing/2014/main" id="{FA50E158-15E9-4C23-A30A-F9FFDC3A7063}"/>
+              </a:ext>
+            </a:extLst>
+          </p:cNvPr>
+          <p:cNvSpPr txBox="1"/>
+          <p:nvPr/>
+        </p:nvSpPr>
+        <p:spPr>
+          <a:xfrm>
+            <a:off x="872563" y="1238025"/>
+            <a:ext cx="301686" cy="369332"/>
+          </a:xfrm>
+          <a:prstGeom prst="rect">
+            <a:avLst/>
+          </a:prstGeom>
+          <a:noFill/>
+        </p:spPr>
+        <p:txBody>
+          <a:bodyPr wrap="none" rtlCol="0">
+            <a:spAutoFit/>
+          </a:bodyPr>
+          <a:lstStyle/>
+          <a:p>
+            <a:r>
+              <a:rPr lang="en-US" dirty="0"/>
+              <a:t>9</a:t>
+            </a:r>
+          </a:p>
+        </p:txBody>
+      </p:sp>
+      <p:sp>
+        <p:nvSpPr>
+          <p:cNvPr id="26" name="TextBox 25">
+            <a:extLst>
+              <a:ext uri="{FF2B5EF4-FFF2-40B4-BE49-F238E27FC236}">
+                <a16:creationId xmlns:a16="http://schemas.microsoft.com/office/drawing/2014/main" id="{FA7D15FF-C251-4521-83B8-90A9A77F129A}"/>
+              </a:ext>
+            </a:extLst>
+          </p:cNvPr>
+          <p:cNvSpPr txBox="1"/>
+          <p:nvPr/>
+        </p:nvSpPr>
+        <p:spPr>
+          <a:xfrm>
+            <a:off x="1845627" y="1449077"/>
+            <a:ext cx="418704" cy="369332"/>
+          </a:xfrm>
+          <a:prstGeom prst="rect">
+            <a:avLst/>
+          </a:prstGeom>
+          <a:noFill/>
+        </p:spPr>
+        <p:txBody>
+          <a:bodyPr wrap="none" rtlCol="0">
+            <a:spAutoFit/>
+          </a:bodyPr>
+          <a:lstStyle/>
+          <a:p>
+            <a:r>
+              <a:rPr lang="en-US" dirty="0"/>
+              <a:t>10</a:t>
+            </a:r>
+          </a:p>
+        </p:txBody>
+      </p:sp>
+      <p:sp>
+        <p:nvSpPr>
+          <p:cNvPr id="27" name="TextBox 26">
+            <a:extLst>
+              <a:ext uri="{FF2B5EF4-FFF2-40B4-BE49-F238E27FC236}">
+                <a16:creationId xmlns:a16="http://schemas.microsoft.com/office/drawing/2014/main" id="{16ABFF69-D23B-4D7B-9AD0-1A9A409EE172}"/>
+              </a:ext>
+            </a:extLst>
+          </p:cNvPr>
+          <p:cNvSpPr txBox="1"/>
+          <p:nvPr/>
+        </p:nvSpPr>
+        <p:spPr>
+          <a:xfrm>
+            <a:off x="1186537" y="830123"/>
+            <a:ext cx="418704" cy="369332"/>
+          </a:xfrm>
+          <a:prstGeom prst="rect">
+            <a:avLst/>
+          </a:prstGeom>
+          <a:noFill/>
+        </p:spPr>
+        <p:txBody>
+          <a:bodyPr wrap="none" rtlCol="0">
+            <a:spAutoFit/>
+          </a:bodyPr>
+          <a:lstStyle/>
+          <a:p>
+            <a:r>
+              <a:rPr lang="en-US" dirty="0"/>
+              <a:t>11</a:t>
+            </a:r>
+          </a:p>
+        </p:txBody>
+      </p:sp>
+      <p:sp>
+        <p:nvSpPr>
+          <p:cNvPr id="28" name="TextBox 27">
+            <a:extLst>
+              <a:ext uri="{FF2B5EF4-FFF2-40B4-BE49-F238E27FC236}">
+                <a16:creationId xmlns:a16="http://schemas.microsoft.com/office/drawing/2014/main" id="{5F8B70B3-DEDB-4A7D-BCEE-C28C0FD53560}"/>
+              </a:ext>
+            </a:extLst>
+          </p:cNvPr>
+          <p:cNvSpPr txBox="1"/>
+          <p:nvPr/>
+        </p:nvSpPr>
+        <p:spPr>
+          <a:xfrm>
+            <a:off x="2435448" y="878451"/>
+            <a:ext cx="418704" cy="369332"/>
+          </a:xfrm>
+          <a:prstGeom prst="rect">
+            <a:avLst/>
+          </a:prstGeom>
+          <a:noFill/>
+        </p:spPr>
+        <p:txBody>
+          <a:bodyPr wrap="none" rtlCol="0">
+            <a:spAutoFit/>
+          </a:bodyPr>
+          <a:lstStyle/>
+          <a:p>
+            <a:r>
+              <a:rPr lang="en-US" dirty="0"/>
+              <a:t>12</a:t>
+            </a:r>
+          </a:p>
+        </p:txBody>
+      </p:sp>
+      <p:sp>
+        <p:nvSpPr>
+          <p:cNvPr id="29" name="TextBox 28">
+            <a:extLst>
+              <a:ext uri="{FF2B5EF4-FFF2-40B4-BE49-F238E27FC236}">
+                <a16:creationId xmlns:a16="http://schemas.microsoft.com/office/drawing/2014/main" id="{975374C6-8270-4D85-8EFE-410D540D1502}"/>
+              </a:ext>
+            </a:extLst>
+          </p:cNvPr>
+          <p:cNvSpPr txBox="1"/>
+          <p:nvPr/>
+        </p:nvSpPr>
+        <p:spPr>
+          <a:xfrm>
+            <a:off x="3591738" y="2298313"/>
+            <a:ext cx="418704" cy="369332"/>
+          </a:xfrm>
+          <a:prstGeom prst="rect">
+            <a:avLst/>
+          </a:prstGeom>
+          <a:noFill/>
+        </p:spPr>
+        <p:txBody>
+          <a:bodyPr wrap="none" rtlCol="0">
+            <a:spAutoFit/>
+          </a:bodyPr>
+          <a:lstStyle/>
+          <a:p>
+            <a:r>
+              <a:rPr lang="en-US" dirty="0"/>
+              <a:t>13</a:t>
+            </a:r>
+          </a:p>
+        </p:txBody>
+      </p:sp>
+      <p:sp>
+        <p:nvSpPr>
+          <p:cNvPr id="30" name="TextBox 29">
+            <a:extLst>
+              <a:ext uri="{FF2B5EF4-FFF2-40B4-BE49-F238E27FC236}">
+                <a16:creationId xmlns:a16="http://schemas.microsoft.com/office/drawing/2014/main" id="{36848D01-8D17-41CD-A738-FDC66D521BBF}"/>
+              </a:ext>
+            </a:extLst>
+          </p:cNvPr>
+          <p:cNvSpPr txBox="1"/>
+          <p:nvPr/>
+        </p:nvSpPr>
+        <p:spPr>
+          <a:xfrm>
+            <a:off x="4817059" y="2312487"/>
+            <a:ext cx="418704" cy="369332"/>
+          </a:xfrm>
+          <a:prstGeom prst="rect">
+            <a:avLst/>
+          </a:prstGeom>
+          <a:noFill/>
+        </p:spPr>
+        <p:txBody>
+          <a:bodyPr wrap="none" rtlCol="0">
+            <a:spAutoFit/>
+          </a:bodyPr>
+          <a:lstStyle/>
+          <a:p>
+            <a:r>
+              <a:rPr lang="en-US" dirty="0"/>
+              <a:t>14</a:t>
+            </a:r>
+          </a:p>
+        </p:txBody>
+      </p:sp>
+      <p:sp>
+        <p:nvSpPr>
+          <p:cNvPr id="31" name="TextBox 30">
+            <a:extLst>
+              <a:ext uri="{FF2B5EF4-FFF2-40B4-BE49-F238E27FC236}">
+                <a16:creationId xmlns:a16="http://schemas.microsoft.com/office/drawing/2014/main" id="{BF0C544F-727D-42CC-9EAD-FA93AD4A673C}"/>
+              </a:ext>
+            </a:extLst>
+          </p:cNvPr>
+          <p:cNvSpPr txBox="1"/>
+          <p:nvPr/>
+        </p:nvSpPr>
+        <p:spPr>
+          <a:xfrm>
+            <a:off x="4102426" y="1744973"/>
+            <a:ext cx="418704" cy="369332"/>
+          </a:xfrm>
+          <a:prstGeom prst="rect">
+            <a:avLst/>
+          </a:prstGeom>
+          <a:noFill/>
+        </p:spPr>
+        <p:txBody>
+          <a:bodyPr wrap="none" rtlCol="0">
+            <a:spAutoFit/>
+          </a:bodyPr>
+          <a:lstStyle/>
+          <a:p>
+            <a:r>
+              <a:rPr lang="en-US" dirty="0"/>
+              <a:t>15</a:t>
+            </a:r>
+          </a:p>
+        </p:txBody>
+      </p:sp>
+      <p:sp>
+        <p:nvSpPr>
+          <p:cNvPr id="32" name="TextBox 31">
+            <a:extLst>
+              <a:ext uri="{FF2B5EF4-FFF2-40B4-BE49-F238E27FC236}">
+                <a16:creationId xmlns:a16="http://schemas.microsoft.com/office/drawing/2014/main" id="{6BEA120A-628D-4AC5-A454-9C22ECD836D1}"/>
+              </a:ext>
+            </a:extLst>
+          </p:cNvPr>
+          <p:cNvSpPr txBox="1"/>
+          <p:nvPr/>
+        </p:nvSpPr>
+        <p:spPr>
+          <a:xfrm>
+            <a:off x="3441245" y="1244906"/>
+            <a:ext cx="418704" cy="369332"/>
+          </a:xfrm>
+          <a:prstGeom prst="rect">
+            <a:avLst/>
+          </a:prstGeom>
+          <a:noFill/>
+        </p:spPr>
+        <p:txBody>
+          <a:bodyPr wrap="none" rtlCol="0">
+            <a:spAutoFit/>
+          </a:bodyPr>
+          <a:lstStyle/>
+          <a:p>
+            <a:r>
+              <a:rPr lang="en-US" dirty="0"/>
+              <a:t>16</a:t>
+            </a:r>
+          </a:p>
+        </p:txBody>
+      </p:sp>
+      <p:sp>
+        <p:nvSpPr>
+          <p:cNvPr id="33" name="TextBox 32">
+            <a:extLst>
+              <a:ext uri="{FF2B5EF4-FFF2-40B4-BE49-F238E27FC236}">
+                <a16:creationId xmlns:a16="http://schemas.microsoft.com/office/drawing/2014/main" id="{A8F18516-2FE9-4D8C-B7A2-FB7F1B5D1AA8}"/>
+              </a:ext>
+            </a:extLst>
+          </p:cNvPr>
+          <p:cNvSpPr txBox="1"/>
+          <p:nvPr/>
+        </p:nvSpPr>
+        <p:spPr>
+          <a:xfrm>
+            <a:off x="4492417" y="1442715"/>
+            <a:ext cx="418704" cy="369332"/>
+          </a:xfrm>
+          <a:prstGeom prst="rect">
+            <a:avLst/>
+          </a:prstGeom>
+          <a:noFill/>
+        </p:spPr>
+        <p:txBody>
+          <a:bodyPr wrap="none" rtlCol="0">
+            <a:spAutoFit/>
+          </a:bodyPr>
+          <a:lstStyle/>
+          <a:p>
+            <a:r>
+              <a:rPr lang="en-US" dirty="0"/>
+              <a:t>17</a:t>
+            </a:r>
+          </a:p>
+        </p:txBody>
+      </p:sp>
+      <p:sp>
+        <p:nvSpPr>
+          <p:cNvPr id="34" name="TextBox 33">
+            <a:extLst>
+              <a:ext uri="{FF2B5EF4-FFF2-40B4-BE49-F238E27FC236}">
+                <a16:creationId xmlns:a16="http://schemas.microsoft.com/office/drawing/2014/main" id="{0B124556-0C2F-4F21-B970-CD2D37B9B394}"/>
+              </a:ext>
+            </a:extLst>
+          </p:cNvPr>
+          <p:cNvSpPr txBox="1"/>
+          <p:nvPr/>
+        </p:nvSpPr>
+        <p:spPr>
+          <a:xfrm>
+            <a:off x="3951583" y="718643"/>
+            <a:ext cx="418704" cy="369332"/>
+          </a:xfrm>
+          <a:prstGeom prst="rect">
+            <a:avLst/>
+          </a:prstGeom>
+          <a:noFill/>
+        </p:spPr>
+        <p:txBody>
+          <a:bodyPr wrap="none" rtlCol="0">
+            <a:spAutoFit/>
+          </a:bodyPr>
+          <a:lstStyle/>
+          <a:p>
+            <a:r>
+              <a:rPr lang="en-US" dirty="0"/>
+              <a:t>18</a:t>
+            </a:r>
+          </a:p>
+        </p:txBody>
+      </p:sp>
+      <p:sp>
+        <p:nvSpPr>
+          <p:cNvPr id="35" name="TextBox 34">
+            <a:extLst>
+              <a:ext uri="{FF2B5EF4-FFF2-40B4-BE49-F238E27FC236}">
+                <a16:creationId xmlns:a16="http://schemas.microsoft.com/office/drawing/2014/main" id="{2ABE47CB-AFAD-4997-AFC0-03CB1030EB91}"/>
+              </a:ext>
+            </a:extLst>
+          </p:cNvPr>
+          <p:cNvSpPr txBox="1"/>
+          <p:nvPr/>
+        </p:nvSpPr>
+        <p:spPr>
+          <a:xfrm>
+            <a:off x="5185249" y="869807"/>
+            <a:ext cx="418704" cy="369332"/>
+          </a:xfrm>
+          <a:prstGeom prst="rect">
+            <a:avLst/>
+          </a:prstGeom>
+          <a:noFill/>
+        </p:spPr>
+        <p:txBody>
+          <a:bodyPr wrap="none" rtlCol="0">
+            <a:spAutoFit/>
+          </a:bodyPr>
+          <a:lstStyle/>
+          <a:p>
+            <a:r>
+              <a:rPr lang="en-US" dirty="0"/>
+              <a:t>19</a:t>
+            </a:r>
+          </a:p>
+        </p:txBody>
+      </p:sp>
+      <p:sp>
+        <p:nvSpPr>
+          <p:cNvPr id="48" name="TextBox 47">
+            <a:extLst>
+              <a:ext uri="{FF2B5EF4-FFF2-40B4-BE49-F238E27FC236}">
+                <a16:creationId xmlns:a16="http://schemas.microsoft.com/office/drawing/2014/main" id="{F3D68024-A659-4BFA-AA7F-DAD0C2B4503E}"/>
+              </a:ext>
+            </a:extLst>
+          </p:cNvPr>
+          <p:cNvSpPr txBox="1"/>
+          <p:nvPr/>
+        </p:nvSpPr>
+        <p:spPr>
+          <a:xfrm>
+            <a:off x="1149941" y="1812047"/>
+            <a:ext cx="418704" cy="369332"/>
+          </a:xfrm>
+          <a:prstGeom prst="rect">
+            <a:avLst/>
+          </a:prstGeom>
+          <a:noFill/>
+        </p:spPr>
+        <p:txBody>
+          <a:bodyPr wrap="none" rtlCol="0">
+            <a:spAutoFit/>
+          </a:bodyPr>
+          <a:lstStyle/>
+          <a:p>
+            <a:r>
+              <a:rPr lang="en-US" dirty="0"/>
+              <a:t>28</a:t>
+            </a:r>
+          </a:p>
+        </p:txBody>
+      </p:sp>
+      <p:sp>
+        <p:nvSpPr>
+          <p:cNvPr id="49" name="TextBox 48">
+            <a:extLst>
+              <a:ext uri="{FF2B5EF4-FFF2-40B4-BE49-F238E27FC236}">
+                <a16:creationId xmlns:a16="http://schemas.microsoft.com/office/drawing/2014/main" id="{ACC9B619-4F3D-4079-8291-406F644BD463}"/>
+              </a:ext>
+            </a:extLst>
+          </p:cNvPr>
+          <p:cNvSpPr txBox="1"/>
+          <p:nvPr/>
+        </p:nvSpPr>
+        <p:spPr>
+          <a:xfrm>
+            <a:off x="5218505" y="1846549"/>
+            <a:ext cx="418704" cy="369332"/>
+          </a:xfrm>
+          <a:prstGeom prst="rect">
+            <a:avLst/>
+          </a:prstGeom>
+          <a:noFill/>
+        </p:spPr>
+        <p:txBody>
+          <a:bodyPr wrap="none" rtlCol="0">
+            <a:spAutoFit/>
+          </a:bodyPr>
+          <a:lstStyle/>
+          <a:p>
+            <a:r>
+              <a:rPr lang="en-US" dirty="0"/>
+              <a:t>29</a:t>
             </a:r>
           </a:p>
         </p:txBody>
       </p:sp>
       <p:grpSp>
         <p:nvGrpSpPr>
-          <p:cNvPr id="152" name="Group 151">
-            <a:extLst>
-              <a:ext uri="{FF2B5EF4-FFF2-40B4-BE49-F238E27FC236}">
-                <a16:creationId xmlns:a16="http://schemas.microsoft.com/office/drawing/2014/main" id="{44099579-328F-446F-97A6-DD03ECAEFED5}"/>
+          <p:cNvPr id="50" name="Group 49">
+            <a:extLst>
+              <a:ext uri="{FF2B5EF4-FFF2-40B4-BE49-F238E27FC236}">
+                <a16:creationId xmlns:a16="http://schemas.microsoft.com/office/drawing/2014/main" id="{BFE07ABC-8234-4475-B887-AF18CA76B8D9}"/>
               </a:ext>
             </a:extLst>
           </p:cNvPr>
@@ -8796,18 +8792,18 @@
         </p:nvGrpSpPr>
         <p:grpSpPr>
           <a:xfrm>
-            <a:off x="9474723" y="-2268786"/>
-            <a:ext cx="1382655" cy="1205616"/>
+            <a:off x="6473675" y="1854630"/>
+            <a:ext cx="4797121" cy="4182883"/>
             <a:chOff x="3613453" y="1337558"/>
             <a:chExt cx="4797121" cy="4182883"/>
           </a:xfrm>
         </p:grpSpPr>
         <p:sp>
           <p:nvSpPr>
-            <p:cNvPr id="153" name="Rectangle 152">
+            <p:cNvPr id="51" name="Rectangle 50">
               <a:extLst>
                 <a:ext uri="{FF2B5EF4-FFF2-40B4-BE49-F238E27FC236}">
-                  <a16:creationId xmlns:a16="http://schemas.microsoft.com/office/drawing/2014/main" id="{DA58220B-39E0-44EA-914C-98813C67BEC5}"/>
+                  <a16:creationId xmlns:a16="http://schemas.microsoft.com/office/drawing/2014/main" id="{8EFD6022-ED30-4676-A302-C248EC6BC5EA}"/>
                 </a:ext>
               </a:extLst>
             </p:cNvPr>
@@ -8858,10 +8854,10 @@
         </p:sp>
         <p:sp>
           <p:nvSpPr>
-            <p:cNvPr id="154" name="Cube 153">
+            <p:cNvPr id="52" name="Cube 51">
               <a:extLst>
                 <a:ext uri="{FF2B5EF4-FFF2-40B4-BE49-F238E27FC236}">
-                  <a16:creationId xmlns:a16="http://schemas.microsoft.com/office/drawing/2014/main" id="{E93E690F-E99B-4063-8AB2-0D711EAC5D3B}"/>
+                  <a16:creationId xmlns:a16="http://schemas.microsoft.com/office/drawing/2014/main" id="{00D74367-CBC6-46E8-ACAE-660F238A3726}"/>
                 </a:ext>
               </a:extLst>
             </p:cNvPr>
@@ -8910,10 +8906,10 @@
         </p:sp>
         <p:cxnSp>
           <p:nvCxnSpPr>
-            <p:cNvPr id="155" name="Straight Connector 154">
+            <p:cNvPr id="53" name="Straight Connector 52">
               <a:extLst>
                 <a:ext uri="{FF2B5EF4-FFF2-40B4-BE49-F238E27FC236}">
-                  <a16:creationId xmlns:a16="http://schemas.microsoft.com/office/drawing/2014/main" id="{94DEC703-5F95-4381-A8DA-8B702CFA21A1}"/>
+                  <a16:creationId xmlns:a16="http://schemas.microsoft.com/office/drawing/2014/main" id="{90B62CD4-E9FE-4256-B23F-FA3D36A71642}"/>
                 </a:ext>
               </a:extLst>
             </p:cNvPr>
@@ -8950,21 +8946,462 @@
           </p:style>
         </p:cxnSp>
       </p:grpSp>
-      <p:sp>
-        <p:nvSpPr>
-          <p:cNvPr id="156" name="TextBox 155">
-            <a:extLst>
-              <a:ext uri="{FF2B5EF4-FFF2-40B4-BE49-F238E27FC236}">
-                <a16:creationId xmlns:a16="http://schemas.microsoft.com/office/drawing/2014/main" id="{F00A15FA-0222-4D3E-93BA-34DFBE261A38}"/>
-              </a:ext>
-            </a:extLst>
-          </p:cNvPr>
-          <p:cNvSpPr txBox="1"/>
-          <p:nvPr/>
-        </p:nvSpPr>
-        <p:spPr>
-          <a:xfrm>
-            <a:off x="8900225" y="-2189917"/>
+      <p:grpSp>
+        <p:nvGrpSpPr>
+          <p:cNvPr id="54" name="Group 53">
+            <a:extLst>
+              <a:ext uri="{FF2B5EF4-FFF2-40B4-BE49-F238E27FC236}">
+                <a16:creationId xmlns:a16="http://schemas.microsoft.com/office/drawing/2014/main" id="{98B54FC2-9806-40DE-B1A8-2AFD79C55DB9}"/>
+              </a:ext>
+            </a:extLst>
+          </p:cNvPr>
+          <p:cNvGrpSpPr/>
+          <p:nvPr/>
+        </p:nvGrpSpPr>
+        <p:grpSpPr>
+          <a:xfrm>
+            <a:off x="9888141" y="955322"/>
+            <a:ext cx="1382655" cy="1205616"/>
+            <a:chOff x="3613453" y="1337558"/>
+            <a:chExt cx="4797121" cy="4182883"/>
+          </a:xfrm>
+        </p:grpSpPr>
+        <p:sp>
+          <p:nvSpPr>
+            <p:cNvPr id="55" name="Rectangle 54">
+              <a:extLst>
+                <a:ext uri="{FF2B5EF4-FFF2-40B4-BE49-F238E27FC236}">
+                  <a16:creationId xmlns:a16="http://schemas.microsoft.com/office/drawing/2014/main" id="{D35383EE-6803-47EF-A645-587A3E2A94F5}"/>
+                </a:ext>
+              </a:extLst>
+            </p:cNvPr>
+            <p:cNvSpPr/>
+            <p:nvPr/>
+          </p:nvSpPr>
+          <p:spPr>
+            <a:xfrm>
+              <a:off x="4657725" y="1337558"/>
+              <a:ext cx="3752849" cy="3129667"/>
+            </a:xfrm>
+            <a:prstGeom prst="rect">
+              <a:avLst/>
+            </a:prstGeom>
+            <a:solidFill>
+              <a:schemeClr val="bg1"/>
+            </a:solidFill>
+            <a:ln>
+              <a:solidFill>
+                <a:schemeClr val="tx1"/>
+              </a:solidFill>
+            </a:ln>
+          </p:spPr>
+          <p:style>
+            <a:lnRef idx="2">
+              <a:schemeClr val="accent1">
+                <a:shade val="50000"/>
+              </a:schemeClr>
+            </a:lnRef>
+            <a:fillRef idx="1">
+              <a:schemeClr val="accent1"/>
+            </a:fillRef>
+            <a:effectRef idx="0">
+              <a:schemeClr val="accent1"/>
+            </a:effectRef>
+            <a:fontRef idx="minor">
+              <a:schemeClr val="lt1"/>
+            </a:fontRef>
+          </p:style>
+          <p:txBody>
+            <a:bodyPr rtlCol="0" anchor="ctr"/>
+            <a:lstStyle/>
+            <a:p>
+              <a:pPr algn="ctr"/>
+              <a:endParaRPr lang="en-US"/>
+            </a:p>
+          </p:txBody>
+        </p:sp>
+        <p:sp>
+          <p:nvSpPr>
+            <p:cNvPr id="56" name="Cube 55">
+              <a:extLst>
+                <a:ext uri="{FF2B5EF4-FFF2-40B4-BE49-F238E27FC236}">
+                  <a16:creationId xmlns:a16="http://schemas.microsoft.com/office/drawing/2014/main" id="{1D44CFE0-4337-43A9-BD26-F0328C02AA02}"/>
+                </a:ext>
+              </a:extLst>
+            </p:cNvPr>
+            <p:cNvSpPr/>
+            <p:nvPr/>
+          </p:nvSpPr>
+          <p:spPr>
+            <a:xfrm>
+              <a:off x="3613453" y="1337558"/>
+              <a:ext cx="4797121" cy="4182883"/>
+            </a:xfrm>
+            <a:prstGeom prst="cube">
+              <a:avLst/>
+            </a:prstGeom>
+            <a:noFill/>
+            <a:ln>
+              <a:solidFill>
+                <a:schemeClr val="tx1"/>
+              </a:solidFill>
+            </a:ln>
+          </p:spPr>
+          <p:style>
+            <a:lnRef idx="2">
+              <a:schemeClr val="accent1">
+                <a:shade val="50000"/>
+              </a:schemeClr>
+            </a:lnRef>
+            <a:fillRef idx="1">
+              <a:schemeClr val="accent1"/>
+            </a:fillRef>
+            <a:effectRef idx="0">
+              <a:schemeClr val="accent1"/>
+            </a:effectRef>
+            <a:fontRef idx="minor">
+              <a:schemeClr val="lt1"/>
+            </a:fontRef>
+          </p:style>
+          <p:txBody>
+            <a:bodyPr rtlCol="0" anchor="ctr"/>
+            <a:lstStyle/>
+            <a:p>
+              <a:pPr algn="ctr"/>
+              <a:endParaRPr lang="en-US"/>
+            </a:p>
+          </p:txBody>
+        </p:sp>
+        <p:cxnSp>
+          <p:nvCxnSpPr>
+            <p:cNvPr id="57" name="Straight Connector 56">
+              <a:extLst>
+                <a:ext uri="{FF2B5EF4-FFF2-40B4-BE49-F238E27FC236}">
+                  <a16:creationId xmlns:a16="http://schemas.microsoft.com/office/drawing/2014/main" id="{43859211-F0CF-4A88-8AA3-1FEE9167190B}"/>
+                </a:ext>
+              </a:extLst>
+            </p:cNvPr>
+            <p:cNvCxnSpPr/>
+            <p:nvPr/>
+          </p:nvCxnSpPr>
+          <p:spPr>
+            <a:xfrm flipH="1">
+              <a:off x="3613453" y="4467225"/>
+              <a:ext cx="1044272" cy="1053216"/>
+            </a:xfrm>
+            <a:prstGeom prst="line">
+              <a:avLst/>
+            </a:prstGeom>
+            <a:ln>
+              <a:solidFill>
+                <a:schemeClr val="tx1"/>
+              </a:solidFill>
+            </a:ln>
+          </p:spPr>
+          <p:style>
+            <a:lnRef idx="1">
+              <a:schemeClr val="accent1"/>
+            </a:lnRef>
+            <a:fillRef idx="0">
+              <a:schemeClr val="accent1"/>
+            </a:fillRef>
+            <a:effectRef idx="0">
+              <a:schemeClr val="accent1"/>
+            </a:effectRef>
+            <a:fontRef idx="minor">
+              <a:schemeClr val="tx1"/>
+            </a:fontRef>
+          </p:style>
+        </p:cxnSp>
+      </p:grpSp>
+      <p:grpSp>
+        <p:nvGrpSpPr>
+          <p:cNvPr id="58" name="Group 57">
+            <a:extLst>
+              <a:ext uri="{FF2B5EF4-FFF2-40B4-BE49-F238E27FC236}">
+                <a16:creationId xmlns:a16="http://schemas.microsoft.com/office/drawing/2014/main" id="{A5D85FE0-5757-4749-B174-916F1F7BCCAA}"/>
+              </a:ext>
+            </a:extLst>
+          </p:cNvPr>
+          <p:cNvGrpSpPr/>
+          <p:nvPr/>
+        </p:nvGrpSpPr>
+        <p:grpSpPr>
+          <a:xfrm>
+            <a:off x="7221341" y="955322"/>
+            <a:ext cx="1382655" cy="1205616"/>
+            <a:chOff x="3613453" y="1337558"/>
+            <a:chExt cx="4797121" cy="4182883"/>
+          </a:xfrm>
+        </p:grpSpPr>
+        <p:sp>
+          <p:nvSpPr>
+            <p:cNvPr id="59" name="Rectangle 58">
+              <a:extLst>
+                <a:ext uri="{FF2B5EF4-FFF2-40B4-BE49-F238E27FC236}">
+                  <a16:creationId xmlns:a16="http://schemas.microsoft.com/office/drawing/2014/main" id="{9BCA7CBC-B848-455B-A3D4-972BDDC76996}"/>
+                </a:ext>
+              </a:extLst>
+            </p:cNvPr>
+            <p:cNvSpPr/>
+            <p:nvPr/>
+          </p:nvSpPr>
+          <p:spPr>
+            <a:xfrm>
+              <a:off x="4657725" y="1337558"/>
+              <a:ext cx="3752849" cy="3129667"/>
+            </a:xfrm>
+            <a:prstGeom prst="rect">
+              <a:avLst/>
+            </a:prstGeom>
+            <a:solidFill>
+              <a:schemeClr val="bg1"/>
+            </a:solidFill>
+            <a:ln>
+              <a:solidFill>
+                <a:schemeClr val="tx1"/>
+              </a:solidFill>
+            </a:ln>
+          </p:spPr>
+          <p:style>
+            <a:lnRef idx="2">
+              <a:schemeClr val="accent1">
+                <a:shade val="50000"/>
+              </a:schemeClr>
+            </a:lnRef>
+            <a:fillRef idx="1">
+              <a:schemeClr val="accent1"/>
+            </a:fillRef>
+            <a:effectRef idx="0">
+              <a:schemeClr val="accent1"/>
+            </a:effectRef>
+            <a:fontRef idx="minor">
+              <a:schemeClr val="lt1"/>
+            </a:fontRef>
+          </p:style>
+          <p:txBody>
+            <a:bodyPr rtlCol="0" anchor="ctr"/>
+            <a:lstStyle/>
+            <a:p>
+              <a:pPr algn="ctr"/>
+              <a:endParaRPr lang="en-US"/>
+            </a:p>
+          </p:txBody>
+        </p:sp>
+        <p:sp>
+          <p:nvSpPr>
+            <p:cNvPr id="60" name="Cube 59">
+              <a:extLst>
+                <a:ext uri="{FF2B5EF4-FFF2-40B4-BE49-F238E27FC236}">
+                  <a16:creationId xmlns:a16="http://schemas.microsoft.com/office/drawing/2014/main" id="{29BCA710-D422-4ECD-8E8E-3262DF5600E8}"/>
+                </a:ext>
+              </a:extLst>
+            </p:cNvPr>
+            <p:cNvSpPr/>
+            <p:nvPr/>
+          </p:nvSpPr>
+          <p:spPr>
+            <a:xfrm>
+              <a:off x="3613453" y="1337558"/>
+              <a:ext cx="4797121" cy="4182883"/>
+            </a:xfrm>
+            <a:prstGeom prst="cube">
+              <a:avLst/>
+            </a:prstGeom>
+            <a:noFill/>
+            <a:ln>
+              <a:solidFill>
+                <a:schemeClr val="tx1"/>
+              </a:solidFill>
+            </a:ln>
+          </p:spPr>
+          <p:style>
+            <a:lnRef idx="2">
+              <a:schemeClr val="accent1">
+                <a:shade val="50000"/>
+              </a:schemeClr>
+            </a:lnRef>
+            <a:fillRef idx="1">
+              <a:schemeClr val="accent1"/>
+            </a:fillRef>
+            <a:effectRef idx="0">
+              <a:schemeClr val="accent1"/>
+            </a:effectRef>
+            <a:fontRef idx="minor">
+              <a:schemeClr val="lt1"/>
+            </a:fontRef>
+          </p:style>
+          <p:txBody>
+            <a:bodyPr rtlCol="0" anchor="ctr"/>
+            <a:lstStyle/>
+            <a:p>
+              <a:pPr algn="ctr"/>
+              <a:endParaRPr lang="en-US"/>
+            </a:p>
+          </p:txBody>
+        </p:sp>
+        <p:cxnSp>
+          <p:nvCxnSpPr>
+            <p:cNvPr id="61" name="Straight Connector 60">
+              <a:extLst>
+                <a:ext uri="{FF2B5EF4-FFF2-40B4-BE49-F238E27FC236}">
+                  <a16:creationId xmlns:a16="http://schemas.microsoft.com/office/drawing/2014/main" id="{58DED798-9CAF-4743-8D7B-2E57ED5D7626}"/>
+                </a:ext>
+              </a:extLst>
+            </p:cNvPr>
+            <p:cNvCxnSpPr/>
+            <p:nvPr/>
+          </p:nvCxnSpPr>
+          <p:spPr>
+            <a:xfrm flipH="1">
+              <a:off x="3613453" y="4467225"/>
+              <a:ext cx="1044272" cy="1053216"/>
+            </a:xfrm>
+            <a:prstGeom prst="line">
+              <a:avLst/>
+            </a:prstGeom>
+            <a:ln>
+              <a:solidFill>
+                <a:schemeClr val="tx1"/>
+              </a:solidFill>
+            </a:ln>
+          </p:spPr>
+          <p:style>
+            <a:lnRef idx="1">
+              <a:schemeClr val="accent1"/>
+            </a:lnRef>
+            <a:fillRef idx="0">
+              <a:schemeClr val="accent1"/>
+            </a:fillRef>
+            <a:effectRef idx="0">
+              <a:schemeClr val="accent1"/>
+            </a:effectRef>
+            <a:fontRef idx="minor">
+              <a:schemeClr val="tx1"/>
+            </a:fontRef>
+          </p:style>
+        </p:cxnSp>
+      </p:grpSp>
+      <p:sp>
+        <p:nvSpPr>
+          <p:cNvPr id="62" name="TextBox 61">
+            <a:extLst>
+              <a:ext uri="{FF2B5EF4-FFF2-40B4-BE49-F238E27FC236}">
+                <a16:creationId xmlns:a16="http://schemas.microsoft.com/office/drawing/2014/main" id="{ADBC0C73-572B-4CDE-A154-777D63BE5B5B}"/>
+              </a:ext>
+            </a:extLst>
+          </p:cNvPr>
+          <p:cNvSpPr txBox="1"/>
+          <p:nvPr/>
+        </p:nvSpPr>
+        <p:spPr>
+          <a:xfrm>
+            <a:off x="6171989" y="5997829"/>
+            <a:ext cx="792205" cy="369332"/>
+          </a:xfrm>
+          <a:prstGeom prst="rect">
+            <a:avLst/>
+          </a:prstGeom>
+          <a:noFill/>
+        </p:spPr>
+        <p:txBody>
+          <a:bodyPr wrap="none" rtlCol="0">
+            <a:spAutoFit/>
+          </a:bodyPr>
+          <a:lstStyle/>
+          <a:p>
+            <a:r>
+              <a:rPr lang="en-US" dirty="0"/>
+              <a:t>7,-7,-7</a:t>
+            </a:r>
+          </a:p>
+        </p:txBody>
+      </p:sp>
+      <p:sp>
+        <p:nvSpPr>
+          <p:cNvPr id="63" name="TextBox 62">
+            <a:extLst>
+              <a:ext uri="{FF2B5EF4-FFF2-40B4-BE49-F238E27FC236}">
+                <a16:creationId xmlns:a16="http://schemas.microsoft.com/office/drawing/2014/main" id="{80879257-6C2B-44BD-BE93-BFF26C7569EA}"/>
+              </a:ext>
+            </a:extLst>
+          </p:cNvPr>
+          <p:cNvSpPr txBox="1"/>
+          <p:nvPr/>
+        </p:nvSpPr>
+        <p:spPr>
+          <a:xfrm>
+            <a:off x="10189127" y="5958145"/>
+            <a:ext cx="721672" cy="369332"/>
+          </a:xfrm>
+          <a:prstGeom prst="rect">
+            <a:avLst/>
+          </a:prstGeom>
+          <a:noFill/>
+        </p:spPr>
+        <p:txBody>
+          <a:bodyPr wrap="none" rtlCol="0">
+            <a:spAutoFit/>
+          </a:bodyPr>
+          <a:lstStyle/>
+          <a:p>
+            <a:r>
+              <a:rPr lang="en-US" dirty="0"/>
+              <a:t>7,7,-7</a:t>
+            </a:r>
+          </a:p>
+        </p:txBody>
+      </p:sp>
+      <p:sp>
+        <p:nvSpPr>
+          <p:cNvPr id="65" name="TextBox 64">
+            <a:extLst>
+              <a:ext uri="{FF2B5EF4-FFF2-40B4-BE49-F238E27FC236}">
+                <a16:creationId xmlns:a16="http://schemas.microsoft.com/office/drawing/2014/main" id="{B95A14B5-8A0D-4F9B-889E-7063E2FE198F}"/>
+              </a:ext>
+            </a:extLst>
+          </p:cNvPr>
+          <p:cNvSpPr txBox="1"/>
+          <p:nvPr/>
+        </p:nvSpPr>
+        <p:spPr>
+          <a:xfrm>
+            <a:off x="5811153" y="2728032"/>
+            <a:ext cx="721672" cy="369332"/>
+          </a:xfrm>
+          <a:prstGeom prst="rect">
+            <a:avLst/>
+          </a:prstGeom>
+          <a:noFill/>
+        </p:spPr>
+        <p:txBody>
+          <a:bodyPr wrap="none" rtlCol="0">
+            <a:spAutoFit/>
+          </a:bodyPr>
+          <a:lstStyle/>
+          <a:p>
+            <a:r>
+              <a:rPr lang="en-US" dirty="0"/>
+              <a:t>7,-7,7</a:t>
+            </a:r>
+          </a:p>
+        </p:txBody>
+      </p:sp>
+      <p:sp>
+        <p:nvSpPr>
+          <p:cNvPr id="66" name="TextBox 65">
+            <a:extLst>
+              <a:ext uri="{FF2B5EF4-FFF2-40B4-BE49-F238E27FC236}">
+                <a16:creationId xmlns:a16="http://schemas.microsoft.com/office/drawing/2014/main" id="{9E775ED7-B770-4D5A-BBF2-57DC7644657F}"/>
+              </a:ext>
+            </a:extLst>
+          </p:cNvPr>
+          <p:cNvSpPr txBox="1"/>
+          <p:nvPr/>
+        </p:nvSpPr>
+        <p:spPr>
+          <a:xfrm>
+            <a:off x="10189127" y="2775731"/>
             <a:ext cx="651140" cy="369332"/>
           </a:xfrm>
           <a:prstGeom prst="rect">
@@ -8980,6 +9417,2218 @@
           <a:p>
             <a:r>
               <a:rPr lang="en-US" dirty="0"/>
+              <a:t>7,7,7</a:t>
+            </a:r>
+          </a:p>
+        </p:txBody>
+      </p:sp>
+      <p:sp>
+        <p:nvSpPr>
+          <p:cNvPr id="67" name="TextBox 66">
+            <a:extLst>
+              <a:ext uri="{FF2B5EF4-FFF2-40B4-BE49-F238E27FC236}">
+                <a16:creationId xmlns:a16="http://schemas.microsoft.com/office/drawing/2014/main" id="{B7A48C13-084C-4FE7-976D-A233BDF4DFBC}"/>
+              </a:ext>
+            </a:extLst>
+          </p:cNvPr>
+          <p:cNvSpPr txBox="1"/>
+          <p:nvPr/>
+        </p:nvSpPr>
+        <p:spPr>
+          <a:xfrm>
+            <a:off x="6436278" y="1881691"/>
+            <a:ext cx="792205" cy="369332"/>
+          </a:xfrm>
+          <a:prstGeom prst="rect">
+            <a:avLst/>
+          </a:prstGeom>
+          <a:noFill/>
+        </p:spPr>
+        <p:txBody>
+          <a:bodyPr wrap="none" rtlCol="0">
+            <a:spAutoFit/>
+          </a:bodyPr>
+          <a:lstStyle/>
+          <a:p>
+            <a:r>
+              <a:rPr lang="en-US" dirty="0"/>
+              <a:t>-4,-7,7</a:t>
+            </a:r>
+          </a:p>
+        </p:txBody>
+      </p:sp>
+      <p:sp>
+        <p:nvSpPr>
+          <p:cNvPr id="68" name="TextBox 67">
+            <a:extLst>
+              <a:ext uri="{FF2B5EF4-FFF2-40B4-BE49-F238E27FC236}">
+                <a16:creationId xmlns:a16="http://schemas.microsoft.com/office/drawing/2014/main" id="{1B140629-D076-4719-91E9-A96AEBB86FC4}"/>
+              </a:ext>
+            </a:extLst>
+          </p:cNvPr>
+          <p:cNvSpPr txBox="1"/>
+          <p:nvPr/>
+        </p:nvSpPr>
+        <p:spPr>
+          <a:xfrm>
+            <a:off x="8283060" y="2005025"/>
+            <a:ext cx="792205" cy="369332"/>
+          </a:xfrm>
+          <a:prstGeom prst="rect">
+            <a:avLst/>
+          </a:prstGeom>
+          <a:noFill/>
+        </p:spPr>
+        <p:txBody>
+          <a:bodyPr wrap="none" rtlCol="0">
+            <a:spAutoFit/>
+          </a:bodyPr>
+          <a:lstStyle/>
+          <a:p>
+            <a:r>
+              <a:rPr lang="en-US" dirty="0"/>
+              <a:t>-4,-4,7</a:t>
+            </a:r>
+          </a:p>
+        </p:txBody>
+      </p:sp>
+      <p:sp>
+        <p:nvSpPr>
+          <p:cNvPr id="69" name="TextBox 68">
+            <a:extLst>
+              <a:ext uri="{FF2B5EF4-FFF2-40B4-BE49-F238E27FC236}">
+                <a16:creationId xmlns:a16="http://schemas.microsoft.com/office/drawing/2014/main" id="{FD8C216A-8C59-4E2C-9A6A-4FDFE9CFE3C0}"/>
+              </a:ext>
+            </a:extLst>
+          </p:cNvPr>
+          <p:cNvSpPr txBox="1"/>
+          <p:nvPr/>
+        </p:nvSpPr>
+        <p:spPr>
+          <a:xfrm>
+            <a:off x="8613786" y="1538198"/>
+            <a:ext cx="792205" cy="369332"/>
+          </a:xfrm>
+          <a:prstGeom prst="rect">
+            <a:avLst/>
+          </a:prstGeom>
+          <a:noFill/>
+        </p:spPr>
+        <p:txBody>
+          <a:bodyPr wrap="none" rtlCol="0">
+            <a:spAutoFit/>
+          </a:bodyPr>
+          <a:lstStyle/>
+          <a:p>
+            <a:r>
+              <a:rPr lang="en-US" dirty="0"/>
+              <a:t>-7,-4,7</a:t>
+            </a:r>
+          </a:p>
+        </p:txBody>
+      </p:sp>
+      <p:sp>
+        <p:nvSpPr>
+          <p:cNvPr id="70" name="TextBox 69">
+            <a:extLst>
+              <a:ext uri="{FF2B5EF4-FFF2-40B4-BE49-F238E27FC236}">
+                <a16:creationId xmlns:a16="http://schemas.microsoft.com/office/drawing/2014/main" id="{0B671F32-C620-466D-B2E7-7B29BAF0DD77}"/>
+              </a:ext>
+            </a:extLst>
+          </p:cNvPr>
+          <p:cNvSpPr txBox="1"/>
+          <p:nvPr/>
+        </p:nvSpPr>
+        <p:spPr>
+          <a:xfrm>
+            <a:off x="6442532" y="1015149"/>
+            <a:ext cx="909223" cy="369332"/>
+          </a:xfrm>
+          <a:prstGeom prst="rect">
+            <a:avLst/>
+          </a:prstGeom>
+          <a:noFill/>
+        </p:spPr>
+        <p:txBody>
+          <a:bodyPr wrap="none" rtlCol="0">
+            <a:spAutoFit/>
+          </a:bodyPr>
+          <a:lstStyle/>
+          <a:p>
+            <a:r>
+              <a:rPr lang="en-US" dirty="0"/>
+              <a:t>-4,-7,10</a:t>
+            </a:r>
+          </a:p>
+        </p:txBody>
+      </p:sp>
+      <p:sp>
+        <p:nvSpPr>
+          <p:cNvPr id="71" name="TextBox 70">
+            <a:extLst>
+              <a:ext uri="{FF2B5EF4-FFF2-40B4-BE49-F238E27FC236}">
+                <a16:creationId xmlns:a16="http://schemas.microsoft.com/office/drawing/2014/main" id="{C8772645-E6AF-45BC-89F5-EADBCD613907}"/>
+              </a:ext>
+            </a:extLst>
+          </p:cNvPr>
+          <p:cNvSpPr txBox="1"/>
+          <p:nvPr/>
+        </p:nvSpPr>
+        <p:spPr>
+          <a:xfrm>
+            <a:off x="7567993" y="1243403"/>
+            <a:ext cx="909223" cy="369332"/>
+          </a:xfrm>
+          <a:prstGeom prst="rect">
+            <a:avLst/>
+          </a:prstGeom>
+          <a:noFill/>
+        </p:spPr>
+        <p:txBody>
+          <a:bodyPr wrap="none" rtlCol="0">
+            <a:spAutoFit/>
+          </a:bodyPr>
+          <a:lstStyle/>
+          <a:p>
+            <a:r>
+              <a:rPr lang="en-US" dirty="0"/>
+              <a:t>-4,-4,10</a:t>
+            </a:r>
+          </a:p>
+        </p:txBody>
+      </p:sp>
+      <p:sp>
+        <p:nvSpPr>
+          <p:cNvPr id="72" name="TextBox 71">
+            <a:extLst>
+              <a:ext uri="{FF2B5EF4-FFF2-40B4-BE49-F238E27FC236}">
+                <a16:creationId xmlns:a16="http://schemas.microsoft.com/office/drawing/2014/main" id="{E6E01376-3FD7-49BF-9C90-016120DC7D1D}"/>
+              </a:ext>
+            </a:extLst>
+          </p:cNvPr>
+          <p:cNvSpPr txBox="1"/>
+          <p:nvPr/>
+        </p:nvSpPr>
+        <p:spPr>
+          <a:xfrm>
+            <a:off x="7214729" y="616049"/>
+            <a:ext cx="909223" cy="369332"/>
+          </a:xfrm>
+          <a:prstGeom prst="rect">
+            <a:avLst/>
+          </a:prstGeom>
+          <a:noFill/>
+        </p:spPr>
+        <p:txBody>
+          <a:bodyPr wrap="none" rtlCol="0">
+            <a:spAutoFit/>
+          </a:bodyPr>
+          <a:lstStyle/>
+          <a:p>
+            <a:r>
+              <a:rPr lang="en-US" dirty="0"/>
+              <a:t>-7,-7,10</a:t>
+            </a:r>
+          </a:p>
+        </p:txBody>
+      </p:sp>
+      <p:sp>
+        <p:nvSpPr>
+          <p:cNvPr id="73" name="TextBox 72">
+            <a:extLst>
+              <a:ext uri="{FF2B5EF4-FFF2-40B4-BE49-F238E27FC236}">
+                <a16:creationId xmlns:a16="http://schemas.microsoft.com/office/drawing/2014/main" id="{353C4002-C6F7-4119-9272-CEAFA8099045}"/>
+              </a:ext>
+            </a:extLst>
+          </p:cNvPr>
+          <p:cNvSpPr txBox="1"/>
+          <p:nvPr/>
+        </p:nvSpPr>
+        <p:spPr>
+          <a:xfrm>
+            <a:off x="8203777" y="616049"/>
+            <a:ext cx="909223" cy="369332"/>
+          </a:xfrm>
+          <a:prstGeom prst="rect">
+            <a:avLst/>
+          </a:prstGeom>
+          <a:noFill/>
+        </p:spPr>
+        <p:txBody>
+          <a:bodyPr wrap="none" rtlCol="0">
+            <a:spAutoFit/>
+          </a:bodyPr>
+          <a:lstStyle/>
+          <a:p>
+            <a:r>
+              <a:rPr lang="en-US" dirty="0"/>
+              <a:t>-7,-4,10</a:t>
+            </a:r>
+          </a:p>
+        </p:txBody>
+      </p:sp>
+      <p:sp>
+        <p:nvSpPr>
+          <p:cNvPr id="74" name="TextBox 73">
+            <a:extLst>
+              <a:ext uri="{FF2B5EF4-FFF2-40B4-BE49-F238E27FC236}">
+                <a16:creationId xmlns:a16="http://schemas.microsoft.com/office/drawing/2014/main" id="{34F8D3C7-C253-41CB-9268-67A1D6FBBD6B}"/>
+              </a:ext>
+            </a:extLst>
+          </p:cNvPr>
+          <p:cNvSpPr txBox="1"/>
+          <p:nvPr/>
+        </p:nvSpPr>
+        <p:spPr>
+          <a:xfrm>
+            <a:off x="9619930" y="2084239"/>
+            <a:ext cx="721672" cy="369332"/>
+          </a:xfrm>
+          <a:prstGeom prst="rect">
+            <a:avLst/>
+          </a:prstGeom>
+          <a:noFill/>
+        </p:spPr>
+        <p:txBody>
+          <a:bodyPr wrap="none" rtlCol="0">
+            <a:spAutoFit/>
+          </a:bodyPr>
+          <a:lstStyle/>
+          <a:p>
+            <a:r>
+              <a:rPr lang="en-US" dirty="0"/>
+              <a:t>-4,4,7</a:t>
+            </a:r>
+          </a:p>
+        </p:txBody>
+      </p:sp>
+      <p:sp>
+        <p:nvSpPr>
+          <p:cNvPr id="75" name="TextBox 74">
+            <a:extLst>
+              <a:ext uri="{FF2B5EF4-FFF2-40B4-BE49-F238E27FC236}">
+                <a16:creationId xmlns:a16="http://schemas.microsoft.com/office/drawing/2014/main" id="{E27CB0B3-12A9-43BB-BD8B-91B9C151767A}"/>
+              </a:ext>
+            </a:extLst>
+          </p:cNvPr>
+          <p:cNvSpPr txBox="1"/>
+          <p:nvPr/>
+        </p:nvSpPr>
+        <p:spPr>
+          <a:xfrm>
+            <a:off x="10845251" y="2098413"/>
+            <a:ext cx="721672" cy="369332"/>
+          </a:xfrm>
+          <a:prstGeom prst="rect">
+            <a:avLst/>
+          </a:prstGeom>
+          <a:noFill/>
+        </p:spPr>
+        <p:txBody>
+          <a:bodyPr wrap="none" rtlCol="0">
+            <a:spAutoFit/>
+          </a:bodyPr>
+          <a:lstStyle/>
+          <a:p>
+            <a:r>
+              <a:rPr lang="en-US" dirty="0"/>
+              <a:t>-4,7,7</a:t>
+            </a:r>
+          </a:p>
+        </p:txBody>
+      </p:sp>
+      <p:sp>
+        <p:nvSpPr>
+          <p:cNvPr id="76" name="TextBox 75">
+            <a:extLst>
+              <a:ext uri="{FF2B5EF4-FFF2-40B4-BE49-F238E27FC236}">
+                <a16:creationId xmlns:a16="http://schemas.microsoft.com/office/drawing/2014/main" id="{AF7B1444-AB14-4513-B58D-93C4EC6E60B8}"/>
+              </a:ext>
+            </a:extLst>
+          </p:cNvPr>
+          <p:cNvSpPr txBox="1"/>
+          <p:nvPr/>
+        </p:nvSpPr>
+        <p:spPr>
+          <a:xfrm>
+            <a:off x="10135651" y="1555041"/>
+            <a:ext cx="721672" cy="369332"/>
+          </a:xfrm>
+          <a:prstGeom prst="rect">
+            <a:avLst/>
+          </a:prstGeom>
+          <a:noFill/>
+        </p:spPr>
+        <p:txBody>
+          <a:bodyPr wrap="none" rtlCol="0">
+            <a:spAutoFit/>
+          </a:bodyPr>
+          <a:lstStyle/>
+          <a:p>
+            <a:r>
+              <a:rPr lang="en-US" dirty="0"/>
+              <a:t>-7,4,7</a:t>
+            </a:r>
+          </a:p>
+        </p:txBody>
+      </p:sp>
+      <p:sp>
+        <p:nvSpPr>
+          <p:cNvPr id="77" name="TextBox 76">
+            <a:extLst>
+              <a:ext uri="{FF2B5EF4-FFF2-40B4-BE49-F238E27FC236}">
+                <a16:creationId xmlns:a16="http://schemas.microsoft.com/office/drawing/2014/main" id="{A8F9D3E8-4370-40B7-B365-061EBD99CDD5}"/>
+              </a:ext>
+            </a:extLst>
+          </p:cNvPr>
+          <p:cNvSpPr txBox="1"/>
+          <p:nvPr/>
+        </p:nvSpPr>
+        <p:spPr>
+          <a:xfrm>
+            <a:off x="9209771" y="1030809"/>
+            <a:ext cx="838691" cy="369332"/>
+          </a:xfrm>
+          <a:prstGeom prst="rect">
+            <a:avLst/>
+          </a:prstGeom>
+          <a:noFill/>
+        </p:spPr>
+        <p:txBody>
+          <a:bodyPr wrap="none" rtlCol="0">
+            <a:spAutoFit/>
+          </a:bodyPr>
+          <a:lstStyle/>
+          <a:p>
+            <a:r>
+              <a:rPr lang="en-US" dirty="0"/>
+              <a:t>-4,4,10</a:t>
+            </a:r>
+          </a:p>
+        </p:txBody>
+      </p:sp>
+      <p:sp>
+        <p:nvSpPr>
+          <p:cNvPr id="78" name="TextBox 77">
+            <a:extLst>
+              <a:ext uri="{FF2B5EF4-FFF2-40B4-BE49-F238E27FC236}">
+                <a16:creationId xmlns:a16="http://schemas.microsoft.com/office/drawing/2014/main" id="{44734901-87E2-48C1-9FE6-546398A482FF}"/>
+              </a:ext>
+            </a:extLst>
+          </p:cNvPr>
+          <p:cNvSpPr txBox="1"/>
+          <p:nvPr/>
+        </p:nvSpPr>
+        <p:spPr>
+          <a:xfrm>
+            <a:off x="10307237" y="1212057"/>
+            <a:ext cx="838691" cy="369332"/>
+          </a:xfrm>
+          <a:prstGeom prst="rect">
+            <a:avLst/>
+          </a:prstGeom>
+          <a:noFill/>
+        </p:spPr>
+        <p:txBody>
+          <a:bodyPr wrap="none" rtlCol="0">
+            <a:spAutoFit/>
+          </a:bodyPr>
+          <a:lstStyle/>
+          <a:p>
+            <a:r>
+              <a:rPr lang="en-US" dirty="0"/>
+              <a:t>-4,7,10</a:t>
+            </a:r>
+          </a:p>
+        </p:txBody>
+      </p:sp>
+      <p:sp>
+        <p:nvSpPr>
+          <p:cNvPr id="79" name="TextBox 78">
+            <a:extLst>
+              <a:ext uri="{FF2B5EF4-FFF2-40B4-BE49-F238E27FC236}">
+                <a16:creationId xmlns:a16="http://schemas.microsoft.com/office/drawing/2014/main" id="{B02BD3FE-0C2C-4A65-AE1C-703837C79FD1}"/>
+              </a:ext>
+            </a:extLst>
+          </p:cNvPr>
+          <p:cNvSpPr txBox="1"/>
+          <p:nvPr/>
+        </p:nvSpPr>
+        <p:spPr>
+          <a:xfrm>
+            <a:off x="9827452" y="616748"/>
+            <a:ext cx="838691" cy="369332"/>
+          </a:xfrm>
+          <a:prstGeom prst="rect">
+            <a:avLst/>
+          </a:prstGeom>
+          <a:noFill/>
+        </p:spPr>
+        <p:txBody>
+          <a:bodyPr wrap="none" rtlCol="0">
+            <a:spAutoFit/>
+          </a:bodyPr>
+          <a:lstStyle/>
+          <a:p>
+            <a:r>
+              <a:rPr lang="en-US" dirty="0"/>
+              <a:t>-7,4,10</a:t>
+            </a:r>
+          </a:p>
+        </p:txBody>
+      </p:sp>
+      <p:sp>
+        <p:nvSpPr>
+          <p:cNvPr id="92" name="TextBox 91">
+            <a:extLst>
+              <a:ext uri="{FF2B5EF4-FFF2-40B4-BE49-F238E27FC236}">
+                <a16:creationId xmlns:a16="http://schemas.microsoft.com/office/drawing/2014/main" id="{E94F86D0-9B7D-49E2-87B7-6F2C55415EF9}"/>
+              </a:ext>
+            </a:extLst>
+          </p:cNvPr>
+          <p:cNvSpPr txBox="1"/>
+          <p:nvPr/>
+        </p:nvSpPr>
+        <p:spPr>
+          <a:xfrm>
+            <a:off x="7403348" y="1540482"/>
+            <a:ext cx="792205" cy="369332"/>
+          </a:xfrm>
+          <a:prstGeom prst="rect">
+            <a:avLst/>
+          </a:prstGeom>
+          <a:noFill/>
+        </p:spPr>
+        <p:txBody>
+          <a:bodyPr wrap="none" rtlCol="0">
+            <a:spAutoFit/>
+          </a:bodyPr>
+          <a:lstStyle/>
+          <a:p>
+            <a:r>
+              <a:rPr lang="en-US" dirty="0"/>
+              <a:t>-7,-7,7</a:t>
+            </a:r>
+          </a:p>
+        </p:txBody>
+      </p:sp>
+      <p:sp>
+        <p:nvSpPr>
+          <p:cNvPr id="93" name="TextBox 92">
+            <a:extLst>
+              <a:ext uri="{FF2B5EF4-FFF2-40B4-BE49-F238E27FC236}">
+                <a16:creationId xmlns:a16="http://schemas.microsoft.com/office/drawing/2014/main" id="{1A81CEC7-14F7-4C2E-9CE2-A2E60AE4BDDA}"/>
+              </a:ext>
+            </a:extLst>
+          </p:cNvPr>
+          <p:cNvSpPr txBox="1"/>
+          <p:nvPr/>
+        </p:nvSpPr>
+        <p:spPr>
+          <a:xfrm>
+            <a:off x="11234375" y="1548505"/>
+            <a:ext cx="721672" cy="369332"/>
+          </a:xfrm>
+          <a:prstGeom prst="rect">
+            <a:avLst/>
+          </a:prstGeom>
+          <a:noFill/>
+        </p:spPr>
+        <p:txBody>
+          <a:bodyPr wrap="none" rtlCol="0">
+            <a:spAutoFit/>
+          </a:bodyPr>
+          <a:lstStyle/>
+          <a:p>
+            <a:r>
+              <a:rPr lang="en-US" dirty="0"/>
+              <a:t>-7,7,7</a:t>
+            </a:r>
+          </a:p>
+        </p:txBody>
+      </p:sp>
+      <p:grpSp>
+        <p:nvGrpSpPr>
+          <p:cNvPr id="94" name="Group 93">
+            <a:extLst>
+              <a:ext uri="{FF2B5EF4-FFF2-40B4-BE49-F238E27FC236}">
+                <a16:creationId xmlns:a16="http://schemas.microsoft.com/office/drawing/2014/main" id="{B8D140C8-70FF-414A-AC4A-9730C6D83E28}"/>
+              </a:ext>
+            </a:extLst>
+          </p:cNvPr>
+          <p:cNvGrpSpPr/>
+          <p:nvPr/>
+        </p:nvGrpSpPr>
+        <p:grpSpPr>
+          <a:xfrm>
+            <a:off x="843583" y="3389382"/>
+            <a:ext cx="1382655" cy="1205616"/>
+            <a:chOff x="3613453" y="1337558"/>
+            <a:chExt cx="4797121" cy="4182883"/>
+          </a:xfrm>
+        </p:grpSpPr>
+        <p:sp>
+          <p:nvSpPr>
+            <p:cNvPr id="95" name="Rectangle 94">
+              <a:extLst>
+                <a:ext uri="{FF2B5EF4-FFF2-40B4-BE49-F238E27FC236}">
+                  <a16:creationId xmlns:a16="http://schemas.microsoft.com/office/drawing/2014/main" id="{04DC570D-8A91-4437-9AF1-157F993BCBCE}"/>
+                </a:ext>
+              </a:extLst>
+            </p:cNvPr>
+            <p:cNvSpPr/>
+            <p:nvPr/>
+          </p:nvSpPr>
+          <p:spPr>
+            <a:xfrm>
+              <a:off x="4657725" y="1337558"/>
+              <a:ext cx="3752849" cy="3129667"/>
+            </a:xfrm>
+            <a:prstGeom prst="rect">
+              <a:avLst/>
+            </a:prstGeom>
+            <a:solidFill>
+              <a:schemeClr val="bg1"/>
+            </a:solidFill>
+            <a:ln>
+              <a:solidFill>
+                <a:schemeClr val="tx1"/>
+              </a:solidFill>
+            </a:ln>
+          </p:spPr>
+          <p:style>
+            <a:lnRef idx="2">
+              <a:schemeClr val="accent1">
+                <a:shade val="50000"/>
+              </a:schemeClr>
+            </a:lnRef>
+            <a:fillRef idx="1">
+              <a:schemeClr val="accent1"/>
+            </a:fillRef>
+            <a:effectRef idx="0">
+              <a:schemeClr val="accent1"/>
+            </a:effectRef>
+            <a:fontRef idx="minor">
+              <a:schemeClr val="lt1"/>
+            </a:fontRef>
+          </p:style>
+          <p:txBody>
+            <a:bodyPr rtlCol="0" anchor="ctr"/>
+            <a:lstStyle/>
+            <a:p>
+              <a:pPr algn="ctr"/>
+              <a:endParaRPr lang="en-US"/>
+            </a:p>
+          </p:txBody>
+        </p:sp>
+        <p:sp>
+          <p:nvSpPr>
+            <p:cNvPr id="96" name="Cube 95">
+              <a:extLst>
+                <a:ext uri="{FF2B5EF4-FFF2-40B4-BE49-F238E27FC236}">
+                  <a16:creationId xmlns:a16="http://schemas.microsoft.com/office/drawing/2014/main" id="{767C1E39-A059-4A9A-A2F0-326F30206A87}"/>
+                </a:ext>
+              </a:extLst>
+            </p:cNvPr>
+            <p:cNvSpPr/>
+            <p:nvPr/>
+          </p:nvSpPr>
+          <p:spPr>
+            <a:xfrm>
+              <a:off x="3613453" y="1337558"/>
+              <a:ext cx="4797121" cy="4182883"/>
+            </a:xfrm>
+            <a:prstGeom prst="cube">
+              <a:avLst/>
+            </a:prstGeom>
+            <a:noFill/>
+            <a:ln>
+              <a:solidFill>
+                <a:schemeClr val="tx1"/>
+              </a:solidFill>
+            </a:ln>
+          </p:spPr>
+          <p:style>
+            <a:lnRef idx="2">
+              <a:schemeClr val="accent1">
+                <a:shade val="50000"/>
+              </a:schemeClr>
+            </a:lnRef>
+            <a:fillRef idx="1">
+              <a:schemeClr val="accent1"/>
+            </a:fillRef>
+            <a:effectRef idx="0">
+              <a:schemeClr val="accent1"/>
+            </a:effectRef>
+            <a:fontRef idx="minor">
+              <a:schemeClr val="lt1"/>
+            </a:fontRef>
+          </p:style>
+          <p:txBody>
+            <a:bodyPr rtlCol="0" anchor="ctr"/>
+            <a:lstStyle/>
+            <a:p>
+              <a:pPr algn="ctr"/>
+              <a:endParaRPr lang="en-US"/>
+            </a:p>
+          </p:txBody>
+        </p:sp>
+        <p:cxnSp>
+          <p:nvCxnSpPr>
+            <p:cNvPr id="97" name="Straight Connector 96">
+              <a:extLst>
+                <a:ext uri="{FF2B5EF4-FFF2-40B4-BE49-F238E27FC236}">
+                  <a16:creationId xmlns:a16="http://schemas.microsoft.com/office/drawing/2014/main" id="{4D0B1500-70BC-4FA7-BA19-2747A3906E9A}"/>
+                </a:ext>
+              </a:extLst>
+            </p:cNvPr>
+            <p:cNvCxnSpPr/>
+            <p:nvPr/>
+          </p:nvCxnSpPr>
+          <p:spPr>
+            <a:xfrm flipH="1">
+              <a:off x="3613453" y="4467225"/>
+              <a:ext cx="1044272" cy="1053216"/>
+            </a:xfrm>
+            <a:prstGeom prst="line">
+              <a:avLst/>
+            </a:prstGeom>
+            <a:ln>
+              <a:solidFill>
+                <a:schemeClr val="tx1"/>
+              </a:solidFill>
+            </a:ln>
+          </p:spPr>
+          <p:style>
+            <a:lnRef idx="1">
+              <a:schemeClr val="accent1"/>
+            </a:lnRef>
+            <a:fillRef idx="0">
+              <a:schemeClr val="accent1"/>
+            </a:fillRef>
+            <a:effectRef idx="0">
+              <a:schemeClr val="accent1"/>
+            </a:effectRef>
+            <a:fontRef idx="minor">
+              <a:schemeClr val="tx1"/>
+            </a:fontRef>
+          </p:style>
+        </p:cxnSp>
+      </p:grpSp>
+      <p:grpSp>
+        <p:nvGrpSpPr>
+          <p:cNvPr id="98" name="Group 97">
+            <a:extLst>
+              <a:ext uri="{FF2B5EF4-FFF2-40B4-BE49-F238E27FC236}">
+                <a16:creationId xmlns:a16="http://schemas.microsoft.com/office/drawing/2014/main" id="{CA0E7A1E-1EAF-438B-B019-7D8DD241457F}"/>
+              </a:ext>
+            </a:extLst>
+          </p:cNvPr>
+          <p:cNvGrpSpPr/>
+          <p:nvPr/>
+        </p:nvGrpSpPr>
+        <p:grpSpPr>
+          <a:xfrm>
+            <a:off x="2501937" y="3343263"/>
+            <a:ext cx="1382655" cy="1205616"/>
+            <a:chOff x="3613453" y="1337558"/>
+            <a:chExt cx="4797121" cy="4182883"/>
+          </a:xfrm>
+        </p:grpSpPr>
+        <p:sp>
+          <p:nvSpPr>
+            <p:cNvPr id="99" name="Rectangle 98">
+              <a:extLst>
+                <a:ext uri="{FF2B5EF4-FFF2-40B4-BE49-F238E27FC236}">
+                  <a16:creationId xmlns:a16="http://schemas.microsoft.com/office/drawing/2014/main" id="{4B432078-8B0B-4054-AEF6-28E96D377FEF}"/>
+                </a:ext>
+              </a:extLst>
+            </p:cNvPr>
+            <p:cNvSpPr/>
+            <p:nvPr/>
+          </p:nvSpPr>
+          <p:spPr>
+            <a:xfrm>
+              <a:off x="4657725" y="1337558"/>
+              <a:ext cx="3752849" cy="3129667"/>
+            </a:xfrm>
+            <a:prstGeom prst="rect">
+              <a:avLst/>
+            </a:prstGeom>
+            <a:solidFill>
+              <a:schemeClr val="bg1"/>
+            </a:solidFill>
+            <a:ln>
+              <a:solidFill>
+                <a:schemeClr val="tx1"/>
+              </a:solidFill>
+            </a:ln>
+          </p:spPr>
+          <p:style>
+            <a:lnRef idx="2">
+              <a:schemeClr val="accent1">
+                <a:shade val="50000"/>
+              </a:schemeClr>
+            </a:lnRef>
+            <a:fillRef idx="1">
+              <a:schemeClr val="accent1"/>
+            </a:fillRef>
+            <a:effectRef idx="0">
+              <a:schemeClr val="accent1"/>
+            </a:effectRef>
+            <a:fontRef idx="minor">
+              <a:schemeClr val="lt1"/>
+            </a:fontRef>
+          </p:style>
+          <p:txBody>
+            <a:bodyPr rtlCol="0" anchor="ctr"/>
+            <a:lstStyle/>
+            <a:p>
+              <a:pPr algn="ctr"/>
+              <a:endParaRPr lang="en-US"/>
+            </a:p>
+          </p:txBody>
+        </p:sp>
+        <p:sp>
+          <p:nvSpPr>
+            <p:cNvPr id="100" name="Cube 99">
+              <a:extLst>
+                <a:ext uri="{FF2B5EF4-FFF2-40B4-BE49-F238E27FC236}">
+                  <a16:creationId xmlns:a16="http://schemas.microsoft.com/office/drawing/2014/main" id="{5517F085-9DCA-416C-839A-C2B16E6D5935}"/>
+                </a:ext>
+              </a:extLst>
+            </p:cNvPr>
+            <p:cNvSpPr/>
+            <p:nvPr/>
+          </p:nvSpPr>
+          <p:spPr>
+            <a:xfrm>
+              <a:off x="3613453" y="1337558"/>
+              <a:ext cx="4797121" cy="4182883"/>
+            </a:xfrm>
+            <a:prstGeom prst="cube">
+              <a:avLst/>
+            </a:prstGeom>
+            <a:noFill/>
+            <a:ln>
+              <a:solidFill>
+                <a:schemeClr val="tx1"/>
+              </a:solidFill>
+            </a:ln>
+          </p:spPr>
+          <p:style>
+            <a:lnRef idx="2">
+              <a:schemeClr val="accent1">
+                <a:shade val="50000"/>
+              </a:schemeClr>
+            </a:lnRef>
+            <a:fillRef idx="1">
+              <a:schemeClr val="accent1"/>
+            </a:fillRef>
+            <a:effectRef idx="0">
+              <a:schemeClr val="accent1"/>
+            </a:effectRef>
+            <a:fontRef idx="minor">
+              <a:schemeClr val="lt1"/>
+            </a:fontRef>
+          </p:style>
+          <p:txBody>
+            <a:bodyPr rtlCol="0" anchor="ctr"/>
+            <a:lstStyle/>
+            <a:p>
+              <a:pPr algn="ctr"/>
+              <a:endParaRPr lang="en-US"/>
+            </a:p>
+          </p:txBody>
+        </p:sp>
+        <p:cxnSp>
+          <p:nvCxnSpPr>
+            <p:cNvPr id="101" name="Straight Connector 100">
+              <a:extLst>
+                <a:ext uri="{FF2B5EF4-FFF2-40B4-BE49-F238E27FC236}">
+                  <a16:creationId xmlns:a16="http://schemas.microsoft.com/office/drawing/2014/main" id="{52D67C25-112A-4DE9-9FBB-308C69BADCC4}"/>
+                </a:ext>
+              </a:extLst>
+            </p:cNvPr>
+            <p:cNvCxnSpPr/>
+            <p:nvPr/>
+          </p:nvCxnSpPr>
+          <p:spPr>
+            <a:xfrm flipH="1">
+              <a:off x="3613453" y="4467225"/>
+              <a:ext cx="1044272" cy="1053216"/>
+            </a:xfrm>
+            <a:prstGeom prst="line">
+              <a:avLst/>
+            </a:prstGeom>
+            <a:ln>
+              <a:solidFill>
+                <a:schemeClr val="tx1"/>
+              </a:solidFill>
+            </a:ln>
+          </p:spPr>
+          <p:style>
+            <a:lnRef idx="1">
+              <a:schemeClr val="accent1"/>
+            </a:lnRef>
+            <a:fillRef idx="0">
+              <a:schemeClr val="accent1"/>
+            </a:fillRef>
+            <a:effectRef idx="0">
+              <a:schemeClr val="accent1"/>
+            </a:effectRef>
+            <a:fontRef idx="minor">
+              <a:schemeClr val="tx1"/>
+            </a:fontRef>
+          </p:style>
+        </p:cxnSp>
+      </p:grpSp>
+      <p:sp>
+        <p:nvSpPr>
+          <p:cNvPr id="102" name="TextBox 101">
+            <a:extLst>
+              <a:ext uri="{FF2B5EF4-FFF2-40B4-BE49-F238E27FC236}">
+                <a16:creationId xmlns:a16="http://schemas.microsoft.com/office/drawing/2014/main" id="{9D167FC0-2905-4B94-B114-E0DC4658E039}"/>
+              </a:ext>
+            </a:extLst>
+          </p:cNvPr>
+          <p:cNvSpPr txBox="1"/>
+          <p:nvPr/>
+        </p:nvSpPr>
+        <p:spPr>
+          <a:xfrm>
+            <a:off x="596039" y="4601879"/>
+            <a:ext cx="418704" cy="369332"/>
+          </a:xfrm>
+          <a:prstGeom prst="rect">
+            <a:avLst/>
+          </a:prstGeom>
+          <a:noFill/>
+        </p:spPr>
+        <p:txBody>
+          <a:bodyPr wrap="none" rtlCol="0">
+            <a:spAutoFit/>
+          </a:bodyPr>
+          <a:lstStyle/>
+          <a:p>
+            <a:r>
+              <a:rPr lang="en-US" dirty="0"/>
+              <a:t>30</a:t>
+            </a:r>
+          </a:p>
+        </p:txBody>
+      </p:sp>
+      <p:sp>
+        <p:nvSpPr>
+          <p:cNvPr id="103" name="TextBox 102">
+            <a:extLst>
+              <a:ext uri="{FF2B5EF4-FFF2-40B4-BE49-F238E27FC236}">
+                <a16:creationId xmlns:a16="http://schemas.microsoft.com/office/drawing/2014/main" id="{DFA701CC-97C6-4C42-BF83-414E99DB0E4E}"/>
+              </a:ext>
+            </a:extLst>
+          </p:cNvPr>
+          <p:cNvSpPr txBox="1"/>
+          <p:nvPr/>
+        </p:nvSpPr>
+        <p:spPr>
+          <a:xfrm>
+            <a:off x="1720606" y="4593692"/>
+            <a:ext cx="418704" cy="369332"/>
+          </a:xfrm>
+          <a:prstGeom prst="rect">
+            <a:avLst/>
+          </a:prstGeom>
+          <a:noFill/>
+        </p:spPr>
+        <p:txBody>
+          <a:bodyPr wrap="none" rtlCol="0">
+            <a:spAutoFit/>
+          </a:bodyPr>
+          <a:lstStyle/>
+          <a:p>
+            <a:r>
+              <a:rPr lang="en-US" dirty="0"/>
+              <a:t>31</a:t>
+            </a:r>
+          </a:p>
+        </p:txBody>
+      </p:sp>
+      <p:sp>
+        <p:nvSpPr>
+          <p:cNvPr id="104" name="TextBox 103">
+            <a:extLst>
+              <a:ext uri="{FF2B5EF4-FFF2-40B4-BE49-F238E27FC236}">
+                <a16:creationId xmlns:a16="http://schemas.microsoft.com/office/drawing/2014/main" id="{FC994EFE-D745-4CE7-BD28-A07239C9BCFD}"/>
+              </a:ext>
+            </a:extLst>
+          </p:cNvPr>
+          <p:cNvSpPr txBox="1"/>
+          <p:nvPr/>
+        </p:nvSpPr>
+        <p:spPr>
+          <a:xfrm>
+            <a:off x="1089100" y="3975479"/>
+            <a:ext cx="418704" cy="369332"/>
+          </a:xfrm>
+          <a:prstGeom prst="rect">
+            <a:avLst/>
+          </a:prstGeom>
+          <a:noFill/>
+        </p:spPr>
+        <p:txBody>
+          <a:bodyPr wrap="none" rtlCol="0">
+            <a:spAutoFit/>
+          </a:bodyPr>
+          <a:lstStyle/>
+          <a:p>
+            <a:r>
+              <a:rPr lang="en-US" dirty="0"/>
+              <a:t>32</a:t>
+            </a:r>
+          </a:p>
+        </p:txBody>
+      </p:sp>
+      <p:sp>
+        <p:nvSpPr>
+          <p:cNvPr id="105" name="TextBox 104">
+            <a:extLst>
+              <a:ext uri="{FF2B5EF4-FFF2-40B4-BE49-F238E27FC236}">
+                <a16:creationId xmlns:a16="http://schemas.microsoft.com/office/drawing/2014/main" id="{00AB27A9-4E36-4144-9E4A-3FA9A264764B}"/>
+              </a:ext>
+            </a:extLst>
+          </p:cNvPr>
+          <p:cNvSpPr txBox="1"/>
+          <p:nvPr/>
+        </p:nvSpPr>
+        <p:spPr>
+          <a:xfrm>
+            <a:off x="1895289" y="3986670"/>
+            <a:ext cx="418704" cy="369332"/>
+          </a:xfrm>
+          <a:prstGeom prst="rect">
+            <a:avLst/>
+          </a:prstGeom>
+          <a:noFill/>
+        </p:spPr>
+        <p:txBody>
+          <a:bodyPr wrap="none" rtlCol="0">
+            <a:spAutoFit/>
+          </a:bodyPr>
+          <a:lstStyle/>
+          <a:p>
+            <a:r>
+              <a:rPr lang="en-US" dirty="0"/>
+              <a:t>33</a:t>
+            </a:r>
+          </a:p>
+        </p:txBody>
+      </p:sp>
+      <p:sp>
+        <p:nvSpPr>
+          <p:cNvPr id="106" name="TextBox 105">
+            <a:extLst>
+              <a:ext uri="{FF2B5EF4-FFF2-40B4-BE49-F238E27FC236}">
+                <a16:creationId xmlns:a16="http://schemas.microsoft.com/office/drawing/2014/main" id="{DEDDB4F3-FC82-4F96-9666-EB5D35BE8974}"/>
+              </a:ext>
+            </a:extLst>
+          </p:cNvPr>
+          <p:cNvSpPr txBox="1"/>
+          <p:nvPr/>
+        </p:nvSpPr>
+        <p:spPr>
+          <a:xfrm>
+            <a:off x="468868" y="3454335"/>
+            <a:ext cx="418704" cy="369332"/>
+          </a:xfrm>
+          <a:prstGeom prst="rect">
+            <a:avLst/>
+          </a:prstGeom>
+          <a:noFill/>
+        </p:spPr>
+        <p:txBody>
+          <a:bodyPr wrap="none" rtlCol="0">
+            <a:spAutoFit/>
+          </a:bodyPr>
+          <a:lstStyle/>
+          <a:p>
+            <a:r>
+              <a:rPr lang="en-US" dirty="0"/>
+              <a:t>34</a:t>
+            </a:r>
+          </a:p>
+        </p:txBody>
+      </p:sp>
+      <p:sp>
+        <p:nvSpPr>
+          <p:cNvPr id="107" name="TextBox 106">
+            <a:extLst>
+              <a:ext uri="{FF2B5EF4-FFF2-40B4-BE49-F238E27FC236}">
+                <a16:creationId xmlns:a16="http://schemas.microsoft.com/office/drawing/2014/main" id="{0043A6FB-A494-40AB-A683-8556C4231F14}"/>
+              </a:ext>
+            </a:extLst>
+          </p:cNvPr>
+          <p:cNvSpPr txBox="1"/>
+          <p:nvPr/>
+        </p:nvSpPr>
+        <p:spPr>
+          <a:xfrm>
+            <a:off x="1843606" y="3557353"/>
+            <a:ext cx="418704" cy="369332"/>
+          </a:xfrm>
+          <a:prstGeom prst="rect">
+            <a:avLst/>
+          </a:prstGeom>
+          <a:noFill/>
+        </p:spPr>
+        <p:txBody>
+          <a:bodyPr wrap="none" rtlCol="0">
+            <a:spAutoFit/>
+          </a:bodyPr>
+          <a:lstStyle/>
+          <a:p>
+            <a:r>
+              <a:rPr lang="en-US" dirty="0"/>
+              <a:t>35</a:t>
+            </a:r>
+          </a:p>
+        </p:txBody>
+      </p:sp>
+      <p:sp>
+        <p:nvSpPr>
+          <p:cNvPr id="108" name="TextBox 107">
+            <a:extLst>
+              <a:ext uri="{FF2B5EF4-FFF2-40B4-BE49-F238E27FC236}">
+                <a16:creationId xmlns:a16="http://schemas.microsoft.com/office/drawing/2014/main" id="{1A7E93AC-8F55-4332-B265-70BB9BB97E23}"/>
+              </a:ext>
+            </a:extLst>
+          </p:cNvPr>
+          <p:cNvSpPr txBox="1"/>
+          <p:nvPr/>
+        </p:nvSpPr>
+        <p:spPr>
+          <a:xfrm>
+            <a:off x="848442" y="3085003"/>
+            <a:ext cx="418704" cy="369332"/>
+          </a:xfrm>
+          <a:prstGeom prst="rect">
+            <a:avLst/>
+          </a:prstGeom>
+          <a:noFill/>
+        </p:spPr>
+        <p:txBody>
+          <a:bodyPr wrap="none" rtlCol="0">
+            <a:spAutoFit/>
+          </a:bodyPr>
+          <a:lstStyle/>
+          <a:p>
+            <a:r>
+              <a:rPr lang="en-US" dirty="0"/>
+              <a:t>36</a:t>
+            </a:r>
+          </a:p>
+        </p:txBody>
+      </p:sp>
+      <p:sp>
+        <p:nvSpPr>
+          <p:cNvPr id="109" name="TextBox 108">
+            <a:extLst>
+              <a:ext uri="{FF2B5EF4-FFF2-40B4-BE49-F238E27FC236}">
+                <a16:creationId xmlns:a16="http://schemas.microsoft.com/office/drawing/2014/main" id="{D7FB314B-4572-4BE5-AC52-0EECA9972D11}"/>
+              </a:ext>
+            </a:extLst>
+          </p:cNvPr>
+          <p:cNvSpPr txBox="1"/>
+          <p:nvPr/>
+        </p:nvSpPr>
+        <p:spPr>
+          <a:xfrm>
+            <a:off x="1945062" y="3104036"/>
+            <a:ext cx="418704" cy="369332"/>
+          </a:xfrm>
+          <a:prstGeom prst="rect">
+            <a:avLst/>
+          </a:prstGeom>
+          <a:noFill/>
+        </p:spPr>
+        <p:txBody>
+          <a:bodyPr wrap="none" rtlCol="0">
+            <a:spAutoFit/>
+          </a:bodyPr>
+          <a:lstStyle/>
+          <a:p>
+            <a:r>
+              <a:rPr lang="en-US" dirty="0"/>
+              <a:t>37</a:t>
+            </a:r>
+          </a:p>
+        </p:txBody>
+      </p:sp>
+      <p:sp>
+        <p:nvSpPr>
+          <p:cNvPr id="110" name="TextBox 109">
+            <a:extLst>
+              <a:ext uri="{FF2B5EF4-FFF2-40B4-BE49-F238E27FC236}">
+                <a16:creationId xmlns:a16="http://schemas.microsoft.com/office/drawing/2014/main" id="{7E18C34B-0AC5-46E4-BE00-2F842F9DA8DB}"/>
+              </a:ext>
+            </a:extLst>
+          </p:cNvPr>
+          <p:cNvSpPr txBox="1"/>
+          <p:nvPr/>
+        </p:nvSpPr>
+        <p:spPr>
+          <a:xfrm>
+            <a:off x="2374444" y="4475867"/>
+            <a:ext cx="418704" cy="369332"/>
+          </a:xfrm>
+          <a:prstGeom prst="rect">
+            <a:avLst/>
+          </a:prstGeom>
+          <a:noFill/>
+        </p:spPr>
+        <p:txBody>
+          <a:bodyPr wrap="none" rtlCol="0">
+            <a:spAutoFit/>
+          </a:bodyPr>
+          <a:lstStyle/>
+          <a:p>
+            <a:r>
+              <a:rPr lang="en-US" dirty="0"/>
+              <a:t>38</a:t>
+            </a:r>
+          </a:p>
+        </p:txBody>
+      </p:sp>
+      <p:sp>
+        <p:nvSpPr>
+          <p:cNvPr id="111" name="TextBox 110">
+            <a:extLst>
+              <a:ext uri="{FF2B5EF4-FFF2-40B4-BE49-F238E27FC236}">
+                <a16:creationId xmlns:a16="http://schemas.microsoft.com/office/drawing/2014/main" id="{24AAACB6-8E95-46B9-8F4E-EB97C48D5DDC}"/>
+              </a:ext>
+            </a:extLst>
+          </p:cNvPr>
+          <p:cNvSpPr txBox="1"/>
+          <p:nvPr/>
+        </p:nvSpPr>
+        <p:spPr>
+          <a:xfrm>
+            <a:off x="3382386" y="4479296"/>
+            <a:ext cx="418704" cy="369332"/>
+          </a:xfrm>
+          <a:prstGeom prst="rect">
+            <a:avLst/>
+          </a:prstGeom>
+          <a:noFill/>
+        </p:spPr>
+        <p:txBody>
+          <a:bodyPr wrap="none" rtlCol="0">
+            <a:spAutoFit/>
+          </a:bodyPr>
+          <a:lstStyle/>
+          <a:p>
+            <a:r>
+              <a:rPr lang="en-US" dirty="0"/>
+              <a:t>39</a:t>
+            </a:r>
+          </a:p>
+        </p:txBody>
+      </p:sp>
+      <p:sp>
+        <p:nvSpPr>
+          <p:cNvPr id="112" name="TextBox 111">
+            <a:extLst>
+              <a:ext uri="{FF2B5EF4-FFF2-40B4-BE49-F238E27FC236}">
+                <a16:creationId xmlns:a16="http://schemas.microsoft.com/office/drawing/2014/main" id="{6493077B-C990-4F09-821E-BEE7982E7976}"/>
+              </a:ext>
+            </a:extLst>
+          </p:cNvPr>
+          <p:cNvSpPr txBox="1"/>
+          <p:nvPr/>
+        </p:nvSpPr>
+        <p:spPr>
+          <a:xfrm>
+            <a:off x="2797504" y="3947750"/>
+            <a:ext cx="418704" cy="369332"/>
+          </a:xfrm>
+          <a:prstGeom prst="rect">
+            <a:avLst/>
+          </a:prstGeom>
+          <a:noFill/>
+        </p:spPr>
+        <p:txBody>
+          <a:bodyPr wrap="none" rtlCol="0">
+            <a:spAutoFit/>
+          </a:bodyPr>
+          <a:lstStyle/>
+          <a:p>
+            <a:r>
+              <a:rPr lang="en-US" dirty="0"/>
+              <a:t>40</a:t>
+            </a:r>
+          </a:p>
+        </p:txBody>
+      </p:sp>
+      <p:sp>
+        <p:nvSpPr>
+          <p:cNvPr id="113" name="TextBox 112">
+            <a:extLst>
+              <a:ext uri="{FF2B5EF4-FFF2-40B4-BE49-F238E27FC236}">
+                <a16:creationId xmlns:a16="http://schemas.microsoft.com/office/drawing/2014/main" id="{D6E41DC6-A718-46C4-BA3F-29712A33DE85}"/>
+              </a:ext>
+            </a:extLst>
+          </p:cNvPr>
+          <p:cNvSpPr txBox="1"/>
+          <p:nvPr/>
+        </p:nvSpPr>
+        <p:spPr>
+          <a:xfrm>
+            <a:off x="3840285" y="3955135"/>
+            <a:ext cx="418704" cy="369332"/>
+          </a:xfrm>
+          <a:prstGeom prst="rect">
+            <a:avLst/>
+          </a:prstGeom>
+          <a:noFill/>
+        </p:spPr>
+        <p:txBody>
+          <a:bodyPr wrap="none" rtlCol="0">
+            <a:spAutoFit/>
+          </a:bodyPr>
+          <a:lstStyle/>
+          <a:p>
+            <a:r>
+              <a:rPr lang="en-US" dirty="0"/>
+              <a:t>41</a:t>
+            </a:r>
+          </a:p>
+        </p:txBody>
+      </p:sp>
+      <p:sp>
+        <p:nvSpPr>
+          <p:cNvPr id="114" name="TextBox 113">
+            <a:extLst>
+              <a:ext uri="{FF2B5EF4-FFF2-40B4-BE49-F238E27FC236}">
+                <a16:creationId xmlns:a16="http://schemas.microsoft.com/office/drawing/2014/main" id="{A59FDDB3-3CE8-43F9-BC62-CCE7B914FBDF}"/>
+              </a:ext>
+            </a:extLst>
+          </p:cNvPr>
+          <p:cNvSpPr txBox="1"/>
+          <p:nvPr/>
+        </p:nvSpPr>
+        <p:spPr>
+          <a:xfrm>
+            <a:off x="2541017" y="3368983"/>
+            <a:ext cx="418704" cy="369332"/>
+          </a:xfrm>
+          <a:prstGeom prst="rect">
+            <a:avLst/>
+          </a:prstGeom>
+          <a:noFill/>
+        </p:spPr>
+        <p:txBody>
+          <a:bodyPr wrap="none" rtlCol="0">
+            <a:spAutoFit/>
+          </a:bodyPr>
+          <a:lstStyle/>
+          <a:p>
+            <a:r>
+              <a:rPr lang="en-US" dirty="0"/>
+              <a:t>42</a:t>
+            </a:r>
+          </a:p>
+        </p:txBody>
+      </p:sp>
+      <p:sp>
+        <p:nvSpPr>
+          <p:cNvPr id="115" name="TextBox 114">
+            <a:extLst>
+              <a:ext uri="{FF2B5EF4-FFF2-40B4-BE49-F238E27FC236}">
+                <a16:creationId xmlns:a16="http://schemas.microsoft.com/office/drawing/2014/main" id="{DAD8F402-F93B-4760-9AB1-A72B5755FDD8}"/>
+              </a:ext>
+            </a:extLst>
+          </p:cNvPr>
+          <p:cNvSpPr txBox="1"/>
+          <p:nvPr/>
+        </p:nvSpPr>
+        <p:spPr>
+          <a:xfrm>
+            <a:off x="3546023" y="3448871"/>
+            <a:ext cx="418704" cy="369332"/>
+          </a:xfrm>
+          <a:prstGeom prst="rect">
+            <a:avLst/>
+          </a:prstGeom>
+          <a:noFill/>
+        </p:spPr>
+        <p:txBody>
+          <a:bodyPr wrap="none" rtlCol="0">
+            <a:spAutoFit/>
+          </a:bodyPr>
+          <a:lstStyle/>
+          <a:p>
+            <a:r>
+              <a:rPr lang="en-US" dirty="0"/>
+              <a:t>43</a:t>
+            </a:r>
+          </a:p>
+        </p:txBody>
+      </p:sp>
+      <p:sp>
+        <p:nvSpPr>
+          <p:cNvPr id="116" name="TextBox 115">
+            <a:extLst>
+              <a:ext uri="{FF2B5EF4-FFF2-40B4-BE49-F238E27FC236}">
+                <a16:creationId xmlns:a16="http://schemas.microsoft.com/office/drawing/2014/main" id="{23D1EE53-1A89-44E7-A0A0-299D78B05E06}"/>
+              </a:ext>
+            </a:extLst>
+          </p:cNvPr>
+          <p:cNvSpPr txBox="1"/>
+          <p:nvPr/>
+        </p:nvSpPr>
+        <p:spPr>
+          <a:xfrm>
+            <a:off x="2639290" y="3020912"/>
+            <a:ext cx="418704" cy="369332"/>
+          </a:xfrm>
+          <a:prstGeom prst="rect">
+            <a:avLst/>
+          </a:prstGeom>
+          <a:noFill/>
+        </p:spPr>
+        <p:txBody>
+          <a:bodyPr wrap="none" rtlCol="0">
+            <a:spAutoFit/>
+          </a:bodyPr>
+          <a:lstStyle/>
+          <a:p>
+            <a:r>
+              <a:rPr lang="en-US" dirty="0"/>
+              <a:t>44</a:t>
+            </a:r>
+          </a:p>
+        </p:txBody>
+      </p:sp>
+      <p:sp>
+        <p:nvSpPr>
+          <p:cNvPr id="117" name="TextBox 116">
+            <a:extLst>
+              <a:ext uri="{FF2B5EF4-FFF2-40B4-BE49-F238E27FC236}">
+                <a16:creationId xmlns:a16="http://schemas.microsoft.com/office/drawing/2014/main" id="{14A08E0D-D83F-46E1-8B98-B879823E29C1}"/>
+              </a:ext>
+            </a:extLst>
+          </p:cNvPr>
+          <p:cNvSpPr txBox="1"/>
+          <p:nvPr/>
+        </p:nvSpPr>
+        <p:spPr>
+          <a:xfrm>
+            <a:off x="3591738" y="3043514"/>
+            <a:ext cx="418704" cy="369332"/>
+          </a:xfrm>
+          <a:prstGeom prst="rect">
+            <a:avLst/>
+          </a:prstGeom>
+          <a:noFill/>
+        </p:spPr>
+        <p:txBody>
+          <a:bodyPr wrap="none" rtlCol="0">
+            <a:spAutoFit/>
+          </a:bodyPr>
+          <a:lstStyle/>
+          <a:p>
+            <a:r>
+              <a:rPr lang="en-US" dirty="0"/>
+              <a:t>45</a:t>
+            </a:r>
+          </a:p>
+        </p:txBody>
+      </p:sp>
+      <p:grpSp>
+        <p:nvGrpSpPr>
+          <p:cNvPr id="118" name="Group 117">
+            <a:extLst>
+              <a:ext uri="{FF2B5EF4-FFF2-40B4-BE49-F238E27FC236}">
+                <a16:creationId xmlns:a16="http://schemas.microsoft.com/office/drawing/2014/main" id="{3035F84E-ABB8-4D68-AEB9-90B0BB6D2D48}"/>
+              </a:ext>
+            </a:extLst>
+          </p:cNvPr>
+          <p:cNvGrpSpPr/>
+          <p:nvPr/>
+        </p:nvGrpSpPr>
+        <p:grpSpPr>
+          <a:xfrm>
+            <a:off x="6824478" y="3382156"/>
+            <a:ext cx="1382655" cy="1205616"/>
+            <a:chOff x="3613453" y="1337558"/>
+            <a:chExt cx="4797121" cy="4182883"/>
+          </a:xfrm>
+        </p:grpSpPr>
+        <p:sp>
+          <p:nvSpPr>
+            <p:cNvPr id="119" name="Rectangle 118">
+              <a:extLst>
+                <a:ext uri="{FF2B5EF4-FFF2-40B4-BE49-F238E27FC236}">
+                  <a16:creationId xmlns:a16="http://schemas.microsoft.com/office/drawing/2014/main" id="{E672D9DF-38B3-4702-8A72-B6FA3FCC0710}"/>
+                </a:ext>
+              </a:extLst>
+            </p:cNvPr>
+            <p:cNvSpPr/>
+            <p:nvPr/>
+          </p:nvSpPr>
+          <p:spPr>
+            <a:xfrm>
+              <a:off x="4657725" y="1337558"/>
+              <a:ext cx="3752849" cy="3129667"/>
+            </a:xfrm>
+            <a:prstGeom prst="rect">
+              <a:avLst/>
+            </a:prstGeom>
+            <a:solidFill>
+              <a:schemeClr val="bg1"/>
+            </a:solidFill>
+            <a:ln>
+              <a:solidFill>
+                <a:schemeClr val="tx1"/>
+              </a:solidFill>
+            </a:ln>
+          </p:spPr>
+          <p:style>
+            <a:lnRef idx="2">
+              <a:schemeClr val="accent1">
+                <a:shade val="50000"/>
+              </a:schemeClr>
+            </a:lnRef>
+            <a:fillRef idx="1">
+              <a:schemeClr val="accent1"/>
+            </a:fillRef>
+            <a:effectRef idx="0">
+              <a:schemeClr val="accent1"/>
+            </a:effectRef>
+            <a:fontRef idx="minor">
+              <a:schemeClr val="lt1"/>
+            </a:fontRef>
+          </p:style>
+          <p:txBody>
+            <a:bodyPr rtlCol="0" anchor="ctr"/>
+            <a:lstStyle/>
+            <a:p>
+              <a:pPr algn="ctr"/>
+              <a:endParaRPr lang="en-US"/>
+            </a:p>
+          </p:txBody>
+        </p:sp>
+        <p:sp>
+          <p:nvSpPr>
+            <p:cNvPr id="120" name="Cube 119">
+              <a:extLst>
+                <a:ext uri="{FF2B5EF4-FFF2-40B4-BE49-F238E27FC236}">
+                  <a16:creationId xmlns:a16="http://schemas.microsoft.com/office/drawing/2014/main" id="{6F6A1EAF-3880-4B03-81CD-F2DB6E6F77D7}"/>
+                </a:ext>
+              </a:extLst>
+            </p:cNvPr>
+            <p:cNvSpPr/>
+            <p:nvPr/>
+          </p:nvSpPr>
+          <p:spPr>
+            <a:xfrm>
+              <a:off x="3613453" y="1337558"/>
+              <a:ext cx="4797121" cy="4182883"/>
+            </a:xfrm>
+            <a:prstGeom prst="cube">
+              <a:avLst/>
+            </a:prstGeom>
+            <a:noFill/>
+            <a:ln>
+              <a:solidFill>
+                <a:schemeClr val="tx1"/>
+              </a:solidFill>
+            </a:ln>
+          </p:spPr>
+          <p:style>
+            <a:lnRef idx="2">
+              <a:schemeClr val="accent1">
+                <a:shade val="50000"/>
+              </a:schemeClr>
+            </a:lnRef>
+            <a:fillRef idx="1">
+              <a:schemeClr val="accent1"/>
+            </a:fillRef>
+            <a:effectRef idx="0">
+              <a:schemeClr val="accent1"/>
+            </a:effectRef>
+            <a:fontRef idx="minor">
+              <a:schemeClr val="lt1"/>
+            </a:fontRef>
+          </p:style>
+          <p:txBody>
+            <a:bodyPr rtlCol="0" anchor="ctr"/>
+            <a:lstStyle/>
+            <a:p>
+              <a:pPr algn="ctr"/>
+              <a:endParaRPr lang="en-US"/>
+            </a:p>
+          </p:txBody>
+        </p:sp>
+        <p:cxnSp>
+          <p:nvCxnSpPr>
+            <p:cNvPr id="121" name="Straight Connector 120">
+              <a:extLst>
+                <a:ext uri="{FF2B5EF4-FFF2-40B4-BE49-F238E27FC236}">
+                  <a16:creationId xmlns:a16="http://schemas.microsoft.com/office/drawing/2014/main" id="{424E7D59-CC78-4215-AAEC-402A18B00674}"/>
+                </a:ext>
+              </a:extLst>
+            </p:cNvPr>
+            <p:cNvCxnSpPr/>
+            <p:nvPr/>
+          </p:nvCxnSpPr>
+          <p:spPr>
+            <a:xfrm flipH="1">
+              <a:off x="3613453" y="4467225"/>
+              <a:ext cx="1044272" cy="1053216"/>
+            </a:xfrm>
+            <a:prstGeom prst="line">
+              <a:avLst/>
+            </a:prstGeom>
+            <a:ln>
+              <a:solidFill>
+                <a:schemeClr val="tx1"/>
+              </a:solidFill>
+            </a:ln>
+          </p:spPr>
+          <p:style>
+            <a:lnRef idx="1">
+              <a:schemeClr val="accent1"/>
+            </a:lnRef>
+            <a:fillRef idx="0">
+              <a:schemeClr val="accent1"/>
+            </a:fillRef>
+            <a:effectRef idx="0">
+              <a:schemeClr val="accent1"/>
+            </a:effectRef>
+            <a:fontRef idx="minor">
+              <a:schemeClr val="tx1"/>
+            </a:fontRef>
+          </p:style>
+        </p:cxnSp>
+      </p:grpSp>
+      <p:grpSp>
+        <p:nvGrpSpPr>
+          <p:cNvPr id="122" name="Group 121">
+            <a:extLst>
+              <a:ext uri="{FF2B5EF4-FFF2-40B4-BE49-F238E27FC236}">
+                <a16:creationId xmlns:a16="http://schemas.microsoft.com/office/drawing/2014/main" id="{997F00A6-962E-482F-B084-7528A165702B}"/>
+              </a:ext>
+            </a:extLst>
+          </p:cNvPr>
+          <p:cNvGrpSpPr/>
+          <p:nvPr/>
+        </p:nvGrpSpPr>
+        <p:grpSpPr>
+          <a:xfrm>
+            <a:off x="8482832" y="3336037"/>
+            <a:ext cx="1382655" cy="1205616"/>
+            <a:chOff x="3613453" y="1337558"/>
+            <a:chExt cx="4797121" cy="4182883"/>
+          </a:xfrm>
+        </p:grpSpPr>
+        <p:sp>
+          <p:nvSpPr>
+            <p:cNvPr id="123" name="Rectangle 122">
+              <a:extLst>
+                <a:ext uri="{FF2B5EF4-FFF2-40B4-BE49-F238E27FC236}">
+                  <a16:creationId xmlns:a16="http://schemas.microsoft.com/office/drawing/2014/main" id="{3CB30481-A710-4B51-B088-CCF4A2D019A7}"/>
+                </a:ext>
+              </a:extLst>
+            </p:cNvPr>
+            <p:cNvSpPr/>
+            <p:nvPr/>
+          </p:nvSpPr>
+          <p:spPr>
+            <a:xfrm>
+              <a:off x="4657725" y="1337558"/>
+              <a:ext cx="3752849" cy="3129667"/>
+            </a:xfrm>
+            <a:prstGeom prst="rect">
+              <a:avLst/>
+            </a:prstGeom>
+            <a:solidFill>
+              <a:schemeClr val="bg1"/>
+            </a:solidFill>
+            <a:ln>
+              <a:solidFill>
+                <a:schemeClr val="tx1"/>
+              </a:solidFill>
+            </a:ln>
+          </p:spPr>
+          <p:style>
+            <a:lnRef idx="2">
+              <a:schemeClr val="accent1">
+                <a:shade val="50000"/>
+              </a:schemeClr>
+            </a:lnRef>
+            <a:fillRef idx="1">
+              <a:schemeClr val="accent1"/>
+            </a:fillRef>
+            <a:effectRef idx="0">
+              <a:schemeClr val="accent1"/>
+            </a:effectRef>
+            <a:fontRef idx="minor">
+              <a:schemeClr val="lt1"/>
+            </a:fontRef>
+          </p:style>
+          <p:txBody>
+            <a:bodyPr rtlCol="0" anchor="ctr"/>
+            <a:lstStyle/>
+            <a:p>
+              <a:pPr algn="ctr"/>
+              <a:endParaRPr lang="en-US"/>
+            </a:p>
+          </p:txBody>
+        </p:sp>
+        <p:sp>
+          <p:nvSpPr>
+            <p:cNvPr id="124" name="Cube 123">
+              <a:extLst>
+                <a:ext uri="{FF2B5EF4-FFF2-40B4-BE49-F238E27FC236}">
+                  <a16:creationId xmlns:a16="http://schemas.microsoft.com/office/drawing/2014/main" id="{A35C3826-4003-47DC-8428-8D9B097EA978}"/>
+                </a:ext>
+              </a:extLst>
+            </p:cNvPr>
+            <p:cNvSpPr/>
+            <p:nvPr/>
+          </p:nvSpPr>
+          <p:spPr>
+            <a:xfrm>
+              <a:off x="3613453" y="1337558"/>
+              <a:ext cx="4797121" cy="4182883"/>
+            </a:xfrm>
+            <a:prstGeom prst="cube">
+              <a:avLst/>
+            </a:prstGeom>
+            <a:noFill/>
+            <a:ln>
+              <a:solidFill>
+                <a:schemeClr val="tx1"/>
+              </a:solidFill>
+            </a:ln>
+          </p:spPr>
+          <p:style>
+            <a:lnRef idx="2">
+              <a:schemeClr val="accent1">
+                <a:shade val="50000"/>
+              </a:schemeClr>
+            </a:lnRef>
+            <a:fillRef idx="1">
+              <a:schemeClr val="accent1"/>
+            </a:fillRef>
+            <a:effectRef idx="0">
+              <a:schemeClr val="accent1"/>
+            </a:effectRef>
+            <a:fontRef idx="minor">
+              <a:schemeClr val="lt1"/>
+            </a:fontRef>
+          </p:style>
+          <p:txBody>
+            <a:bodyPr rtlCol="0" anchor="ctr"/>
+            <a:lstStyle/>
+            <a:p>
+              <a:pPr algn="ctr"/>
+              <a:endParaRPr lang="en-US"/>
+            </a:p>
+          </p:txBody>
+        </p:sp>
+        <p:cxnSp>
+          <p:nvCxnSpPr>
+            <p:cNvPr id="125" name="Straight Connector 124">
+              <a:extLst>
+                <a:ext uri="{FF2B5EF4-FFF2-40B4-BE49-F238E27FC236}">
+                  <a16:creationId xmlns:a16="http://schemas.microsoft.com/office/drawing/2014/main" id="{818B4095-16AF-4074-8DA2-8E0B36C4F34F}"/>
+                </a:ext>
+              </a:extLst>
+            </p:cNvPr>
+            <p:cNvCxnSpPr/>
+            <p:nvPr/>
+          </p:nvCxnSpPr>
+          <p:spPr>
+            <a:xfrm flipH="1">
+              <a:off x="3613453" y="4467225"/>
+              <a:ext cx="1044272" cy="1053216"/>
+            </a:xfrm>
+            <a:prstGeom prst="line">
+              <a:avLst/>
+            </a:prstGeom>
+            <a:ln>
+              <a:solidFill>
+                <a:schemeClr val="tx1"/>
+              </a:solidFill>
+            </a:ln>
+          </p:spPr>
+          <p:style>
+            <a:lnRef idx="1">
+              <a:schemeClr val="accent1"/>
+            </a:lnRef>
+            <a:fillRef idx="0">
+              <a:schemeClr val="accent1"/>
+            </a:fillRef>
+            <a:effectRef idx="0">
+              <a:schemeClr val="accent1"/>
+            </a:effectRef>
+            <a:fontRef idx="minor">
+              <a:schemeClr val="tx1"/>
+            </a:fontRef>
+          </p:style>
+        </p:cxnSp>
+      </p:grpSp>
+      <p:sp>
+        <p:nvSpPr>
+          <p:cNvPr id="126" name="TextBox 125">
+            <a:extLst>
+              <a:ext uri="{FF2B5EF4-FFF2-40B4-BE49-F238E27FC236}">
+                <a16:creationId xmlns:a16="http://schemas.microsoft.com/office/drawing/2014/main" id="{1B12C0CB-FBDE-4FC2-A518-4C13C2E10E25}"/>
+              </a:ext>
+            </a:extLst>
+          </p:cNvPr>
+          <p:cNvSpPr txBox="1"/>
+          <p:nvPr/>
+        </p:nvSpPr>
+        <p:spPr>
+          <a:xfrm>
+            <a:off x="6576934" y="4594653"/>
+            <a:ext cx="721672" cy="369332"/>
+          </a:xfrm>
+          <a:prstGeom prst="rect">
+            <a:avLst/>
+          </a:prstGeom>
+          <a:noFill/>
+        </p:spPr>
+        <p:txBody>
+          <a:bodyPr wrap="none" rtlCol="0">
+            <a:spAutoFit/>
+          </a:bodyPr>
+          <a:lstStyle/>
+          <a:p>
+            <a:r>
+              <a:rPr lang="en-US" dirty="0"/>
+              <a:t>9,-5,3</a:t>
+            </a:r>
+          </a:p>
+        </p:txBody>
+      </p:sp>
+      <p:sp>
+        <p:nvSpPr>
+          <p:cNvPr id="127" name="TextBox 126">
+            <a:extLst>
+              <a:ext uri="{FF2B5EF4-FFF2-40B4-BE49-F238E27FC236}">
+                <a16:creationId xmlns:a16="http://schemas.microsoft.com/office/drawing/2014/main" id="{FACF5733-2364-4E08-9692-7620B3D074FB}"/>
+              </a:ext>
+            </a:extLst>
+          </p:cNvPr>
+          <p:cNvSpPr txBox="1"/>
+          <p:nvPr/>
+        </p:nvSpPr>
+        <p:spPr>
+          <a:xfrm>
+            <a:off x="7701501" y="4586466"/>
+            <a:ext cx="721672" cy="369332"/>
+          </a:xfrm>
+          <a:prstGeom prst="rect">
+            <a:avLst/>
+          </a:prstGeom>
+          <a:noFill/>
+        </p:spPr>
+        <p:txBody>
+          <a:bodyPr wrap="none" rtlCol="0">
+            <a:spAutoFit/>
+          </a:bodyPr>
+          <a:lstStyle/>
+          <a:p>
+            <a:r>
+              <a:rPr lang="en-US" dirty="0"/>
+              <a:t>9,-3,3</a:t>
+            </a:r>
+          </a:p>
+        </p:txBody>
+      </p:sp>
+      <p:sp>
+        <p:nvSpPr>
+          <p:cNvPr id="128" name="TextBox 127">
+            <a:extLst>
+              <a:ext uri="{FF2B5EF4-FFF2-40B4-BE49-F238E27FC236}">
+                <a16:creationId xmlns:a16="http://schemas.microsoft.com/office/drawing/2014/main" id="{D7D0301E-317F-48EE-B040-EC55104388AA}"/>
+              </a:ext>
+            </a:extLst>
+          </p:cNvPr>
+          <p:cNvSpPr txBox="1"/>
+          <p:nvPr/>
+        </p:nvSpPr>
+        <p:spPr>
+          <a:xfrm>
+            <a:off x="7069995" y="3968253"/>
+            <a:ext cx="721672" cy="369332"/>
+          </a:xfrm>
+          <a:prstGeom prst="rect">
+            <a:avLst/>
+          </a:prstGeom>
+          <a:noFill/>
+        </p:spPr>
+        <p:txBody>
+          <a:bodyPr wrap="none" rtlCol="0">
+            <a:spAutoFit/>
+          </a:bodyPr>
+          <a:lstStyle/>
+          <a:p>
+            <a:r>
+              <a:rPr lang="en-US" dirty="0"/>
+              <a:t>7,-5,3</a:t>
+            </a:r>
+          </a:p>
+        </p:txBody>
+      </p:sp>
+      <p:sp>
+        <p:nvSpPr>
+          <p:cNvPr id="129" name="TextBox 128">
+            <a:extLst>
+              <a:ext uri="{FF2B5EF4-FFF2-40B4-BE49-F238E27FC236}">
+                <a16:creationId xmlns:a16="http://schemas.microsoft.com/office/drawing/2014/main" id="{9F40ACC1-EA22-43F3-8A3E-7640E598F369}"/>
+              </a:ext>
+            </a:extLst>
+          </p:cNvPr>
+          <p:cNvSpPr txBox="1"/>
+          <p:nvPr/>
+        </p:nvSpPr>
+        <p:spPr>
+          <a:xfrm>
+            <a:off x="7876184" y="3979444"/>
+            <a:ext cx="721672" cy="369332"/>
+          </a:xfrm>
+          <a:prstGeom prst="rect">
+            <a:avLst/>
+          </a:prstGeom>
+          <a:noFill/>
+        </p:spPr>
+        <p:txBody>
+          <a:bodyPr wrap="none" rtlCol="0">
+            <a:spAutoFit/>
+          </a:bodyPr>
+          <a:lstStyle/>
+          <a:p>
+            <a:r>
+              <a:rPr lang="en-US" dirty="0"/>
+              <a:t>7,-3,3</a:t>
+            </a:r>
+          </a:p>
+        </p:txBody>
+      </p:sp>
+      <p:sp>
+        <p:nvSpPr>
+          <p:cNvPr id="130" name="TextBox 129">
+            <a:extLst>
+              <a:ext uri="{FF2B5EF4-FFF2-40B4-BE49-F238E27FC236}">
+                <a16:creationId xmlns:a16="http://schemas.microsoft.com/office/drawing/2014/main" id="{B796F774-F821-42E6-AEF5-3AEF00AA8DC8}"/>
+              </a:ext>
+            </a:extLst>
+          </p:cNvPr>
+          <p:cNvSpPr txBox="1"/>
+          <p:nvPr/>
+        </p:nvSpPr>
+        <p:spPr>
+          <a:xfrm>
+            <a:off x="6159812" y="3461092"/>
+            <a:ext cx="721672" cy="369332"/>
+          </a:xfrm>
+          <a:prstGeom prst="rect">
+            <a:avLst/>
+          </a:prstGeom>
+          <a:noFill/>
+        </p:spPr>
+        <p:txBody>
+          <a:bodyPr wrap="none" rtlCol="0">
+            <a:spAutoFit/>
+          </a:bodyPr>
+          <a:lstStyle/>
+          <a:p>
+            <a:r>
+              <a:rPr lang="en-US" dirty="0"/>
+              <a:t>9,-5,5</a:t>
+            </a:r>
+          </a:p>
+        </p:txBody>
+      </p:sp>
+      <p:sp>
+        <p:nvSpPr>
+          <p:cNvPr id="131" name="TextBox 130">
+            <a:extLst>
+              <a:ext uri="{FF2B5EF4-FFF2-40B4-BE49-F238E27FC236}">
+                <a16:creationId xmlns:a16="http://schemas.microsoft.com/office/drawing/2014/main" id="{DA9A5E7D-4545-406D-AA06-F7EB28BECC25}"/>
+              </a:ext>
+            </a:extLst>
+          </p:cNvPr>
+          <p:cNvSpPr txBox="1"/>
+          <p:nvPr/>
+        </p:nvSpPr>
+        <p:spPr>
+          <a:xfrm>
+            <a:off x="7824501" y="3550127"/>
+            <a:ext cx="721672" cy="369332"/>
+          </a:xfrm>
+          <a:prstGeom prst="rect">
+            <a:avLst/>
+          </a:prstGeom>
+          <a:noFill/>
+        </p:spPr>
+        <p:txBody>
+          <a:bodyPr wrap="none" rtlCol="0">
+            <a:spAutoFit/>
+          </a:bodyPr>
+          <a:lstStyle/>
+          <a:p>
+            <a:r>
+              <a:rPr lang="en-US" dirty="0"/>
+              <a:t>9,-3,5</a:t>
+            </a:r>
+          </a:p>
+        </p:txBody>
+      </p:sp>
+      <p:sp>
+        <p:nvSpPr>
+          <p:cNvPr id="132" name="TextBox 131">
+            <a:extLst>
+              <a:ext uri="{FF2B5EF4-FFF2-40B4-BE49-F238E27FC236}">
+                <a16:creationId xmlns:a16="http://schemas.microsoft.com/office/drawing/2014/main" id="{8DA406E1-E3A9-4059-8E4B-7D3FAC818EDE}"/>
+              </a:ext>
+            </a:extLst>
+          </p:cNvPr>
+          <p:cNvSpPr txBox="1"/>
+          <p:nvPr/>
+        </p:nvSpPr>
+        <p:spPr>
+          <a:xfrm>
+            <a:off x="6829337" y="3077777"/>
+            <a:ext cx="721672" cy="369332"/>
+          </a:xfrm>
+          <a:prstGeom prst="rect">
+            <a:avLst/>
+          </a:prstGeom>
+          <a:noFill/>
+        </p:spPr>
+        <p:txBody>
+          <a:bodyPr wrap="none" rtlCol="0">
+            <a:spAutoFit/>
+          </a:bodyPr>
+          <a:lstStyle/>
+          <a:p>
+            <a:r>
+              <a:rPr lang="en-US" dirty="0"/>
+              <a:t>7,-5,5</a:t>
+            </a:r>
+          </a:p>
+        </p:txBody>
+      </p:sp>
+      <p:sp>
+        <p:nvSpPr>
+          <p:cNvPr id="133" name="TextBox 132">
+            <a:extLst>
+              <a:ext uri="{FF2B5EF4-FFF2-40B4-BE49-F238E27FC236}">
+                <a16:creationId xmlns:a16="http://schemas.microsoft.com/office/drawing/2014/main" id="{098915F3-D9CF-4125-AD90-F1ACEF5CE492}"/>
+              </a:ext>
+            </a:extLst>
+          </p:cNvPr>
+          <p:cNvSpPr txBox="1"/>
+          <p:nvPr/>
+        </p:nvSpPr>
+        <p:spPr>
+          <a:xfrm>
+            <a:off x="7925957" y="3096810"/>
+            <a:ext cx="721672" cy="369332"/>
+          </a:xfrm>
+          <a:prstGeom prst="rect">
+            <a:avLst/>
+          </a:prstGeom>
+          <a:noFill/>
+        </p:spPr>
+        <p:txBody>
+          <a:bodyPr wrap="none" rtlCol="0">
+            <a:spAutoFit/>
+          </a:bodyPr>
+          <a:lstStyle/>
+          <a:p>
+            <a:r>
+              <a:rPr lang="en-US" dirty="0"/>
+              <a:t>7,-3,5</a:t>
+            </a:r>
+          </a:p>
+        </p:txBody>
+      </p:sp>
+      <p:sp>
+        <p:nvSpPr>
+          <p:cNvPr id="134" name="TextBox 133">
+            <a:extLst>
+              <a:ext uri="{FF2B5EF4-FFF2-40B4-BE49-F238E27FC236}">
+                <a16:creationId xmlns:a16="http://schemas.microsoft.com/office/drawing/2014/main" id="{8FE5F3D7-FC98-4668-AF3F-E834F216D25B}"/>
+              </a:ext>
+            </a:extLst>
+          </p:cNvPr>
+          <p:cNvSpPr txBox="1"/>
+          <p:nvPr/>
+        </p:nvSpPr>
+        <p:spPr>
+          <a:xfrm>
+            <a:off x="8355339" y="4468641"/>
+            <a:ext cx="651140" cy="369332"/>
+          </a:xfrm>
+          <a:prstGeom prst="rect">
+            <a:avLst/>
+          </a:prstGeom>
+          <a:noFill/>
+        </p:spPr>
+        <p:txBody>
+          <a:bodyPr wrap="none" rtlCol="0">
+            <a:spAutoFit/>
+          </a:bodyPr>
+          <a:lstStyle/>
+          <a:p>
+            <a:r>
+              <a:rPr lang="en-US" dirty="0"/>
+              <a:t>9,3,3</a:t>
+            </a:r>
+          </a:p>
+        </p:txBody>
+      </p:sp>
+      <p:sp>
+        <p:nvSpPr>
+          <p:cNvPr id="135" name="TextBox 134">
+            <a:extLst>
+              <a:ext uri="{FF2B5EF4-FFF2-40B4-BE49-F238E27FC236}">
+                <a16:creationId xmlns:a16="http://schemas.microsoft.com/office/drawing/2014/main" id="{52EC3117-BE45-4091-80D1-52B856C0D9FE}"/>
+              </a:ext>
+            </a:extLst>
+          </p:cNvPr>
+          <p:cNvSpPr txBox="1"/>
+          <p:nvPr/>
+        </p:nvSpPr>
+        <p:spPr>
+          <a:xfrm>
+            <a:off x="9363281" y="4472070"/>
+            <a:ext cx="651140" cy="369332"/>
+          </a:xfrm>
+          <a:prstGeom prst="rect">
+            <a:avLst/>
+          </a:prstGeom>
+          <a:noFill/>
+        </p:spPr>
+        <p:txBody>
+          <a:bodyPr wrap="none" rtlCol="0">
+            <a:spAutoFit/>
+          </a:bodyPr>
+          <a:lstStyle/>
+          <a:p>
+            <a:r>
+              <a:rPr lang="en-US" dirty="0"/>
+              <a:t>9,5,3</a:t>
+            </a:r>
+          </a:p>
+        </p:txBody>
+      </p:sp>
+      <p:sp>
+        <p:nvSpPr>
+          <p:cNvPr id="136" name="TextBox 135">
+            <a:extLst>
+              <a:ext uri="{FF2B5EF4-FFF2-40B4-BE49-F238E27FC236}">
+                <a16:creationId xmlns:a16="http://schemas.microsoft.com/office/drawing/2014/main" id="{CCCF90A9-7CD6-47AD-8510-629EB7D5DA23}"/>
+              </a:ext>
+            </a:extLst>
+          </p:cNvPr>
+          <p:cNvSpPr txBox="1"/>
+          <p:nvPr/>
+        </p:nvSpPr>
+        <p:spPr>
+          <a:xfrm>
+            <a:off x="8778399" y="3940524"/>
+            <a:ext cx="651140" cy="369332"/>
+          </a:xfrm>
+          <a:prstGeom prst="rect">
+            <a:avLst/>
+          </a:prstGeom>
+          <a:noFill/>
+        </p:spPr>
+        <p:txBody>
+          <a:bodyPr wrap="none" rtlCol="0">
+            <a:spAutoFit/>
+          </a:bodyPr>
+          <a:lstStyle/>
+          <a:p>
+            <a:r>
+              <a:rPr lang="en-US" dirty="0"/>
+              <a:t>7,3,3</a:t>
+            </a:r>
+          </a:p>
+        </p:txBody>
+      </p:sp>
+      <p:sp>
+        <p:nvSpPr>
+          <p:cNvPr id="137" name="TextBox 136">
+            <a:extLst>
+              <a:ext uri="{FF2B5EF4-FFF2-40B4-BE49-F238E27FC236}">
+                <a16:creationId xmlns:a16="http://schemas.microsoft.com/office/drawing/2014/main" id="{994E5302-32A1-4225-A6E7-746CD35FFF78}"/>
+              </a:ext>
+            </a:extLst>
+          </p:cNvPr>
+          <p:cNvSpPr txBox="1"/>
+          <p:nvPr/>
+        </p:nvSpPr>
+        <p:spPr>
+          <a:xfrm>
+            <a:off x="9821180" y="3947909"/>
+            <a:ext cx="651140" cy="369332"/>
+          </a:xfrm>
+          <a:prstGeom prst="rect">
+            <a:avLst/>
+          </a:prstGeom>
+          <a:noFill/>
+        </p:spPr>
+        <p:txBody>
+          <a:bodyPr wrap="none" rtlCol="0">
+            <a:spAutoFit/>
+          </a:bodyPr>
+          <a:lstStyle/>
+          <a:p>
+            <a:r>
+              <a:rPr lang="en-US" dirty="0"/>
+              <a:t>7,5,3</a:t>
+            </a:r>
+          </a:p>
+        </p:txBody>
+      </p:sp>
+      <p:sp>
+        <p:nvSpPr>
+          <p:cNvPr id="138" name="TextBox 137">
+            <a:extLst>
+              <a:ext uri="{FF2B5EF4-FFF2-40B4-BE49-F238E27FC236}">
+                <a16:creationId xmlns:a16="http://schemas.microsoft.com/office/drawing/2014/main" id="{CF35A467-72B1-4E91-8611-E91197F3EC7D}"/>
+              </a:ext>
+            </a:extLst>
+          </p:cNvPr>
+          <p:cNvSpPr txBox="1"/>
+          <p:nvPr/>
+        </p:nvSpPr>
+        <p:spPr>
+          <a:xfrm>
+            <a:off x="8521912" y="3361757"/>
+            <a:ext cx="651140" cy="369332"/>
+          </a:xfrm>
+          <a:prstGeom prst="rect">
+            <a:avLst/>
+          </a:prstGeom>
+          <a:noFill/>
+        </p:spPr>
+        <p:txBody>
+          <a:bodyPr wrap="none" rtlCol="0">
+            <a:spAutoFit/>
+          </a:bodyPr>
+          <a:lstStyle/>
+          <a:p>
+            <a:r>
+              <a:rPr lang="en-US" dirty="0"/>
               <a:t>9,3,5</a:t>
             </a:r>
           </a:p>
@@ -8987,19 +11636,19 @@
       </p:sp>
       <p:sp>
         <p:nvSpPr>
-          <p:cNvPr id="157" name="TextBox 156">
-            <a:extLst>
-              <a:ext uri="{FF2B5EF4-FFF2-40B4-BE49-F238E27FC236}">
-                <a16:creationId xmlns:a16="http://schemas.microsoft.com/office/drawing/2014/main" id="{55BFC0ED-7197-43A2-A7A3-C189E63F7AF5}"/>
-              </a:ext>
-            </a:extLst>
-          </p:cNvPr>
-          <p:cNvSpPr txBox="1"/>
-          <p:nvPr/>
-        </p:nvSpPr>
-        <p:spPr>
-          <a:xfrm>
-            <a:off x="9991573" y="-2014727"/>
+          <p:cNvPr id="139" name="TextBox 138">
+            <a:extLst>
+              <a:ext uri="{FF2B5EF4-FFF2-40B4-BE49-F238E27FC236}">
+                <a16:creationId xmlns:a16="http://schemas.microsoft.com/office/drawing/2014/main" id="{483AE7F3-EC0D-470A-8278-2DEEB2464127}"/>
+              </a:ext>
+            </a:extLst>
+          </p:cNvPr>
+          <p:cNvSpPr txBox="1"/>
+          <p:nvPr/>
+        </p:nvSpPr>
+        <p:spPr>
+          <a:xfrm>
+            <a:off x="9526918" y="3441645"/>
             <a:ext cx="651140" cy="369332"/>
           </a:xfrm>
           <a:prstGeom prst="rect">
@@ -9015,26 +11664,26 @@
           <a:p>
             <a:r>
               <a:rPr lang="en-US" dirty="0"/>
-              <a:t>9,4,5</a:t>
-            </a:r>
-          </a:p>
-        </p:txBody>
-      </p:sp>
-      <p:sp>
-        <p:nvSpPr>
-          <p:cNvPr id="158" name="TextBox 157">
-            <a:extLst>
-              <a:ext uri="{FF2B5EF4-FFF2-40B4-BE49-F238E27FC236}">
-                <a16:creationId xmlns:a16="http://schemas.microsoft.com/office/drawing/2014/main" id="{AF04C8E7-F1E4-424B-BAB7-72E7D5EDE2C9}"/>
-              </a:ext>
-            </a:extLst>
-          </p:cNvPr>
-          <p:cNvSpPr txBox="1"/>
-          <p:nvPr/>
-        </p:nvSpPr>
-        <p:spPr>
-          <a:xfrm>
-            <a:off x="9011796" y="-1150853"/>
+              <a:t>9,5,5</a:t>
+            </a:r>
+          </a:p>
+        </p:txBody>
+      </p:sp>
+      <p:sp>
+        <p:nvSpPr>
+          <p:cNvPr id="140" name="TextBox 139">
+            <a:extLst>
+              <a:ext uri="{FF2B5EF4-FFF2-40B4-BE49-F238E27FC236}">
+                <a16:creationId xmlns:a16="http://schemas.microsoft.com/office/drawing/2014/main" id="{B9ADBDB4-2F92-4441-BE3D-9756C37AA3BC}"/>
+              </a:ext>
+            </a:extLst>
+          </p:cNvPr>
+          <p:cNvSpPr txBox="1"/>
+          <p:nvPr/>
+        </p:nvSpPr>
+        <p:spPr>
+          <a:xfrm>
+            <a:off x="8623284" y="3015068"/>
             <a:ext cx="651140" cy="369332"/>
           </a:xfrm>
           <a:prstGeom prst="rect">
@@ -9050,26 +11699,26 @@
           <a:p>
             <a:r>
               <a:rPr lang="en-US" dirty="0"/>
-              <a:t>9,3,4</a:t>
-            </a:r>
-          </a:p>
-        </p:txBody>
-      </p:sp>
-      <p:sp>
-        <p:nvSpPr>
-          <p:cNvPr id="159" name="TextBox 158">
-            <a:extLst>
-              <a:ext uri="{FF2B5EF4-FFF2-40B4-BE49-F238E27FC236}">
-                <a16:creationId xmlns:a16="http://schemas.microsoft.com/office/drawing/2014/main" id="{5CE1D8CC-DCD0-44E2-8F5D-3AC0CF5246CC}"/>
-              </a:ext>
-            </a:extLst>
-          </p:cNvPr>
-          <p:cNvSpPr txBox="1"/>
-          <p:nvPr/>
-        </p:nvSpPr>
-        <p:spPr>
-          <a:xfrm>
-            <a:off x="10270815" y="-1085085"/>
+              <a:t>7,3,5</a:t>
+            </a:r>
+          </a:p>
+        </p:txBody>
+      </p:sp>
+      <p:sp>
+        <p:nvSpPr>
+          <p:cNvPr id="141" name="TextBox 140">
+            <a:extLst>
+              <a:ext uri="{FF2B5EF4-FFF2-40B4-BE49-F238E27FC236}">
+                <a16:creationId xmlns:a16="http://schemas.microsoft.com/office/drawing/2014/main" id="{BFA59CF5-DCB8-494D-8EC1-92A0B154E06C}"/>
+              </a:ext>
+            </a:extLst>
+          </p:cNvPr>
+          <p:cNvSpPr txBox="1"/>
+          <p:nvPr/>
+        </p:nvSpPr>
+        <p:spPr>
+          <a:xfrm>
+            <a:off x="9575732" y="3037670"/>
             <a:ext cx="651140" cy="369332"/>
           </a:xfrm>
           <a:prstGeom prst="rect">
@@ -9085,182 +11734,7 @@
           <a:p>
             <a:r>
               <a:rPr lang="en-US" dirty="0"/>
-              <a:t>9,4,4</a:t>
-            </a:r>
-          </a:p>
-        </p:txBody>
-      </p:sp>
-      <p:sp>
-        <p:nvSpPr>
-          <p:cNvPr id="160" name="TextBox 159">
-            <a:extLst>
-              <a:ext uri="{FF2B5EF4-FFF2-40B4-BE49-F238E27FC236}">
-                <a16:creationId xmlns:a16="http://schemas.microsoft.com/office/drawing/2014/main" id="{A0FFE3F1-7BBF-4E98-960A-25C3A4B8D51D}"/>
-              </a:ext>
-            </a:extLst>
-          </p:cNvPr>
-          <p:cNvSpPr txBox="1"/>
-          <p:nvPr/>
-        </p:nvSpPr>
-        <p:spPr>
-          <a:xfrm>
-            <a:off x="9566357" y="-2638118"/>
-            <a:ext cx="651140" cy="369332"/>
-          </a:xfrm>
-          <a:prstGeom prst="rect">
-            <a:avLst/>
-          </a:prstGeom>
-          <a:noFill/>
-        </p:spPr>
-        <p:txBody>
-          <a:bodyPr wrap="none" rtlCol="0">
-            <a:spAutoFit/>
-          </a:bodyPr>
-          <a:lstStyle/>
-          <a:p>
-            <a:r>
-              <a:rPr lang="en-US" dirty="0"/>
-              <a:t>7,3,5</a:t>
-            </a:r>
-          </a:p>
-        </p:txBody>
-      </p:sp>
-      <p:sp>
-        <p:nvSpPr>
-          <p:cNvPr id="161" name="TextBox 160">
-            <a:extLst>
-              <a:ext uri="{FF2B5EF4-FFF2-40B4-BE49-F238E27FC236}">
-                <a16:creationId xmlns:a16="http://schemas.microsoft.com/office/drawing/2014/main" id="{B58110E7-38F5-469E-B492-BFA89DB03684}"/>
-              </a:ext>
-            </a:extLst>
-          </p:cNvPr>
-          <p:cNvSpPr txBox="1"/>
-          <p:nvPr/>
-        </p:nvSpPr>
-        <p:spPr>
-          <a:xfrm>
-            <a:off x="10660066" y="-2637798"/>
-            <a:ext cx="651140" cy="369332"/>
-          </a:xfrm>
-          <a:prstGeom prst="rect">
-            <a:avLst/>
-          </a:prstGeom>
-          <a:noFill/>
-        </p:spPr>
-        <p:txBody>
-          <a:bodyPr wrap="none" rtlCol="0">
-            <a:spAutoFit/>
-          </a:bodyPr>
-          <a:lstStyle/>
-          <a:p>
-            <a:r>
-              <a:rPr lang="en-US" dirty="0"/>
-              <a:t>7,4,5</a:t>
-            </a:r>
-          </a:p>
-        </p:txBody>
-      </p:sp>
-      <p:sp>
-        <p:nvSpPr>
-          <p:cNvPr id="162" name="TextBox 161">
-            <a:extLst>
-              <a:ext uri="{FF2B5EF4-FFF2-40B4-BE49-F238E27FC236}">
-                <a16:creationId xmlns:a16="http://schemas.microsoft.com/office/drawing/2014/main" id="{7123D3BF-51E0-42AC-875A-AF1F5DFEB700}"/>
-              </a:ext>
-            </a:extLst>
-          </p:cNvPr>
-          <p:cNvSpPr txBox="1"/>
-          <p:nvPr/>
-        </p:nvSpPr>
-        <p:spPr>
-          <a:xfrm>
-            <a:off x="9696596" y="-1665978"/>
-            <a:ext cx="651140" cy="369332"/>
-          </a:xfrm>
-          <a:prstGeom prst="rect">
-            <a:avLst/>
-          </a:prstGeom>
-          <a:noFill/>
-        </p:spPr>
-        <p:txBody>
-          <a:bodyPr wrap="none" rtlCol="0">
-            <a:spAutoFit/>
-          </a:bodyPr>
-          <a:lstStyle/>
-          <a:p>
-            <a:r>
-              <a:rPr lang="en-US" dirty="0"/>
-              <a:t>7,3,4</a:t>
-            </a:r>
-          </a:p>
-        </p:txBody>
-      </p:sp>
-      <p:sp>
-        <p:nvSpPr>
-          <p:cNvPr id="163" name="TextBox 162">
-            <a:extLst>
-              <a:ext uri="{FF2B5EF4-FFF2-40B4-BE49-F238E27FC236}">
-                <a16:creationId xmlns:a16="http://schemas.microsoft.com/office/drawing/2014/main" id="{D131161D-2A7B-4CFF-94F1-D5136EAD3274}"/>
-              </a:ext>
-            </a:extLst>
-          </p:cNvPr>
-          <p:cNvSpPr txBox="1"/>
-          <p:nvPr/>
-        </p:nvSpPr>
-        <p:spPr>
-          <a:xfrm>
-            <a:off x="10791682" y="-1628252"/>
-            <a:ext cx="651140" cy="369332"/>
-          </a:xfrm>
-          <a:prstGeom prst="rect">
-            <a:avLst/>
-          </a:prstGeom>
-          <a:noFill/>
-        </p:spPr>
-        <p:txBody>
-          <a:bodyPr wrap="none" rtlCol="0">
-            <a:spAutoFit/>
-          </a:bodyPr>
-          <a:lstStyle/>
-          <a:p>
-            <a:r>
-              <a:rPr lang="en-US" dirty="0"/>
-              <a:t>7,4,4</a:t>
-            </a:r>
-          </a:p>
-        </p:txBody>
-      </p:sp>
-      <p:sp>
-        <p:nvSpPr>
-          <p:cNvPr id="164" name="TextBox 163">
-            <a:extLst>
-              <a:ext uri="{FF2B5EF4-FFF2-40B4-BE49-F238E27FC236}">
-                <a16:creationId xmlns:a16="http://schemas.microsoft.com/office/drawing/2014/main" id="{22F0A5EE-1FCB-4B4D-9A50-CDDC1A96972A}"/>
-              </a:ext>
-            </a:extLst>
-          </p:cNvPr>
-          <p:cNvSpPr txBox="1"/>
-          <p:nvPr/>
-        </p:nvSpPr>
-        <p:spPr>
-          <a:xfrm>
-            <a:off x="8172984" y="-1568878"/>
-            <a:ext cx="721672" cy="369332"/>
-          </a:xfrm>
-          <a:prstGeom prst="rect">
-            <a:avLst/>
-          </a:prstGeom>
-          <a:noFill/>
-        </p:spPr>
-        <p:txBody>
-          <a:bodyPr wrap="none" rtlCol="0">
-            <a:spAutoFit/>
-          </a:bodyPr>
-          <a:lstStyle/>
-          <a:p>
-            <a:r>
-              <a:rPr lang="en-US" dirty="0"/>
-              <a:t>7,-3,4</a:t>
+              <a:t>7,5,5</a:t>
             </a:r>
           </a:p>
         </p:txBody>
@@ -9268,7 +11742,7 @@
     </p:spTree>
     <p:extLst>
       <p:ext uri="{BB962C8B-B14F-4D97-AF65-F5344CB8AC3E}">
-        <p14:creationId xmlns:p14="http://schemas.microsoft.com/office/powerpoint/2010/main" val="2575630432"/>
+        <p14:creationId xmlns:p14="http://schemas.microsoft.com/office/powerpoint/2010/main" val="3405216277"/>
       </p:ext>
     </p:extLst>
   </p:cSld>

--- a/shape.pptx
+++ b/shape.pptx
@@ -261,7 +261,7 @@
           <a:p>
             <a:fld id="{49EAE364-C7E0-4033-A71D-0B99B0E1032F}" type="datetimeFigureOut">
               <a:rPr lang="en-US" smtClean="0"/>
-              <a:t>21-Apr-20</a:t>
+              <a:t>23-Apr-20</a:t>
             </a:fld>
             <a:endParaRPr lang="en-US"/>
           </a:p>
@@ -459,7 +459,7 @@
           <a:p>
             <a:fld id="{49EAE364-C7E0-4033-A71D-0B99B0E1032F}" type="datetimeFigureOut">
               <a:rPr lang="en-US" smtClean="0"/>
-              <a:t>21-Apr-20</a:t>
+              <a:t>23-Apr-20</a:t>
             </a:fld>
             <a:endParaRPr lang="en-US"/>
           </a:p>
@@ -667,7 +667,7 @@
           <a:p>
             <a:fld id="{49EAE364-C7E0-4033-A71D-0B99B0E1032F}" type="datetimeFigureOut">
               <a:rPr lang="en-US" smtClean="0"/>
-              <a:t>21-Apr-20</a:t>
+              <a:t>23-Apr-20</a:t>
             </a:fld>
             <a:endParaRPr lang="en-US"/>
           </a:p>
@@ -865,7 +865,7 @@
           <a:p>
             <a:fld id="{49EAE364-C7E0-4033-A71D-0B99B0E1032F}" type="datetimeFigureOut">
               <a:rPr lang="en-US" smtClean="0"/>
-              <a:t>21-Apr-20</a:t>
+              <a:t>23-Apr-20</a:t>
             </a:fld>
             <a:endParaRPr lang="en-US"/>
           </a:p>
@@ -1140,7 +1140,7 @@
           <a:p>
             <a:fld id="{49EAE364-C7E0-4033-A71D-0B99B0E1032F}" type="datetimeFigureOut">
               <a:rPr lang="en-US" smtClean="0"/>
-              <a:t>21-Apr-20</a:t>
+              <a:t>23-Apr-20</a:t>
             </a:fld>
             <a:endParaRPr lang="en-US"/>
           </a:p>
@@ -1405,7 +1405,7 @@
           <a:p>
             <a:fld id="{49EAE364-C7E0-4033-A71D-0B99B0E1032F}" type="datetimeFigureOut">
               <a:rPr lang="en-US" smtClean="0"/>
-              <a:t>21-Apr-20</a:t>
+              <a:t>23-Apr-20</a:t>
             </a:fld>
             <a:endParaRPr lang="en-US"/>
           </a:p>
@@ -1817,7 +1817,7 @@
           <a:p>
             <a:fld id="{49EAE364-C7E0-4033-A71D-0B99B0E1032F}" type="datetimeFigureOut">
               <a:rPr lang="en-US" smtClean="0"/>
-              <a:t>21-Apr-20</a:t>
+              <a:t>23-Apr-20</a:t>
             </a:fld>
             <a:endParaRPr lang="en-US"/>
           </a:p>
@@ -1958,7 +1958,7 @@
           <a:p>
             <a:fld id="{49EAE364-C7E0-4033-A71D-0B99B0E1032F}" type="datetimeFigureOut">
               <a:rPr lang="en-US" smtClean="0"/>
-              <a:t>21-Apr-20</a:t>
+              <a:t>23-Apr-20</a:t>
             </a:fld>
             <a:endParaRPr lang="en-US"/>
           </a:p>
@@ -2071,7 +2071,7 @@
           <a:p>
             <a:fld id="{49EAE364-C7E0-4033-A71D-0B99B0E1032F}" type="datetimeFigureOut">
               <a:rPr lang="en-US" smtClean="0"/>
-              <a:t>21-Apr-20</a:t>
+              <a:t>23-Apr-20</a:t>
             </a:fld>
             <a:endParaRPr lang="en-US"/>
           </a:p>
@@ -2382,7 +2382,7 @@
           <a:p>
             <a:fld id="{49EAE364-C7E0-4033-A71D-0B99B0E1032F}" type="datetimeFigureOut">
               <a:rPr lang="en-US" smtClean="0"/>
-              <a:t>21-Apr-20</a:t>
+              <a:t>23-Apr-20</a:t>
             </a:fld>
             <a:endParaRPr lang="en-US"/>
           </a:p>
@@ -2670,7 +2670,7 @@
           <a:p>
             <a:fld id="{49EAE364-C7E0-4033-A71D-0B99B0E1032F}" type="datetimeFigureOut">
               <a:rPr lang="en-US" smtClean="0"/>
-              <a:t>21-Apr-20</a:t>
+              <a:t>23-Apr-20</a:t>
             </a:fld>
             <a:endParaRPr lang="en-US"/>
           </a:p>
@@ -2911,7 +2911,7 @@
           <a:p>
             <a:fld id="{49EAE364-C7E0-4033-A71D-0B99B0E1032F}" type="datetimeFigureOut">
               <a:rPr lang="en-US" smtClean="0"/>
-              <a:t>21-Apr-20</a:t>
+              <a:t>23-Apr-20</a:t>
             </a:fld>
             <a:endParaRPr lang="en-US"/>
           </a:p>
